--- a/Presentation.pptx
+++ b/Presentation.pptx
@@ -7,9 +7,27 @@
   <p:sldIdLst>
     <p:sldId id="256" r:id="rId2"/>
     <p:sldId id="257" r:id="rId3"/>
-    <p:sldId id="258" r:id="rId4"/>
-    <p:sldId id="259" r:id="rId5"/>
-    <p:sldId id="260" r:id="rId6"/>
+    <p:sldId id="274" r:id="rId4"/>
+    <p:sldId id="272" r:id="rId5"/>
+    <p:sldId id="273" r:id="rId6"/>
+    <p:sldId id="262" r:id="rId7"/>
+    <p:sldId id="264" r:id="rId8"/>
+    <p:sldId id="265" r:id="rId9"/>
+    <p:sldId id="266" r:id="rId10"/>
+    <p:sldId id="267" r:id="rId11"/>
+    <p:sldId id="268" r:id="rId12"/>
+    <p:sldId id="270" r:id="rId13"/>
+    <p:sldId id="263" r:id="rId14"/>
+    <p:sldId id="269" r:id="rId15"/>
+    <p:sldId id="271" r:id="rId16"/>
+    <p:sldId id="280" r:id="rId17"/>
+    <p:sldId id="275" r:id="rId18"/>
+    <p:sldId id="276" r:id="rId19"/>
+    <p:sldId id="278" r:id="rId20"/>
+    <p:sldId id="277" r:id="rId21"/>
+    <p:sldId id="279" r:id="rId22"/>
+    <p:sldId id="281" r:id="rId23"/>
+    <p:sldId id="260" r:id="rId24"/>
   </p:sldIdLst>
   <p:sldSz cx="12192000" cy="6858000"/>
   <p:notesSz cx="6858000" cy="9144000"/>
@@ -119,7 +137,10 @@
 <file path=ppt/revisionInfo.xml><?xml version="1.0" encoding="utf-8"?>
 <p1510:revInfo xmlns:a="http://schemas.openxmlformats.org/drawingml/2006/main" xmlns:r="http://schemas.openxmlformats.org/officeDocument/2006/relationships" xmlns:p1510="http://schemas.microsoft.com/office/powerpoint/2015/10/main">
   <p1510:revLst>
+    <p1510:client id="{18323D1B-9F23-47EF-8A9E-BDDF51020A16}" v="1048" dt="2024-05-03T21:33:14.106"/>
     <p1510:client id="{2D73B314-04F0-445C-A2B1-70CD55E06F6D}" v="42" dt="2024-05-03T00:19:43.907"/>
+    <p1510:client id="{525B902B-68B7-4103-A90F-24BB14A36056}" v="27" dt="2024-05-03T21:06:20.310"/>
+    <p1510:client id="{A7D45877-9029-4DD7-9C5D-DE4AFD9D8E5F}" v="1129" dt="2024-05-03T20:59:47.220"/>
   </p1510:revLst>
 </p1510:revInfo>
 </file>
@@ -127,462 +148,49 @@
 <file path=ppt/changesInfos/changesInfo1.xml><?xml version="1.0" encoding="utf-8"?>
 <pc:chgInfo xmlns:a="http://schemas.openxmlformats.org/drawingml/2006/main" xmlns:r="http://schemas.openxmlformats.org/officeDocument/2006/relationships" xmlns:ac="http://schemas.microsoft.com/office/drawing/2013/main/command" xmlns:pc="http://schemas.microsoft.com/office/powerpoint/2013/main/command">
   <pc:docChgLst>
-    <pc:chgData name="Eduardo Savian" userId="83fefb37af455394" providerId="Windows Live" clId="Web-{3C1BC0FA-3481-4802-B735-1E7E329A2E8B}"/>
-    <pc:docChg chg="modSld addMainMaster delMainMaster">
-      <pc:chgData name="Eduardo Savian" userId="83fefb37af455394" providerId="Windows Live" clId="Web-{3C1BC0FA-3481-4802-B735-1E7E329A2E8B}" dt="2024-04-26T19:48:19.076" v="31"/>
+    <pc:chgData name="Guest User" providerId="Windows Live" clId="Web-{525B902B-68B7-4103-A90F-24BB14A36056}"/>
+    <pc:docChg chg="delSld modSld">
+      <pc:chgData name="Guest User" userId="" providerId="Windows Live" clId="Web-{525B902B-68B7-4103-A90F-24BB14A36056}" dt="2024-05-03T21:06:20.310" v="16" actId="1076"/>
       <pc:docMkLst>
         <pc:docMk/>
       </pc:docMkLst>
-      <pc:sldChg chg="modSp mod modClrScheme chgLayout">
-        <pc:chgData name="Eduardo Savian" userId="83fefb37af455394" providerId="Windows Live" clId="Web-{3C1BC0FA-3481-4802-B735-1E7E329A2E8B}" dt="2024-04-26T19:48:19.076" v="31"/>
+      <pc:sldChg chg="del">
+        <pc:chgData name="Guest User" userId="" providerId="Windows Live" clId="Web-{525B902B-68B7-4103-A90F-24BB14A36056}" dt="2024-05-03T21:06:04.685" v="11"/>
         <pc:sldMkLst>
           <pc:docMk/>
           <pc:sldMk cId="109857222" sldId="256"/>
         </pc:sldMkLst>
-        <pc:spChg chg="mod ord">
-          <ac:chgData name="Eduardo Savian" userId="83fefb37af455394" providerId="Windows Live" clId="Web-{3C1BC0FA-3481-4802-B735-1E7E329A2E8B}" dt="2024-04-26T19:48:19.076" v="31"/>
-          <ac:spMkLst>
-            <pc:docMk/>
-            <pc:sldMk cId="109857222" sldId="256"/>
-            <ac:spMk id="2" creationId="{00000000-0000-0000-0000-000000000000}"/>
-          </ac:spMkLst>
-        </pc:spChg>
-        <pc:spChg chg="mod ord">
-          <ac:chgData name="Eduardo Savian" userId="83fefb37af455394" providerId="Windows Live" clId="Web-{3C1BC0FA-3481-4802-B735-1E7E329A2E8B}" dt="2024-04-26T19:48:19.076" v="31"/>
-          <ac:spMkLst>
-            <pc:docMk/>
-            <pc:sldMk cId="109857222" sldId="256"/>
-            <ac:spMk id="3" creationId="{00000000-0000-0000-0000-000000000000}"/>
-          </ac:spMkLst>
-        </pc:spChg>
       </pc:sldChg>
-      <pc:sldMasterChg chg="del delSldLayout">
-        <pc:chgData name="Eduardo Savian" userId="83fefb37af455394" providerId="Windows Live" clId="Web-{3C1BC0FA-3481-4802-B735-1E7E329A2E8B}" dt="2024-04-26T19:48:11.138" v="30"/>
-        <pc:sldMasterMkLst>
-          <pc:docMk/>
-          <pc:sldMasterMk cId="2460954070" sldId="2147483660"/>
-        </pc:sldMasterMkLst>
-        <pc:sldLayoutChg chg="del">
-          <pc:chgData name="Eduardo Savian" userId="83fefb37af455394" providerId="Windows Live" clId="Web-{3C1BC0FA-3481-4802-B735-1E7E329A2E8B}" dt="2024-04-26T19:48:11.138" v="30"/>
-          <pc:sldLayoutMkLst>
-            <pc:docMk/>
-            <pc:sldMasterMk cId="2460954070" sldId="2147483660"/>
-            <pc:sldLayoutMk cId="2385387890" sldId="2147483661"/>
-          </pc:sldLayoutMkLst>
-        </pc:sldLayoutChg>
-        <pc:sldLayoutChg chg="del">
-          <pc:chgData name="Eduardo Savian" userId="83fefb37af455394" providerId="Windows Live" clId="Web-{3C1BC0FA-3481-4802-B735-1E7E329A2E8B}" dt="2024-04-26T19:48:11.138" v="30"/>
-          <pc:sldLayoutMkLst>
-            <pc:docMk/>
-            <pc:sldMasterMk cId="2460954070" sldId="2147483660"/>
-            <pc:sldLayoutMk cId="949138452" sldId="2147483662"/>
-          </pc:sldLayoutMkLst>
-        </pc:sldLayoutChg>
-        <pc:sldLayoutChg chg="del">
-          <pc:chgData name="Eduardo Savian" userId="83fefb37af455394" providerId="Windows Live" clId="Web-{3C1BC0FA-3481-4802-B735-1E7E329A2E8B}" dt="2024-04-26T19:48:11.138" v="30"/>
-          <pc:sldLayoutMkLst>
-            <pc:docMk/>
-            <pc:sldMasterMk cId="2460954070" sldId="2147483660"/>
-            <pc:sldLayoutMk cId="2591524520" sldId="2147483663"/>
-          </pc:sldLayoutMkLst>
-        </pc:sldLayoutChg>
-        <pc:sldLayoutChg chg="del">
-          <pc:chgData name="Eduardo Savian" userId="83fefb37af455394" providerId="Windows Live" clId="Web-{3C1BC0FA-3481-4802-B735-1E7E329A2E8B}" dt="2024-04-26T19:48:11.138" v="30"/>
-          <pc:sldLayoutMkLst>
-            <pc:docMk/>
-            <pc:sldMasterMk cId="2460954070" sldId="2147483660"/>
-            <pc:sldLayoutMk cId="1203092039" sldId="2147483664"/>
-          </pc:sldLayoutMkLst>
-        </pc:sldLayoutChg>
-        <pc:sldLayoutChg chg="del">
-          <pc:chgData name="Eduardo Savian" userId="83fefb37af455394" providerId="Windows Live" clId="Web-{3C1BC0FA-3481-4802-B735-1E7E329A2E8B}" dt="2024-04-26T19:48:11.138" v="30"/>
-          <pc:sldLayoutMkLst>
-            <pc:docMk/>
-            <pc:sldMasterMk cId="2460954070" sldId="2147483660"/>
-            <pc:sldLayoutMk cId="3733172339" sldId="2147483665"/>
-          </pc:sldLayoutMkLst>
-        </pc:sldLayoutChg>
-        <pc:sldLayoutChg chg="del">
-          <pc:chgData name="Eduardo Savian" userId="83fefb37af455394" providerId="Windows Live" clId="Web-{3C1BC0FA-3481-4802-B735-1E7E329A2E8B}" dt="2024-04-26T19:48:11.138" v="30"/>
-          <pc:sldLayoutMkLst>
-            <pc:docMk/>
-            <pc:sldMasterMk cId="2460954070" sldId="2147483660"/>
-            <pc:sldLayoutMk cId="3210312558" sldId="2147483666"/>
-          </pc:sldLayoutMkLst>
-        </pc:sldLayoutChg>
-        <pc:sldLayoutChg chg="del">
-          <pc:chgData name="Eduardo Savian" userId="83fefb37af455394" providerId="Windows Live" clId="Web-{3C1BC0FA-3481-4802-B735-1E7E329A2E8B}" dt="2024-04-26T19:48:11.138" v="30"/>
-          <pc:sldLayoutMkLst>
-            <pc:docMk/>
-            <pc:sldMasterMk cId="2460954070" sldId="2147483660"/>
-            <pc:sldLayoutMk cId="3146388984" sldId="2147483667"/>
-          </pc:sldLayoutMkLst>
-        </pc:sldLayoutChg>
-        <pc:sldLayoutChg chg="del">
-          <pc:chgData name="Eduardo Savian" userId="83fefb37af455394" providerId="Windows Live" clId="Web-{3C1BC0FA-3481-4802-B735-1E7E329A2E8B}" dt="2024-04-26T19:48:11.138" v="30"/>
-          <pc:sldLayoutMkLst>
-            <pc:docMk/>
-            <pc:sldMasterMk cId="2460954070" sldId="2147483660"/>
-            <pc:sldLayoutMk cId="3171841454" sldId="2147483668"/>
-          </pc:sldLayoutMkLst>
-        </pc:sldLayoutChg>
-        <pc:sldLayoutChg chg="del">
-          <pc:chgData name="Eduardo Savian" userId="83fefb37af455394" providerId="Windows Live" clId="Web-{3C1BC0FA-3481-4802-B735-1E7E329A2E8B}" dt="2024-04-26T19:48:11.138" v="30"/>
-          <pc:sldLayoutMkLst>
-            <pc:docMk/>
-            <pc:sldMasterMk cId="2460954070" sldId="2147483660"/>
-            <pc:sldLayoutMk cId="1718958274" sldId="2147483669"/>
-          </pc:sldLayoutMkLst>
-        </pc:sldLayoutChg>
-        <pc:sldLayoutChg chg="del">
-          <pc:chgData name="Eduardo Savian" userId="83fefb37af455394" providerId="Windows Live" clId="Web-{3C1BC0FA-3481-4802-B735-1E7E329A2E8B}" dt="2024-04-26T19:48:11.138" v="30"/>
-          <pc:sldLayoutMkLst>
-            <pc:docMk/>
-            <pc:sldMasterMk cId="2460954070" sldId="2147483660"/>
-            <pc:sldLayoutMk cId="2202905451" sldId="2147483670"/>
-          </pc:sldLayoutMkLst>
-        </pc:sldLayoutChg>
-        <pc:sldLayoutChg chg="del">
-          <pc:chgData name="Eduardo Savian" userId="83fefb37af455394" providerId="Windows Live" clId="Web-{3C1BC0FA-3481-4802-B735-1E7E329A2E8B}" dt="2024-04-26T19:48:11.138" v="30"/>
-          <pc:sldLayoutMkLst>
-            <pc:docMk/>
-            <pc:sldMasterMk cId="2460954070" sldId="2147483660"/>
-            <pc:sldLayoutMk cId="3479445657" sldId="2147483671"/>
-          </pc:sldLayoutMkLst>
-        </pc:sldLayoutChg>
-      </pc:sldMasterChg>
-      <pc:sldMasterChg chg="add del addSldLayout delSldLayout modSldLayout">
-        <pc:chgData name="Eduardo Savian" userId="83fefb37af455394" providerId="Windows Live" clId="Web-{3C1BC0FA-3481-4802-B735-1E7E329A2E8B}" dt="2024-04-26T19:48:19.076" v="31"/>
-        <pc:sldMasterMkLst>
-          <pc:docMk/>
-          <pc:sldMasterMk cId="2564755947" sldId="2147483672"/>
-        </pc:sldMasterMkLst>
-        <pc:sldLayoutChg chg="add del mod replId">
-          <pc:chgData name="Eduardo Savian" userId="83fefb37af455394" providerId="Windows Live" clId="Web-{3C1BC0FA-3481-4802-B735-1E7E329A2E8B}" dt="2024-04-26T19:48:19.076" v="31"/>
-          <pc:sldLayoutMkLst>
-            <pc:docMk/>
-            <pc:sldMasterMk cId="2564755947" sldId="2147483672"/>
-            <pc:sldLayoutMk cId="1775674071" sldId="2147483673"/>
-          </pc:sldLayoutMkLst>
-        </pc:sldLayoutChg>
-        <pc:sldLayoutChg chg="add del mod replId">
-          <pc:chgData name="Eduardo Savian" userId="83fefb37af455394" providerId="Windows Live" clId="Web-{3C1BC0FA-3481-4802-B735-1E7E329A2E8B}" dt="2024-04-26T19:48:19.076" v="31"/>
-          <pc:sldLayoutMkLst>
-            <pc:docMk/>
-            <pc:sldMasterMk cId="2564755947" sldId="2147483672"/>
-            <pc:sldLayoutMk cId="3419059309" sldId="2147483674"/>
-          </pc:sldLayoutMkLst>
-        </pc:sldLayoutChg>
-        <pc:sldLayoutChg chg="add del mod replId">
-          <pc:chgData name="Eduardo Savian" userId="83fefb37af455394" providerId="Windows Live" clId="Web-{3C1BC0FA-3481-4802-B735-1E7E329A2E8B}" dt="2024-04-26T19:48:19.076" v="31"/>
-          <pc:sldLayoutMkLst>
-            <pc:docMk/>
-            <pc:sldMasterMk cId="2564755947" sldId="2147483672"/>
-            <pc:sldLayoutMk cId="13884116" sldId="2147483675"/>
-          </pc:sldLayoutMkLst>
-        </pc:sldLayoutChg>
-        <pc:sldLayoutChg chg="add del mod replId">
-          <pc:chgData name="Eduardo Savian" userId="83fefb37af455394" providerId="Windows Live" clId="Web-{3C1BC0FA-3481-4802-B735-1E7E329A2E8B}" dt="2024-04-26T19:48:19.076" v="31"/>
-          <pc:sldLayoutMkLst>
-            <pc:docMk/>
-            <pc:sldMasterMk cId="2564755947" sldId="2147483672"/>
-            <pc:sldLayoutMk cId="3356041272" sldId="2147483676"/>
-          </pc:sldLayoutMkLst>
-        </pc:sldLayoutChg>
-        <pc:sldLayoutChg chg="add del mod replId">
-          <pc:chgData name="Eduardo Savian" userId="83fefb37af455394" providerId="Windows Live" clId="Web-{3C1BC0FA-3481-4802-B735-1E7E329A2E8B}" dt="2024-04-26T19:48:19.076" v="31"/>
-          <pc:sldLayoutMkLst>
-            <pc:docMk/>
-            <pc:sldMasterMk cId="2564755947" sldId="2147483672"/>
-            <pc:sldLayoutMk cId="1457250666" sldId="2147483677"/>
-          </pc:sldLayoutMkLst>
-        </pc:sldLayoutChg>
-        <pc:sldLayoutChg chg="add del mod replId">
-          <pc:chgData name="Eduardo Savian" userId="83fefb37af455394" providerId="Windows Live" clId="Web-{3C1BC0FA-3481-4802-B735-1E7E329A2E8B}" dt="2024-04-26T19:48:19.076" v="31"/>
-          <pc:sldLayoutMkLst>
-            <pc:docMk/>
-            <pc:sldMasterMk cId="2564755947" sldId="2147483672"/>
-            <pc:sldLayoutMk cId="2485548232" sldId="2147483678"/>
-          </pc:sldLayoutMkLst>
-        </pc:sldLayoutChg>
-        <pc:sldLayoutChg chg="add del mod replId">
-          <pc:chgData name="Eduardo Savian" userId="83fefb37af455394" providerId="Windows Live" clId="Web-{3C1BC0FA-3481-4802-B735-1E7E329A2E8B}" dt="2024-04-26T19:48:19.076" v="31"/>
-          <pc:sldLayoutMkLst>
-            <pc:docMk/>
-            <pc:sldMasterMk cId="2564755947" sldId="2147483672"/>
-            <pc:sldLayoutMk cId="689937733" sldId="2147483679"/>
-          </pc:sldLayoutMkLst>
-        </pc:sldLayoutChg>
-        <pc:sldLayoutChg chg="add del mod replId">
-          <pc:chgData name="Eduardo Savian" userId="83fefb37af455394" providerId="Windows Live" clId="Web-{3C1BC0FA-3481-4802-B735-1E7E329A2E8B}" dt="2024-04-26T19:48:19.076" v="31"/>
-          <pc:sldLayoutMkLst>
-            <pc:docMk/>
-            <pc:sldMasterMk cId="2564755947" sldId="2147483672"/>
-            <pc:sldLayoutMk cId="1362607470" sldId="2147483680"/>
-          </pc:sldLayoutMkLst>
-        </pc:sldLayoutChg>
-        <pc:sldLayoutChg chg="add del mod replId">
-          <pc:chgData name="Eduardo Savian" userId="83fefb37af455394" providerId="Windows Live" clId="Web-{3C1BC0FA-3481-4802-B735-1E7E329A2E8B}" dt="2024-04-26T19:48:19.076" v="31"/>
-          <pc:sldLayoutMkLst>
-            <pc:docMk/>
-            <pc:sldMasterMk cId="2564755947" sldId="2147483672"/>
-            <pc:sldLayoutMk cId="3220124583" sldId="2147483681"/>
-          </pc:sldLayoutMkLst>
-        </pc:sldLayoutChg>
-        <pc:sldLayoutChg chg="add del mod replId">
-          <pc:chgData name="Eduardo Savian" userId="83fefb37af455394" providerId="Windows Live" clId="Web-{3C1BC0FA-3481-4802-B735-1E7E329A2E8B}" dt="2024-04-26T19:48:19.076" v="31"/>
-          <pc:sldLayoutMkLst>
-            <pc:docMk/>
-            <pc:sldMasterMk cId="2564755947" sldId="2147483672"/>
-            <pc:sldLayoutMk cId="3901892908" sldId="2147483682"/>
-          </pc:sldLayoutMkLst>
-        </pc:sldLayoutChg>
-        <pc:sldLayoutChg chg="add del mod replId">
-          <pc:chgData name="Eduardo Savian" userId="83fefb37af455394" providerId="Windows Live" clId="Web-{3C1BC0FA-3481-4802-B735-1E7E329A2E8B}" dt="2024-04-26T19:48:19.076" v="31"/>
-          <pc:sldLayoutMkLst>
-            <pc:docMk/>
-            <pc:sldMasterMk cId="2564755947" sldId="2147483672"/>
-            <pc:sldLayoutMk cId="1692446140" sldId="2147483683"/>
-          </pc:sldLayoutMkLst>
-        </pc:sldLayoutChg>
-      </pc:sldMasterChg>
-      <pc:sldMasterChg chg="add addSldLayout modSldLayout">
-        <pc:chgData name="Eduardo Savian" userId="83fefb37af455394" providerId="Windows Live" clId="Web-{3C1BC0FA-3481-4802-B735-1E7E329A2E8B}" dt="2024-04-26T19:48:19.076" v="31"/>
-        <pc:sldMasterMkLst>
-          <pc:docMk/>
-          <pc:sldMasterMk cId="4114304180" sldId="2147483684"/>
-        </pc:sldMasterMkLst>
-        <pc:sldLayoutChg chg="add mod replId">
-          <pc:chgData name="Eduardo Savian" userId="83fefb37af455394" providerId="Windows Live" clId="Web-{3C1BC0FA-3481-4802-B735-1E7E329A2E8B}" dt="2024-04-26T19:48:19.076" v="31"/>
-          <pc:sldLayoutMkLst>
-            <pc:docMk/>
-            <pc:sldMasterMk cId="4114304180" sldId="2147483684"/>
-            <pc:sldLayoutMk cId="1173298707" sldId="2147483685"/>
-          </pc:sldLayoutMkLst>
-        </pc:sldLayoutChg>
-        <pc:sldLayoutChg chg="add mod replId">
-          <pc:chgData name="Eduardo Savian" userId="83fefb37af455394" providerId="Windows Live" clId="Web-{3C1BC0FA-3481-4802-B735-1E7E329A2E8B}" dt="2024-04-26T19:48:19.076" v="31"/>
-          <pc:sldLayoutMkLst>
-            <pc:docMk/>
-            <pc:sldMasterMk cId="4114304180" sldId="2147483684"/>
-            <pc:sldLayoutMk cId="2504607217" sldId="2147483686"/>
-          </pc:sldLayoutMkLst>
-        </pc:sldLayoutChg>
-        <pc:sldLayoutChg chg="add mod replId">
-          <pc:chgData name="Eduardo Savian" userId="83fefb37af455394" providerId="Windows Live" clId="Web-{3C1BC0FA-3481-4802-B735-1E7E329A2E8B}" dt="2024-04-26T19:48:19.076" v="31"/>
-          <pc:sldLayoutMkLst>
-            <pc:docMk/>
-            <pc:sldMasterMk cId="4114304180" sldId="2147483684"/>
-            <pc:sldLayoutMk cId="1098741788" sldId="2147483687"/>
-          </pc:sldLayoutMkLst>
-        </pc:sldLayoutChg>
-        <pc:sldLayoutChg chg="add mod replId">
-          <pc:chgData name="Eduardo Savian" userId="83fefb37af455394" providerId="Windows Live" clId="Web-{3C1BC0FA-3481-4802-B735-1E7E329A2E8B}" dt="2024-04-26T19:48:19.076" v="31"/>
-          <pc:sldLayoutMkLst>
-            <pc:docMk/>
-            <pc:sldMasterMk cId="4114304180" sldId="2147483684"/>
-            <pc:sldLayoutMk cId="2361482325" sldId="2147483688"/>
-          </pc:sldLayoutMkLst>
-        </pc:sldLayoutChg>
-        <pc:sldLayoutChg chg="add mod replId">
-          <pc:chgData name="Eduardo Savian" userId="83fefb37af455394" providerId="Windows Live" clId="Web-{3C1BC0FA-3481-4802-B735-1E7E329A2E8B}" dt="2024-04-26T19:48:19.076" v="31"/>
-          <pc:sldLayoutMkLst>
-            <pc:docMk/>
-            <pc:sldMasterMk cId="4114304180" sldId="2147483684"/>
-            <pc:sldLayoutMk cId="4090910387" sldId="2147483689"/>
-          </pc:sldLayoutMkLst>
-        </pc:sldLayoutChg>
-        <pc:sldLayoutChg chg="add mod replId">
-          <pc:chgData name="Eduardo Savian" userId="83fefb37af455394" providerId="Windows Live" clId="Web-{3C1BC0FA-3481-4802-B735-1E7E329A2E8B}" dt="2024-04-26T19:48:19.076" v="31"/>
-          <pc:sldLayoutMkLst>
-            <pc:docMk/>
-            <pc:sldMasterMk cId="4114304180" sldId="2147483684"/>
-            <pc:sldLayoutMk cId="3842074899" sldId="2147483690"/>
-          </pc:sldLayoutMkLst>
-        </pc:sldLayoutChg>
-        <pc:sldLayoutChg chg="add mod replId">
-          <pc:chgData name="Eduardo Savian" userId="83fefb37af455394" providerId="Windows Live" clId="Web-{3C1BC0FA-3481-4802-B735-1E7E329A2E8B}" dt="2024-04-26T19:48:19.076" v="31"/>
-          <pc:sldLayoutMkLst>
-            <pc:docMk/>
-            <pc:sldMasterMk cId="4114304180" sldId="2147483684"/>
-            <pc:sldLayoutMk cId="2350467810" sldId="2147483691"/>
-          </pc:sldLayoutMkLst>
-        </pc:sldLayoutChg>
-        <pc:sldLayoutChg chg="add mod replId">
-          <pc:chgData name="Eduardo Savian" userId="83fefb37af455394" providerId="Windows Live" clId="Web-{3C1BC0FA-3481-4802-B735-1E7E329A2E8B}" dt="2024-04-26T19:48:19.076" v="31"/>
-          <pc:sldLayoutMkLst>
-            <pc:docMk/>
-            <pc:sldMasterMk cId="4114304180" sldId="2147483684"/>
-            <pc:sldLayoutMk cId="624886727" sldId="2147483692"/>
-          </pc:sldLayoutMkLst>
-        </pc:sldLayoutChg>
-        <pc:sldLayoutChg chg="add mod replId">
-          <pc:chgData name="Eduardo Savian" userId="83fefb37af455394" providerId="Windows Live" clId="Web-{3C1BC0FA-3481-4802-B735-1E7E329A2E8B}" dt="2024-04-26T19:48:19.076" v="31"/>
-          <pc:sldLayoutMkLst>
-            <pc:docMk/>
-            <pc:sldMasterMk cId="4114304180" sldId="2147483684"/>
-            <pc:sldLayoutMk cId="402011127" sldId="2147483693"/>
-          </pc:sldLayoutMkLst>
-        </pc:sldLayoutChg>
-        <pc:sldLayoutChg chg="add mod replId">
-          <pc:chgData name="Eduardo Savian" userId="83fefb37af455394" providerId="Windows Live" clId="Web-{3C1BC0FA-3481-4802-B735-1E7E329A2E8B}" dt="2024-04-26T19:48:19.076" v="31"/>
-          <pc:sldLayoutMkLst>
-            <pc:docMk/>
-            <pc:sldMasterMk cId="4114304180" sldId="2147483684"/>
-            <pc:sldLayoutMk cId="3306584686" sldId="2147483694"/>
-          </pc:sldLayoutMkLst>
-        </pc:sldLayoutChg>
-        <pc:sldLayoutChg chg="add mod replId">
-          <pc:chgData name="Eduardo Savian" userId="83fefb37af455394" providerId="Windows Live" clId="Web-{3C1BC0FA-3481-4802-B735-1E7E329A2E8B}" dt="2024-04-26T19:48:19.076" v="31"/>
-          <pc:sldLayoutMkLst>
-            <pc:docMk/>
-            <pc:sldMasterMk cId="4114304180" sldId="2147483684"/>
-            <pc:sldLayoutMk cId="2102633595" sldId="2147483695"/>
-          </pc:sldLayoutMkLst>
-        </pc:sldLayoutChg>
-      </pc:sldMasterChg>
-    </pc:docChg>
-  </pc:docChgLst>
-  <pc:docChgLst>
-    <pc:chgData name="Eduardo Savian" userId="83fefb37af455394" providerId="LiveId" clId="{18323D1B-9F23-47EF-8A9E-BDDF51020A16}"/>
-    <pc:docChg chg="undo custSel addSld modSld">
-      <pc:chgData name="Eduardo Savian" userId="83fefb37af455394" providerId="LiveId" clId="{18323D1B-9F23-47EF-8A9E-BDDF51020A16}" dt="2024-04-27T01:58:06.678" v="85" actId="20577"/>
-      <pc:docMkLst>
-        <pc:docMk/>
-      </pc:docMkLst>
-      <pc:sldChg chg="modSp mod">
-        <pc:chgData name="Eduardo Savian" userId="83fefb37af455394" providerId="LiveId" clId="{18323D1B-9F23-47EF-8A9E-BDDF51020A16}" dt="2024-04-27T01:57:58.476" v="75" actId="20577"/>
+      <pc:sldChg chg="addSp delSp modSp">
+        <pc:chgData name="Guest User" userId="" providerId="Windows Live" clId="Web-{525B902B-68B7-4103-A90F-24BB14A36056}" dt="2024-05-03T21:06:20.310" v="16" actId="1076"/>
         <pc:sldMkLst>
           <pc:docMk/>
-          <pc:sldMk cId="109857222" sldId="256"/>
+          <pc:sldMk cId="3277922549" sldId="269"/>
         </pc:sldMkLst>
-        <pc:spChg chg="mod">
-          <ac:chgData name="Eduardo Savian" userId="83fefb37af455394" providerId="LiveId" clId="{18323D1B-9F23-47EF-8A9E-BDDF51020A16}" dt="2024-04-27T01:57:58.476" v="75" actId="20577"/>
-          <ac:spMkLst>
-            <pc:docMk/>
-            <pc:sldMk cId="109857222" sldId="256"/>
-            <ac:spMk id="2" creationId="{00000000-0000-0000-0000-000000000000}"/>
-          </ac:spMkLst>
-        </pc:spChg>
-        <pc:spChg chg="mod">
-          <ac:chgData name="Eduardo Savian" userId="83fefb37af455394" providerId="LiveId" clId="{18323D1B-9F23-47EF-8A9E-BDDF51020A16}" dt="2024-04-27T01:57:25.019" v="67"/>
-          <ac:spMkLst>
-            <pc:docMk/>
-            <pc:sldMk cId="109857222" sldId="256"/>
-            <ac:spMk id="3" creationId="{00000000-0000-0000-0000-000000000000}"/>
-          </ac:spMkLst>
-        </pc:spChg>
-      </pc:sldChg>
-      <pc:sldChg chg="addSp delSp modSp new mod setBg setClrOvrMap delDesignElem">
-        <pc:chgData name="Eduardo Savian" userId="83fefb37af455394" providerId="LiveId" clId="{18323D1B-9F23-47EF-8A9E-BDDF51020A16}" dt="2024-04-27T01:58:06.678" v="85" actId="20577"/>
-        <pc:sldMkLst>
-          <pc:docMk/>
-          <pc:sldMk cId="1950848591" sldId="257"/>
-        </pc:sldMkLst>
-        <pc:spChg chg="mod">
-          <ac:chgData name="Eduardo Savian" userId="83fefb37af455394" providerId="LiveId" clId="{18323D1B-9F23-47EF-8A9E-BDDF51020A16}" dt="2024-04-27T01:58:06.678" v="85" actId="20577"/>
-          <ac:spMkLst>
-            <pc:docMk/>
-            <pc:sldMk cId="1950848591" sldId="257"/>
-            <ac:spMk id="2" creationId="{28327455-4DA2-4FED-1B08-2E741EAA6FFE}"/>
-          </ac:spMkLst>
-        </pc:spChg>
-        <pc:spChg chg="mod">
-          <ac:chgData name="Eduardo Savian" userId="83fefb37af455394" providerId="LiveId" clId="{18323D1B-9F23-47EF-8A9E-BDDF51020A16}" dt="2024-04-27T01:57:36.480" v="68" actId="26606"/>
-          <ac:spMkLst>
-            <pc:docMk/>
-            <pc:sldMk cId="1950848591" sldId="257"/>
-            <ac:spMk id="3" creationId="{3EADC8D9-E14D-EB57-2E15-DC835EA4B031}"/>
-          </ac:spMkLst>
-        </pc:spChg>
-        <pc:spChg chg="mod ord">
-          <ac:chgData name="Eduardo Savian" userId="83fefb37af455394" providerId="LiveId" clId="{18323D1B-9F23-47EF-8A9E-BDDF51020A16}" dt="2024-04-27T01:57:36.480" v="68" actId="26606"/>
-          <ac:spMkLst>
-            <pc:docMk/>
-            <pc:sldMk cId="1950848591" sldId="257"/>
-            <ac:spMk id="4" creationId="{12BA4288-AEBF-6A7B-5675-9855BC4AA22C}"/>
-          </ac:spMkLst>
-        </pc:spChg>
-        <pc:spChg chg="mod">
-          <ac:chgData name="Eduardo Savian" userId="83fefb37af455394" providerId="LiveId" clId="{18323D1B-9F23-47EF-8A9E-BDDF51020A16}" dt="2024-04-27T01:57:36.480" v="68" actId="26606"/>
-          <ac:spMkLst>
-            <pc:docMk/>
-            <pc:sldMk cId="1950848591" sldId="257"/>
-            <ac:spMk id="5" creationId="{622C3EEA-C9DC-9FB9-AEFA-0EE5B2C8C63A}"/>
-          </ac:spMkLst>
-        </pc:spChg>
-        <pc:spChg chg="mod">
-          <ac:chgData name="Eduardo Savian" userId="83fefb37af455394" providerId="LiveId" clId="{18323D1B-9F23-47EF-8A9E-BDDF51020A16}" dt="2024-04-27T01:57:36.480" v="68" actId="26606"/>
-          <ac:spMkLst>
-            <pc:docMk/>
-            <pc:sldMk cId="1950848591" sldId="257"/>
-            <ac:spMk id="6" creationId="{37EF9171-B8D7-1BE4-28DF-90BA00AB87C2}"/>
-          </ac:spMkLst>
-        </pc:spChg>
-        <pc:spChg chg="add">
-          <ac:chgData name="Eduardo Savian" userId="83fefb37af455394" providerId="LiveId" clId="{18323D1B-9F23-47EF-8A9E-BDDF51020A16}" dt="2024-04-27T01:57:36.480" v="68" actId="26606"/>
-          <ac:spMkLst>
-            <pc:docMk/>
-            <pc:sldMk cId="1950848591" sldId="257"/>
-            <ac:spMk id="8" creationId="{769960A3-4EE1-43D2-ABFC-C7A03ED21489}"/>
-          </ac:spMkLst>
-        </pc:spChg>
-        <pc:spChg chg="add del">
-          <ac:chgData name="Eduardo Savian" userId="83fefb37af455394" providerId="LiveId" clId="{18323D1B-9F23-47EF-8A9E-BDDF51020A16}" dt="2024-04-27T01:57:10.970" v="60" actId="26606"/>
-          <ac:spMkLst>
-            <pc:docMk/>
-            <pc:sldMk cId="1950848591" sldId="257"/>
-            <ac:spMk id="11" creationId="{290FE681-1E05-478A-89DC-5F7AB37CFD77}"/>
-          </ac:spMkLst>
-        </pc:spChg>
-        <pc:spChg chg="add del">
-          <ac:chgData name="Eduardo Savian" userId="83fefb37af455394" providerId="LiveId" clId="{18323D1B-9F23-47EF-8A9E-BDDF51020A16}" dt="2024-04-27T01:57:11.470" v="62" actId="26606"/>
-          <ac:spMkLst>
-            <pc:docMk/>
-            <pc:sldMk cId="1950848591" sldId="257"/>
-            <ac:spMk id="15" creationId="{AD2D45C7-2E37-44FD-AC77-116CD14B9ED9}"/>
-          </ac:spMkLst>
-        </pc:spChg>
-        <pc:spChg chg="add del">
-          <ac:chgData name="Eduardo Savian" userId="83fefb37af455394" providerId="LiveId" clId="{18323D1B-9F23-47EF-8A9E-BDDF51020A16}" dt="2024-04-27T01:57:11.470" v="62" actId="26606"/>
-          <ac:spMkLst>
-            <pc:docMk/>
-            <pc:sldMk cId="1950848591" sldId="257"/>
-            <ac:spMk id="16" creationId="{1FF88480-2CF1-4C54-8CE3-2CA9CD9FF896}"/>
-          </ac:spMkLst>
-        </pc:spChg>
-        <pc:spChg chg="add del">
-          <ac:chgData name="Eduardo Savian" userId="83fefb37af455394" providerId="LiveId" clId="{18323D1B-9F23-47EF-8A9E-BDDF51020A16}" dt="2024-04-27T01:57:16.558" v="65"/>
-          <ac:spMkLst>
-            <pc:docMk/>
-            <pc:sldMk cId="1950848591" sldId="257"/>
-            <ac:spMk id="19" creationId="{CADF2543-1B6F-4FBC-A7AF-53A0430E05AB}"/>
-          </ac:spMkLst>
-        </pc:spChg>
-        <pc:grpChg chg="add del">
-          <ac:chgData name="Eduardo Savian" userId="83fefb37af455394" providerId="LiveId" clId="{18323D1B-9F23-47EF-8A9E-BDDF51020A16}" dt="2024-04-27T01:57:16.558" v="65"/>
-          <ac:grpSpMkLst>
-            <pc:docMk/>
-            <pc:sldMk cId="1950848591" sldId="257"/>
-            <ac:grpSpMk id="20" creationId="{A80A6E81-6B71-43DF-877B-E964A9A4CB68}"/>
-          </ac:grpSpMkLst>
-        </pc:grpChg>
-        <pc:picChg chg="add">
-          <ac:chgData name="Eduardo Savian" userId="83fefb37af455394" providerId="LiveId" clId="{18323D1B-9F23-47EF-8A9E-BDDF51020A16}" dt="2024-04-27T01:57:36.480" v="68" actId="26606"/>
+        <pc:spChg chg="del mod">
+          <ac:chgData name="Guest User" userId="" providerId="Windows Live" clId="Web-{525B902B-68B7-4103-A90F-24BB14A36056}" dt="2024-05-03T21:06:12.294" v="12"/>
+          <ac:spMkLst>
+            <pc:docMk/>
+            <pc:sldMk cId="3277922549" sldId="269"/>
+            <ac:spMk id="7" creationId="{E813E2BE-F50F-A485-C04F-7854F0111979}"/>
+          </ac:spMkLst>
+        </pc:spChg>
+        <pc:spChg chg="add del mod">
+          <ac:chgData name="Guest User" userId="" providerId="Windows Live" clId="Web-{525B902B-68B7-4103-A90F-24BB14A36056}" dt="2024-05-03T21:05:56.763" v="5"/>
+          <ac:spMkLst>
+            <pc:docMk/>
+            <pc:sldMk cId="3277922549" sldId="269"/>
+            <ac:spMk id="8" creationId="{67D43772-1A9B-A81A-DA9C-22ADDF2AB11C}"/>
+          </ac:spMkLst>
+        </pc:spChg>
+        <pc:picChg chg="mod">
+          <ac:chgData name="Guest User" userId="" providerId="Windows Live" clId="Web-{525B902B-68B7-4103-A90F-24BB14A36056}" dt="2024-05-03T21:06:20.310" v="16" actId="1076"/>
           <ac:picMkLst>
             <pc:docMk/>
-            <pc:sldMk cId="1950848591" sldId="257"/>
-            <ac:picMk id="9" creationId="{16ABCF9F-46A6-4370-8EC8-B1EDB4510B54}"/>
+            <pc:sldMk cId="3277922549" sldId="269"/>
+            <ac:picMk id="12" creationId="{103B7E4D-4A84-1464-9DF4-47C030AADED2}"/>
           </ac:picMkLst>
         </pc:picChg>
-        <pc:cxnChg chg="add del">
-          <ac:chgData name="Eduardo Savian" userId="83fefb37af455394" providerId="LiveId" clId="{18323D1B-9F23-47EF-8A9E-BDDF51020A16}" dt="2024-04-27T01:57:10.970" v="60" actId="26606"/>
-          <ac:cxnSpMkLst>
-            <pc:docMk/>
-            <pc:sldMk cId="1950848591" sldId="257"/>
-            <ac:cxnSpMk id="13" creationId="{2E2F21DC-5F0E-42CF-B89C-C1E25E175CB8}"/>
-          </ac:cxnSpMkLst>
-        </pc:cxnChg>
       </pc:sldChg>
     </pc:docChg>
   </pc:docChgLst>
@@ -1383,6 +991,2156 @@
           </pc:sldLayoutMkLst>
         </pc:sldLayoutChg>
       </pc:sldMasterChg>
+    </pc:docChg>
+  </pc:docChgLst>
+  <pc:docChgLst>
+    <pc:chgData name="Guest User" providerId="Windows Live" clId="Web-{A7D45877-9029-4DD7-9C5D-DE4AFD9D8E5F}"/>
+    <pc:docChg chg="delSld modSld sldOrd">
+      <pc:chgData name="Guest User" userId="" providerId="Windows Live" clId="Web-{A7D45877-9029-4DD7-9C5D-DE4AFD9D8E5F}" dt="2024-05-03T20:59:47.220" v="647"/>
+      <pc:docMkLst>
+        <pc:docMk/>
+      </pc:docMkLst>
+      <pc:sldChg chg="modSp">
+        <pc:chgData name="Guest User" userId="" providerId="Windows Live" clId="Web-{A7D45877-9029-4DD7-9C5D-DE4AFD9D8E5F}" dt="2024-05-03T20:52:34.799" v="585" actId="20577"/>
+        <pc:sldMkLst>
+          <pc:docMk/>
+          <pc:sldMk cId="109857222" sldId="256"/>
+        </pc:sldMkLst>
+        <pc:spChg chg="mod">
+          <ac:chgData name="Guest User" userId="" providerId="Windows Live" clId="Web-{A7D45877-9029-4DD7-9C5D-DE4AFD9D8E5F}" dt="2024-05-03T20:52:34.799" v="585" actId="20577"/>
+          <ac:spMkLst>
+            <pc:docMk/>
+            <pc:sldMk cId="109857222" sldId="256"/>
+            <ac:spMk id="3" creationId="{00000000-0000-0000-0000-000000000000}"/>
+          </ac:spMkLst>
+        </pc:spChg>
+      </pc:sldChg>
+      <pc:sldChg chg="modSp">
+        <pc:chgData name="Guest User" userId="" providerId="Windows Live" clId="Web-{A7D45877-9029-4DD7-9C5D-DE4AFD9D8E5F}" dt="2024-05-03T20:24:51.959" v="148" actId="1076"/>
+        <pc:sldMkLst>
+          <pc:docMk/>
+          <pc:sldMk cId="364694269" sldId="257"/>
+        </pc:sldMkLst>
+        <pc:spChg chg="mod">
+          <ac:chgData name="Guest User" userId="" providerId="Windows Live" clId="Web-{A7D45877-9029-4DD7-9C5D-DE4AFD9D8E5F}" dt="2024-05-03T20:24:51.959" v="148" actId="1076"/>
+          <ac:spMkLst>
+            <pc:docMk/>
+            <pc:sldMk cId="364694269" sldId="257"/>
+            <ac:spMk id="2" creationId="{88FF3C68-DDCC-E3CB-2AEF-34941FDD32E7}"/>
+          </ac:spMkLst>
+        </pc:spChg>
+      </pc:sldChg>
+      <pc:sldChg chg="modSp del">
+        <pc:chgData name="Guest User" userId="" providerId="Windows Live" clId="Web-{A7D45877-9029-4DD7-9C5D-DE4AFD9D8E5F}" dt="2024-05-03T20:35:35.513" v="515"/>
+        <pc:sldMkLst>
+          <pc:docMk/>
+          <pc:sldMk cId="2132417489" sldId="262"/>
+        </pc:sldMkLst>
+        <pc:spChg chg="mod">
+          <ac:chgData name="Guest User" userId="" providerId="Windows Live" clId="Web-{A7D45877-9029-4DD7-9C5D-DE4AFD9D8E5F}" dt="2024-05-03T20:24:41.787" v="146" actId="1076"/>
+          <ac:spMkLst>
+            <pc:docMk/>
+            <pc:sldMk cId="2132417489" sldId="262"/>
+            <ac:spMk id="2" creationId="{79F37653-EAAE-A54E-A3E5-135DA0350CE6}"/>
+          </ac:spMkLst>
+        </pc:spChg>
+        <pc:picChg chg="mod ord">
+          <ac:chgData name="Guest User" userId="" providerId="Windows Live" clId="Web-{A7D45877-9029-4DD7-9C5D-DE4AFD9D8E5F}" dt="2024-05-03T20:35:35.513" v="515"/>
+          <ac:picMkLst>
+            <pc:docMk/>
+            <pc:sldMk cId="2132417489" sldId="262"/>
+            <ac:picMk id="30" creationId="{603D627C-45E6-B5A9-F84D-42A1BE0A5923}"/>
+          </ac:picMkLst>
+        </pc:picChg>
+      </pc:sldChg>
+      <pc:sldChg chg="addSp modSp">
+        <pc:chgData name="Guest User" userId="" providerId="Windows Live" clId="Web-{A7D45877-9029-4DD7-9C5D-DE4AFD9D8E5F}" dt="2024-05-03T20:38:55.458" v="525" actId="1076"/>
+        <pc:sldMkLst>
+          <pc:docMk/>
+          <pc:sldMk cId="4074573348" sldId="263"/>
+        </pc:sldMkLst>
+        <pc:spChg chg="mod">
+          <ac:chgData name="Guest User" userId="" providerId="Windows Live" clId="Web-{A7D45877-9029-4DD7-9C5D-DE4AFD9D8E5F}" dt="2024-05-03T20:27:47.919" v="342" actId="1076"/>
+          <ac:spMkLst>
+            <pc:docMk/>
+            <pc:sldMk cId="4074573348" sldId="263"/>
+            <ac:spMk id="2" creationId="{C9316100-58F9-CC39-D61B-AC34DA0E13F1}"/>
+          </ac:spMkLst>
+        </pc:spChg>
+        <pc:spChg chg="add mod">
+          <ac:chgData name="Guest User" userId="" providerId="Windows Live" clId="Web-{A7D45877-9029-4DD7-9C5D-DE4AFD9D8E5F}" dt="2024-05-03T20:28:24.529" v="394" actId="1076"/>
+          <ac:spMkLst>
+            <pc:docMk/>
+            <pc:sldMk cId="4074573348" sldId="263"/>
+            <ac:spMk id="3" creationId="{1C23907B-6D28-062D-16B9-CB7DDD976D60}"/>
+          </ac:spMkLst>
+        </pc:spChg>
+        <pc:picChg chg="mod">
+          <ac:chgData name="Guest User" userId="" providerId="Windows Live" clId="Web-{A7D45877-9029-4DD7-9C5D-DE4AFD9D8E5F}" dt="2024-05-03T20:38:55.458" v="525" actId="1076"/>
+          <ac:picMkLst>
+            <pc:docMk/>
+            <pc:sldMk cId="4074573348" sldId="263"/>
+            <ac:picMk id="8" creationId="{1C97F6B2-6D80-0F73-7C14-B1E4930A4780}"/>
+          </ac:picMkLst>
+        </pc:picChg>
+      </pc:sldChg>
+      <pc:sldChg chg="modSp">
+        <pc:chgData name="Guest User" userId="" providerId="Windows Live" clId="Web-{A7D45877-9029-4DD7-9C5D-DE4AFD9D8E5F}" dt="2024-05-03T20:35:12.012" v="509"/>
+        <pc:sldMkLst>
+          <pc:docMk/>
+          <pc:sldMk cId="1676391631" sldId="264"/>
+        </pc:sldMkLst>
+        <pc:spChg chg="mod ord">
+          <ac:chgData name="Guest User" userId="" providerId="Windows Live" clId="Web-{A7D45877-9029-4DD7-9C5D-DE4AFD9D8E5F}" dt="2024-05-03T20:35:11.684" v="508"/>
+          <ac:spMkLst>
+            <pc:docMk/>
+            <pc:sldMk cId="1676391631" sldId="264"/>
+            <ac:spMk id="2" creationId="{AC3CB1F7-2558-AFD0-4387-FCECD94BBB4E}"/>
+          </ac:spMkLst>
+        </pc:spChg>
+        <pc:spChg chg="ord">
+          <ac:chgData name="Guest User" userId="" providerId="Windows Live" clId="Web-{A7D45877-9029-4DD7-9C5D-DE4AFD9D8E5F}" dt="2024-05-03T20:35:09.137" v="503"/>
+          <ac:spMkLst>
+            <pc:docMk/>
+            <pc:sldMk cId="1676391631" sldId="264"/>
+            <ac:spMk id="6" creationId="{9C6EF2A7-7129-E667-0484-D70918009BC5}"/>
+          </ac:spMkLst>
+        </pc:spChg>
+        <pc:picChg chg="mod ord">
+          <ac:chgData name="Guest User" userId="" providerId="Windows Live" clId="Web-{A7D45877-9029-4DD7-9C5D-DE4AFD9D8E5F}" dt="2024-05-03T20:35:12.012" v="509"/>
+          <ac:picMkLst>
+            <pc:docMk/>
+            <pc:sldMk cId="1676391631" sldId="264"/>
+            <ac:picMk id="22" creationId="{15E43B50-DEC0-EAAA-16D0-A624320BBD63}"/>
+          </ac:picMkLst>
+        </pc:picChg>
+      </pc:sldChg>
+      <pc:sldChg chg="addSp modSp">
+        <pc:chgData name="Guest User" userId="" providerId="Windows Live" clId="Web-{A7D45877-9029-4DD7-9C5D-DE4AFD9D8E5F}" dt="2024-05-03T20:32:46.601" v="492" actId="1076"/>
+        <pc:sldMkLst>
+          <pc:docMk/>
+          <pc:sldMk cId="3167140835" sldId="265"/>
+        </pc:sldMkLst>
+        <pc:spChg chg="mod">
+          <ac:chgData name="Guest User" userId="" providerId="Windows Live" clId="Web-{A7D45877-9029-4DD7-9C5D-DE4AFD9D8E5F}" dt="2024-05-03T20:25:08.413" v="153" actId="1076"/>
+          <ac:spMkLst>
+            <pc:docMk/>
+            <pc:sldMk cId="3167140835" sldId="265"/>
+            <ac:spMk id="2" creationId="{DE3C80CB-E975-07B2-F0EE-5C0BD8EBD092}"/>
+          </ac:spMkLst>
+        </pc:spChg>
+        <pc:spChg chg="add mod">
+          <ac:chgData name="Guest User" userId="" providerId="Windows Live" clId="Web-{A7D45877-9029-4DD7-9C5D-DE4AFD9D8E5F}" dt="2024-05-03T20:25:13.679" v="154" actId="1076"/>
+          <ac:spMkLst>
+            <pc:docMk/>
+            <pc:sldMk cId="3167140835" sldId="265"/>
+            <ac:spMk id="3" creationId="{B6FEE07F-1E5B-23B5-1F3D-C829A1AAFF36}"/>
+          </ac:spMkLst>
+        </pc:spChg>
+        <pc:picChg chg="mod">
+          <ac:chgData name="Guest User" userId="" providerId="Windows Live" clId="Web-{A7D45877-9029-4DD7-9C5D-DE4AFD9D8E5F}" dt="2024-05-03T20:32:46.601" v="492" actId="1076"/>
+          <ac:picMkLst>
+            <pc:docMk/>
+            <pc:sldMk cId="3167140835" sldId="265"/>
+            <ac:picMk id="10" creationId="{8A3F6DA3-3913-BB95-070E-B20915E32EFD}"/>
+          </ac:picMkLst>
+        </pc:picChg>
+      </pc:sldChg>
+      <pc:sldChg chg="modSp">
+        <pc:chgData name="Guest User" userId="" providerId="Windows Live" clId="Web-{A7D45877-9029-4DD7-9C5D-DE4AFD9D8E5F}" dt="2024-05-03T20:32:36.851" v="491" actId="1076"/>
+        <pc:sldMkLst>
+          <pc:docMk/>
+          <pc:sldMk cId="803844127" sldId="266"/>
+        </pc:sldMkLst>
+        <pc:spChg chg="mod">
+          <ac:chgData name="Guest User" userId="" providerId="Windows Live" clId="Web-{A7D45877-9029-4DD7-9C5D-DE4AFD9D8E5F}" dt="2024-05-03T20:25:19.039" v="155" actId="1076"/>
+          <ac:spMkLst>
+            <pc:docMk/>
+            <pc:sldMk cId="803844127" sldId="266"/>
+            <ac:spMk id="2" creationId="{DBCB45B1-CCDB-636E-C1E1-00F9EC6C3153}"/>
+          </ac:spMkLst>
+        </pc:spChg>
+        <pc:picChg chg="mod">
+          <ac:chgData name="Guest User" userId="" providerId="Windows Live" clId="Web-{A7D45877-9029-4DD7-9C5D-DE4AFD9D8E5F}" dt="2024-05-03T20:32:36.851" v="491" actId="1076"/>
+          <ac:picMkLst>
+            <pc:docMk/>
+            <pc:sldMk cId="803844127" sldId="266"/>
+            <ac:picMk id="8" creationId="{E48423E3-976B-467F-2E30-6A1746DD5917}"/>
+          </ac:picMkLst>
+        </pc:picChg>
+      </pc:sldChg>
+      <pc:sldChg chg="modSp">
+        <pc:chgData name="Guest User" userId="" providerId="Windows Live" clId="Web-{A7D45877-9029-4DD7-9C5D-DE4AFD9D8E5F}" dt="2024-05-03T20:35:51.623" v="517" actId="1076"/>
+        <pc:sldMkLst>
+          <pc:docMk/>
+          <pc:sldMk cId="1300389132" sldId="267"/>
+        </pc:sldMkLst>
+        <pc:spChg chg="mod">
+          <ac:chgData name="Guest User" userId="" providerId="Windows Live" clId="Web-{A7D45877-9029-4DD7-9C5D-DE4AFD9D8E5F}" dt="2024-05-03T20:25:27.867" v="156" actId="1076"/>
+          <ac:spMkLst>
+            <pc:docMk/>
+            <pc:sldMk cId="1300389132" sldId="267"/>
+            <ac:spMk id="2" creationId="{509DD742-C24E-2B61-B83C-4355D4EAB662}"/>
+          </ac:spMkLst>
+        </pc:spChg>
+        <pc:picChg chg="mod">
+          <ac:chgData name="Guest User" userId="" providerId="Windows Live" clId="Web-{A7D45877-9029-4DD7-9C5D-DE4AFD9D8E5F}" dt="2024-05-03T20:35:51.623" v="517" actId="1076"/>
+          <ac:picMkLst>
+            <pc:docMk/>
+            <pc:sldMk cId="1300389132" sldId="267"/>
+            <ac:picMk id="8" creationId="{94F84316-8CDB-F30E-81E1-FEEDD4D00680}"/>
+          </ac:picMkLst>
+        </pc:picChg>
+      </pc:sldChg>
+      <pc:sldChg chg="addSp delSp modSp ord">
+        <pc:chgData name="Guest User" userId="" providerId="Windows Live" clId="Web-{A7D45877-9029-4DD7-9C5D-DE4AFD9D8E5F}" dt="2024-05-03T20:36:14.983" v="524" actId="1076"/>
+        <pc:sldMkLst>
+          <pc:docMk/>
+          <pc:sldMk cId="835122275" sldId="268"/>
+        </pc:sldMkLst>
+        <pc:spChg chg="mod">
+          <ac:chgData name="Guest User" userId="" providerId="Windows Live" clId="Web-{A7D45877-9029-4DD7-9C5D-DE4AFD9D8E5F}" dt="2024-05-03T20:35:59.717" v="519" actId="1076"/>
+          <ac:spMkLst>
+            <pc:docMk/>
+            <pc:sldMk cId="835122275" sldId="268"/>
+            <ac:spMk id="2" creationId="{58E02B25-2EFF-8DF7-7908-647E5392F802}"/>
+          </ac:spMkLst>
+        </pc:spChg>
+        <pc:spChg chg="add del mod">
+          <ac:chgData name="Guest User" userId="" providerId="Windows Live" clId="Web-{A7D45877-9029-4DD7-9C5D-DE4AFD9D8E5F}" dt="2024-05-03T20:23:17.769" v="109"/>
+          <ac:spMkLst>
+            <pc:docMk/>
+            <pc:sldMk cId="835122275" sldId="268"/>
+            <ac:spMk id="3" creationId="{27D50333-5E9F-28F6-5263-15813DF5E350}"/>
+          </ac:spMkLst>
+        </pc:spChg>
+        <pc:picChg chg="add mod">
+          <ac:chgData name="Guest User" userId="" providerId="Windows Live" clId="Web-{A7D45877-9029-4DD7-9C5D-DE4AFD9D8E5F}" dt="2024-05-03T20:36:11.843" v="522" actId="1076"/>
+          <ac:picMkLst>
+            <pc:docMk/>
+            <pc:sldMk cId="835122275" sldId="268"/>
+            <ac:picMk id="7" creationId="{08B46138-DEA9-85CF-2390-7EFE1F5D84ED}"/>
+          </ac:picMkLst>
+        </pc:picChg>
+        <pc:picChg chg="mod ord">
+          <ac:chgData name="Guest User" userId="" providerId="Windows Live" clId="Web-{A7D45877-9029-4DD7-9C5D-DE4AFD9D8E5F}" dt="2024-05-03T20:36:14.983" v="524" actId="1076"/>
+          <ac:picMkLst>
+            <pc:docMk/>
+            <pc:sldMk cId="835122275" sldId="268"/>
+            <ac:picMk id="8" creationId="{891C990D-A4D3-4335-CE69-65A72B10072C}"/>
+          </ac:picMkLst>
+        </pc:picChg>
+      </pc:sldChg>
+      <pc:sldChg chg="addSp delSp modSp">
+        <pc:chgData name="Guest User" userId="" providerId="Windows Live" clId="Web-{A7D45877-9029-4DD7-9C5D-DE4AFD9D8E5F}" dt="2024-05-03T20:59:47.220" v="647"/>
+        <pc:sldMkLst>
+          <pc:docMk/>
+          <pc:sldMk cId="3277922549" sldId="269"/>
+        </pc:sldMkLst>
+        <pc:spChg chg="mod">
+          <ac:chgData name="Guest User" userId="" providerId="Windows Live" clId="Web-{A7D45877-9029-4DD7-9C5D-DE4AFD9D8E5F}" dt="2024-05-03T20:28:58.171" v="398" actId="1076"/>
+          <ac:spMkLst>
+            <pc:docMk/>
+            <pc:sldMk cId="3277922549" sldId="269"/>
+            <ac:spMk id="2" creationId="{79501348-57EA-161D-05EF-E44B8A57F511}"/>
+          </ac:spMkLst>
+        </pc:spChg>
+        <pc:spChg chg="add mod">
+          <ac:chgData name="Guest User" userId="" providerId="Windows Live" clId="Web-{A7D45877-9029-4DD7-9C5D-DE4AFD9D8E5F}" dt="2024-05-03T20:30:20.721" v="479" actId="1076"/>
+          <ac:spMkLst>
+            <pc:docMk/>
+            <pc:sldMk cId="3277922549" sldId="269"/>
+            <ac:spMk id="3" creationId="{98B02470-8A84-7639-240C-EC3E0D5DC923}"/>
+          </ac:spMkLst>
+        </pc:spChg>
+        <pc:spChg chg="add mod">
+          <ac:chgData name="Guest User" userId="" providerId="Windows Live" clId="Web-{A7D45877-9029-4DD7-9C5D-DE4AFD9D8E5F}" dt="2024-05-03T20:55:58.071" v="646" actId="1076"/>
+          <ac:spMkLst>
+            <pc:docMk/>
+            <pc:sldMk cId="3277922549" sldId="269"/>
+            <ac:spMk id="7" creationId="{E813E2BE-F50F-A485-C04F-7854F0111979}"/>
+          </ac:spMkLst>
+        </pc:spChg>
+        <pc:spChg chg="del mod">
+          <ac:chgData name="Guest User" userId="" providerId="Windows Live" clId="Web-{A7D45877-9029-4DD7-9C5D-DE4AFD9D8E5F}" dt="2024-05-03T20:59:47.220" v="647"/>
+          <ac:spMkLst>
+            <pc:docMk/>
+            <pc:sldMk cId="3277922549" sldId="269"/>
+            <ac:spMk id="13" creationId="{C078DB40-92E6-1D5F-E602-E19A7D100F97}"/>
+          </ac:spMkLst>
+        </pc:spChg>
+        <pc:picChg chg="mod">
+          <ac:chgData name="Guest User" userId="" providerId="Windows Live" clId="Web-{A7D45877-9029-4DD7-9C5D-DE4AFD9D8E5F}" dt="2024-05-03T20:53:41.332" v="592" actId="1076"/>
+          <ac:picMkLst>
+            <pc:docMk/>
+            <pc:sldMk cId="3277922549" sldId="269"/>
+            <ac:picMk id="12" creationId="{103B7E4D-4A84-1464-9DF4-47C030AADED2}"/>
+          </ac:picMkLst>
+        </pc:picChg>
+      </pc:sldChg>
+      <pc:sldChg chg="addSp modSp">
+        <pc:chgData name="Guest User" userId="" providerId="Windows Live" clId="Web-{A7D45877-9029-4DD7-9C5D-DE4AFD9D8E5F}" dt="2024-05-03T20:27:19.011" v="339" actId="1076"/>
+        <pc:sldMkLst>
+          <pc:docMk/>
+          <pc:sldMk cId="1966318294" sldId="270"/>
+        </pc:sldMkLst>
+        <pc:spChg chg="mod">
+          <ac:chgData name="Guest User" userId="" providerId="Windows Live" clId="Web-{A7D45877-9029-4DD7-9C5D-DE4AFD9D8E5F}" dt="2024-05-03T20:25:44.196" v="159" actId="1076"/>
+          <ac:spMkLst>
+            <pc:docMk/>
+            <pc:sldMk cId="1966318294" sldId="270"/>
+            <ac:spMk id="2" creationId="{47E4A2AC-3E27-9741-73CF-133CDF73AF6A}"/>
+          </ac:spMkLst>
+        </pc:spChg>
+        <pc:spChg chg="add mod">
+          <ac:chgData name="Guest User" userId="" providerId="Windows Live" clId="Web-{A7D45877-9029-4DD7-9C5D-DE4AFD9D8E5F}" dt="2024-05-03T20:27:06.308" v="337" actId="1076"/>
+          <ac:spMkLst>
+            <pc:docMk/>
+            <pc:sldMk cId="1966318294" sldId="270"/>
+            <ac:spMk id="3" creationId="{81011FA1-7D4D-A95F-65D1-2957DAEE5749}"/>
+          </ac:spMkLst>
+        </pc:spChg>
+        <pc:picChg chg="mod">
+          <ac:chgData name="Guest User" userId="" providerId="Windows Live" clId="Web-{A7D45877-9029-4DD7-9C5D-DE4AFD9D8E5F}" dt="2024-05-03T20:27:19.011" v="339" actId="1076"/>
+          <ac:picMkLst>
+            <pc:docMk/>
+            <pc:sldMk cId="1966318294" sldId="270"/>
+            <ac:picMk id="16" creationId="{776D6C2E-DF6E-3271-BBB9-D25F5395924D}"/>
+          </ac:picMkLst>
+        </pc:picChg>
+      </pc:sldChg>
+      <pc:sldChg chg="modSp">
+        <pc:chgData name="Guest User" userId="" providerId="Windows Live" clId="Web-{A7D45877-9029-4DD7-9C5D-DE4AFD9D8E5F}" dt="2024-05-03T20:53:06.425" v="587" actId="1076"/>
+        <pc:sldMkLst>
+          <pc:docMk/>
+          <pc:sldMk cId="2757105928" sldId="271"/>
+        </pc:sldMkLst>
+        <pc:spChg chg="mod">
+          <ac:chgData name="Guest User" userId="" providerId="Windows Live" clId="Web-{A7D45877-9029-4DD7-9C5D-DE4AFD9D8E5F}" dt="2024-05-03T20:32:09.256" v="487" actId="1076"/>
+          <ac:spMkLst>
+            <pc:docMk/>
+            <pc:sldMk cId="2757105928" sldId="271"/>
+            <ac:spMk id="2" creationId="{769A37CA-7B16-BBD0-C185-53CC0886449C}"/>
+          </ac:spMkLst>
+        </pc:spChg>
+        <pc:picChg chg="mod">
+          <ac:chgData name="Guest User" userId="" providerId="Windows Live" clId="Web-{A7D45877-9029-4DD7-9C5D-DE4AFD9D8E5F}" dt="2024-05-03T20:53:06.425" v="587" actId="1076"/>
+          <ac:picMkLst>
+            <pc:docMk/>
+            <pc:sldMk cId="2757105928" sldId="271"/>
+            <ac:picMk id="8" creationId="{1F09DA61-4C8E-CFB4-D293-12B2D50AF64B}"/>
+          </ac:picMkLst>
+        </pc:picChg>
+      </pc:sldChg>
+      <pc:sldChg chg="modSp">
+        <pc:chgData name="Guest User" userId="" providerId="Windows Live" clId="Web-{A7D45877-9029-4DD7-9C5D-DE4AFD9D8E5F}" dt="2024-05-03T20:34:00.244" v="497" actId="1076"/>
+        <pc:sldMkLst>
+          <pc:docMk/>
+          <pc:sldMk cId="1330534521" sldId="272"/>
+        </pc:sldMkLst>
+        <pc:spChg chg="mod">
+          <ac:chgData name="Guest User" userId="" providerId="Windows Live" clId="Web-{A7D45877-9029-4DD7-9C5D-DE4AFD9D8E5F}" dt="2024-05-03T20:24:45.287" v="147" actId="1076"/>
+          <ac:spMkLst>
+            <pc:docMk/>
+            <pc:sldMk cId="1330534521" sldId="272"/>
+            <ac:spMk id="2" creationId="{E001D746-2C20-B1C4-FFE8-110EB2CAB93F}"/>
+          </ac:spMkLst>
+        </pc:spChg>
+        <pc:picChg chg="mod">
+          <ac:chgData name="Guest User" userId="" providerId="Windows Live" clId="Web-{A7D45877-9029-4DD7-9C5D-DE4AFD9D8E5F}" dt="2024-05-03T20:34:00.244" v="497" actId="1076"/>
+          <ac:picMkLst>
+            <pc:docMk/>
+            <pc:sldMk cId="1330534521" sldId="272"/>
+            <ac:picMk id="8" creationId="{66F8DBA7-E4AD-969E-E917-971AAD9F6390}"/>
+          </ac:picMkLst>
+        </pc:picChg>
+      </pc:sldChg>
+      <pc:sldChg chg="modSp">
+        <pc:chgData name="Guest User" userId="" providerId="Windows Live" clId="Web-{A7D45877-9029-4DD7-9C5D-DE4AFD9D8E5F}" dt="2024-05-03T20:33:47.369" v="495" actId="1076"/>
+        <pc:sldMkLst>
+          <pc:docMk/>
+          <pc:sldMk cId="604030950" sldId="273"/>
+        </pc:sldMkLst>
+        <pc:spChg chg="mod">
+          <ac:chgData name="Guest User" userId="" providerId="Windows Live" clId="Web-{A7D45877-9029-4DD7-9C5D-DE4AFD9D8E5F}" dt="2024-05-03T20:33:37.290" v="493" actId="1076"/>
+          <ac:spMkLst>
+            <pc:docMk/>
+            <pc:sldMk cId="604030950" sldId="273"/>
+            <ac:spMk id="2" creationId="{DA622996-4A97-8954-5E78-F3C899D89983}"/>
+          </ac:spMkLst>
+        </pc:spChg>
+        <pc:picChg chg="mod">
+          <ac:chgData name="Guest User" userId="" providerId="Windows Live" clId="Web-{A7D45877-9029-4DD7-9C5D-DE4AFD9D8E5F}" dt="2024-05-03T20:33:47.369" v="495" actId="1076"/>
+          <ac:picMkLst>
+            <pc:docMk/>
+            <pc:sldMk cId="604030950" sldId="273"/>
+            <ac:picMk id="8" creationId="{0725316A-C41F-CDD5-1D5A-08AA4DD62F32}"/>
+          </ac:picMkLst>
+        </pc:picChg>
+      </pc:sldChg>
+    </pc:docChg>
+  </pc:docChgLst>
+  <pc:docChgLst>
+    <pc:chgData name="Eduardo Savian" userId="83fefb37af455394" providerId="Windows Live" clId="Web-{3C1BC0FA-3481-4802-B735-1E7E329A2E8B}"/>
+    <pc:docChg chg="modSld addMainMaster delMainMaster">
+      <pc:chgData name="Eduardo Savian" userId="83fefb37af455394" providerId="Windows Live" clId="Web-{3C1BC0FA-3481-4802-B735-1E7E329A2E8B}" dt="2024-04-26T19:48:19.076" v="31"/>
+      <pc:docMkLst>
+        <pc:docMk/>
+      </pc:docMkLst>
+      <pc:sldChg chg="modSp mod modClrScheme chgLayout">
+        <pc:chgData name="Eduardo Savian" userId="83fefb37af455394" providerId="Windows Live" clId="Web-{3C1BC0FA-3481-4802-B735-1E7E329A2E8B}" dt="2024-04-26T19:48:19.076" v="31"/>
+        <pc:sldMkLst>
+          <pc:docMk/>
+          <pc:sldMk cId="109857222" sldId="256"/>
+        </pc:sldMkLst>
+        <pc:spChg chg="mod ord">
+          <ac:chgData name="Eduardo Savian" userId="83fefb37af455394" providerId="Windows Live" clId="Web-{3C1BC0FA-3481-4802-B735-1E7E329A2E8B}" dt="2024-04-26T19:48:19.076" v="31"/>
+          <ac:spMkLst>
+            <pc:docMk/>
+            <pc:sldMk cId="109857222" sldId="256"/>
+            <ac:spMk id="2" creationId="{00000000-0000-0000-0000-000000000000}"/>
+          </ac:spMkLst>
+        </pc:spChg>
+        <pc:spChg chg="mod ord">
+          <ac:chgData name="Eduardo Savian" userId="83fefb37af455394" providerId="Windows Live" clId="Web-{3C1BC0FA-3481-4802-B735-1E7E329A2E8B}" dt="2024-04-26T19:48:19.076" v="31"/>
+          <ac:spMkLst>
+            <pc:docMk/>
+            <pc:sldMk cId="109857222" sldId="256"/>
+            <ac:spMk id="3" creationId="{00000000-0000-0000-0000-000000000000}"/>
+          </ac:spMkLst>
+        </pc:spChg>
+      </pc:sldChg>
+      <pc:sldMasterChg chg="del delSldLayout">
+        <pc:chgData name="Eduardo Savian" userId="83fefb37af455394" providerId="Windows Live" clId="Web-{3C1BC0FA-3481-4802-B735-1E7E329A2E8B}" dt="2024-04-26T19:48:11.138" v="30"/>
+        <pc:sldMasterMkLst>
+          <pc:docMk/>
+          <pc:sldMasterMk cId="2460954070" sldId="2147483660"/>
+        </pc:sldMasterMkLst>
+        <pc:sldLayoutChg chg="del">
+          <pc:chgData name="Eduardo Savian" userId="83fefb37af455394" providerId="Windows Live" clId="Web-{3C1BC0FA-3481-4802-B735-1E7E329A2E8B}" dt="2024-04-26T19:48:11.138" v="30"/>
+          <pc:sldLayoutMkLst>
+            <pc:docMk/>
+            <pc:sldMasterMk cId="2460954070" sldId="2147483660"/>
+            <pc:sldLayoutMk cId="2385387890" sldId="2147483661"/>
+          </pc:sldLayoutMkLst>
+        </pc:sldLayoutChg>
+        <pc:sldLayoutChg chg="del">
+          <pc:chgData name="Eduardo Savian" userId="83fefb37af455394" providerId="Windows Live" clId="Web-{3C1BC0FA-3481-4802-B735-1E7E329A2E8B}" dt="2024-04-26T19:48:11.138" v="30"/>
+          <pc:sldLayoutMkLst>
+            <pc:docMk/>
+            <pc:sldMasterMk cId="2460954070" sldId="2147483660"/>
+            <pc:sldLayoutMk cId="949138452" sldId="2147483662"/>
+          </pc:sldLayoutMkLst>
+        </pc:sldLayoutChg>
+        <pc:sldLayoutChg chg="del">
+          <pc:chgData name="Eduardo Savian" userId="83fefb37af455394" providerId="Windows Live" clId="Web-{3C1BC0FA-3481-4802-B735-1E7E329A2E8B}" dt="2024-04-26T19:48:11.138" v="30"/>
+          <pc:sldLayoutMkLst>
+            <pc:docMk/>
+            <pc:sldMasterMk cId="2460954070" sldId="2147483660"/>
+            <pc:sldLayoutMk cId="2591524520" sldId="2147483663"/>
+          </pc:sldLayoutMkLst>
+        </pc:sldLayoutChg>
+        <pc:sldLayoutChg chg="del">
+          <pc:chgData name="Eduardo Savian" userId="83fefb37af455394" providerId="Windows Live" clId="Web-{3C1BC0FA-3481-4802-B735-1E7E329A2E8B}" dt="2024-04-26T19:48:11.138" v="30"/>
+          <pc:sldLayoutMkLst>
+            <pc:docMk/>
+            <pc:sldMasterMk cId="2460954070" sldId="2147483660"/>
+            <pc:sldLayoutMk cId="1203092039" sldId="2147483664"/>
+          </pc:sldLayoutMkLst>
+        </pc:sldLayoutChg>
+        <pc:sldLayoutChg chg="del">
+          <pc:chgData name="Eduardo Savian" userId="83fefb37af455394" providerId="Windows Live" clId="Web-{3C1BC0FA-3481-4802-B735-1E7E329A2E8B}" dt="2024-04-26T19:48:11.138" v="30"/>
+          <pc:sldLayoutMkLst>
+            <pc:docMk/>
+            <pc:sldMasterMk cId="2460954070" sldId="2147483660"/>
+            <pc:sldLayoutMk cId="3733172339" sldId="2147483665"/>
+          </pc:sldLayoutMkLst>
+        </pc:sldLayoutChg>
+        <pc:sldLayoutChg chg="del">
+          <pc:chgData name="Eduardo Savian" userId="83fefb37af455394" providerId="Windows Live" clId="Web-{3C1BC0FA-3481-4802-B735-1E7E329A2E8B}" dt="2024-04-26T19:48:11.138" v="30"/>
+          <pc:sldLayoutMkLst>
+            <pc:docMk/>
+            <pc:sldMasterMk cId="2460954070" sldId="2147483660"/>
+            <pc:sldLayoutMk cId="3210312558" sldId="2147483666"/>
+          </pc:sldLayoutMkLst>
+        </pc:sldLayoutChg>
+        <pc:sldLayoutChg chg="del">
+          <pc:chgData name="Eduardo Savian" userId="83fefb37af455394" providerId="Windows Live" clId="Web-{3C1BC0FA-3481-4802-B735-1E7E329A2E8B}" dt="2024-04-26T19:48:11.138" v="30"/>
+          <pc:sldLayoutMkLst>
+            <pc:docMk/>
+            <pc:sldMasterMk cId="2460954070" sldId="2147483660"/>
+            <pc:sldLayoutMk cId="3146388984" sldId="2147483667"/>
+          </pc:sldLayoutMkLst>
+        </pc:sldLayoutChg>
+        <pc:sldLayoutChg chg="del">
+          <pc:chgData name="Eduardo Savian" userId="83fefb37af455394" providerId="Windows Live" clId="Web-{3C1BC0FA-3481-4802-B735-1E7E329A2E8B}" dt="2024-04-26T19:48:11.138" v="30"/>
+          <pc:sldLayoutMkLst>
+            <pc:docMk/>
+            <pc:sldMasterMk cId="2460954070" sldId="2147483660"/>
+            <pc:sldLayoutMk cId="3171841454" sldId="2147483668"/>
+          </pc:sldLayoutMkLst>
+        </pc:sldLayoutChg>
+        <pc:sldLayoutChg chg="del">
+          <pc:chgData name="Eduardo Savian" userId="83fefb37af455394" providerId="Windows Live" clId="Web-{3C1BC0FA-3481-4802-B735-1E7E329A2E8B}" dt="2024-04-26T19:48:11.138" v="30"/>
+          <pc:sldLayoutMkLst>
+            <pc:docMk/>
+            <pc:sldMasterMk cId="2460954070" sldId="2147483660"/>
+            <pc:sldLayoutMk cId="1718958274" sldId="2147483669"/>
+          </pc:sldLayoutMkLst>
+        </pc:sldLayoutChg>
+        <pc:sldLayoutChg chg="del">
+          <pc:chgData name="Eduardo Savian" userId="83fefb37af455394" providerId="Windows Live" clId="Web-{3C1BC0FA-3481-4802-B735-1E7E329A2E8B}" dt="2024-04-26T19:48:11.138" v="30"/>
+          <pc:sldLayoutMkLst>
+            <pc:docMk/>
+            <pc:sldMasterMk cId="2460954070" sldId="2147483660"/>
+            <pc:sldLayoutMk cId="2202905451" sldId="2147483670"/>
+          </pc:sldLayoutMkLst>
+        </pc:sldLayoutChg>
+        <pc:sldLayoutChg chg="del">
+          <pc:chgData name="Eduardo Savian" userId="83fefb37af455394" providerId="Windows Live" clId="Web-{3C1BC0FA-3481-4802-B735-1E7E329A2E8B}" dt="2024-04-26T19:48:11.138" v="30"/>
+          <pc:sldLayoutMkLst>
+            <pc:docMk/>
+            <pc:sldMasterMk cId="2460954070" sldId="2147483660"/>
+            <pc:sldLayoutMk cId="3479445657" sldId="2147483671"/>
+          </pc:sldLayoutMkLst>
+        </pc:sldLayoutChg>
+      </pc:sldMasterChg>
+      <pc:sldMasterChg chg="add del addSldLayout delSldLayout modSldLayout">
+        <pc:chgData name="Eduardo Savian" userId="83fefb37af455394" providerId="Windows Live" clId="Web-{3C1BC0FA-3481-4802-B735-1E7E329A2E8B}" dt="2024-04-26T19:48:19.076" v="31"/>
+        <pc:sldMasterMkLst>
+          <pc:docMk/>
+          <pc:sldMasterMk cId="2564755947" sldId="2147483672"/>
+        </pc:sldMasterMkLst>
+        <pc:sldLayoutChg chg="add del mod replId">
+          <pc:chgData name="Eduardo Savian" userId="83fefb37af455394" providerId="Windows Live" clId="Web-{3C1BC0FA-3481-4802-B735-1E7E329A2E8B}" dt="2024-04-26T19:48:19.076" v="31"/>
+          <pc:sldLayoutMkLst>
+            <pc:docMk/>
+            <pc:sldMasterMk cId="2564755947" sldId="2147483672"/>
+            <pc:sldLayoutMk cId="1775674071" sldId="2147483673"/>
+          </pc:sldLayoutMkLst>
+        </pc:sldLayoutChg>
+        <pc:sldLayoutChg chg="add del mod replId">
+          <pc:chgData name="Eduardo Savian" userId="83fefb37af455394" providerId="Windows Live" clId="Web-{3C1BC0FA-3481-4802-B735-1E7E329A2E8B}" dt="2024-04-26T19:48:19.076" v="31"/>
+          <pc:sldLayoutMkLst>
+            <pc:docMk/>
+            <pc:sldMasterMk cId="2564755947" sldId="2147483672"/>
+            <pc:sldLayoutMk cId="3419059309" sldId="2147483674"/>
+          </pc:sldLayoutMkLst>
+        </pc:sldLayoutChg>
+        <pc:sldLayoutChg chg="add del mod replId">
+          <pc:chgData name="Eduardo Savian" userId="83fefb37af455394" providerId="Windows Live" clId="Web-{3C1BC0FA-3481-4802-B735-1E7E329A2E8B}" dt="2024-04-26T19:48:19.076" v="31"/>
+          <pc:sldLayoutMkLst>
+            <pc:docMk/>
+            <pc:sldMasterMk cId="2564755947" sldId="2147483672"/>
+            <pc:sldLayoutMk cId="13884116" sldId="2147483675"/>
+          </pc:sldLayoutMkLst>
+        </pc:sldLayoutChg>
+        <pc:sldLayoutChg chg="add del mod replId">
+          <pc:chgData name="Eduardo Savian" userId="83fefb37af455394" providerId="Windows Live" clId="Web-{3C1BC0FA-3481-4802-B735-1E7E329A2E8B}" dt="2024-04-26T19:48:19.076" v="31"/>
+          <pc:sldLayoutMkLst>
+            <pc:docMk/>
+            <pc:sldMasterMk cId="2564755947" sldId="2147483672"/>
+            <pc:sldLayoutMk cId="3356041272" sldId="2147483676"/>
+          </pc:sldLayoutMkLst>
+        </pc:sldLayoutChg>
+        <pc:sldLayoutChg chg="add del mod replId">
+          <pc:chgData name="Eduardo Savian" userId="83fefb37af455394" providerId="Windows Live" clId="Web-{3C1BC0FA-3481-4802-B735-1E7E329A2E8B}" dt="2024-04-26T19:48:19.076" v="31"/>
+          <pc:sldLayoutMkLst>
+            <pc:docMk/>
+            <pc:sldMasterMk cId="2564755947" sldId="2147483672"/>
+            <pc:sldLayoutMk cId="1457250666" sldId="2147483677"/>
+          </pc:sldLayoutMkLst>
+        </pc:sldLayoutChg>
+        <pc:sldLayoutChg chg="add del mod replId">
+          <pc:chgData name="Eduardo Savian" userId="83fefb37af455394" providerId="Windows Live" clId="Web-{3C1BC0FA-3481-4802-B735-1E7E329A2E8B}" dt="2024-04-26T19:48:19.076" v="31"/>
+          <pc:sldLayoutMkLst>
+            <pc:docMk/>
+            <pc:sldMasterMk cId="2564755947" sldId="2147483672"/>
+            <pc:sldLayoutMk cId="2485548232" sldId="2147483678"/>
+          </pc:sldLayoutMkLst>
+        </pc:sldLayoutChg>
+        <pc:sldLayoutChg chg="add del mod replId">
+          <pc:chgData name="Eduardo Savian" userId="83fefb37af455394" providerId="Windows Live" clId="Web-{3C1BC0FA-3481-4802-B735-1E7E329A2E8B}" dt="2024-04-26T19:48:19.076" v="31"/>
+          <pc:sldLayoutMkLst>
+            <pc:docMk/>
+            <pc:sldMasterMk cId="2564755947" sldId="2147483672"/>
+            <pc:sldLayoutMk cId="689937733" sldId="2147483679"/>
+          </pc:sldLayoutMkLst>
+        </pc:sldLayoutChg>
+        <pc:sldLayoutChg chg="add del mod replId">
+          <pc:chgData name="Eduardo Savian" userId="83fefb37af455394" providerId="Windows Live" clId="Web-{3C1BC0FA-3481-4802-B735-1E7E329A2E8B}" dt="2024-04-26T19:48:19.076" v="31"/>
+          <pc:sldLayoutMkLst>
+            <pc:docMk/>
+            <pc:sldMasterMk cId="2564755947" sldId="2147483672"/>
+            <pc:sldLayoutMk cId="1362607470" sldId="2147483680"/>
+          </pc:sldLayoutMkLst>
+        </pc:sldLayoutChg>
+        <pc:sldLayoutChg chg="add del mod replId">
+          <pc:chgData name="Eduardo Savian" userId="83fefb37af455394" providerId="Windows Live" clId="Web-{3C1BC0FA-3481-4802-B735-1E7E329A2E8B}" dt="2024-04-26T19:48:19.076" v="31"/>
+          <pc:sldLayoutMkLst>
+            <pc:docMk/>
+            <pc:sldMasterMk cId="2564755947" sldId="2147483672"/>
+            <pc:sldLayoutMk cId="3220124583" sldId="2147483681"/>
+          </pc:sldLayoutMkLst>
+        </pc:sldLayoutChg>
+        <pc:sldLayoutChg chg="add del mod replId">
+          <pc:chgData name="Eduardo Savian" userId="83fefb37af455394" providerId="Windows Live" clId="Web-{3C1BC0FA-3481-4802-B735-1E7E329A2E8B}" dt="2024-04-26T19:48:19.076" v="31"/>
+          <pc:sldLayoutMkLst>
+            <pc:docMk/>
+            <pc:sldMasterMk cId="2564755947" sldId="2147483672"/>
+            <pc:sldLayoutMk cId="3901892908" sldId="2147483682"/>
+          </pc:sldLayoutMkLst>
+        </pc:sldLayoutChg>
+        <pc:sldLayoutChg chg="add del mod replId">
+          <pc:chgData name="Eduardo Savian" userId="83fefb37af455394" providerId="Windows Live" clId="Web-{3C1BC0FA-3481-4802-B735-1E7E329A2E8B}" dt="2024-04-26T19:48:19.076" v="31"/>
+          <pc:sldLayoutMkLst>
+            <pc:docMk/>
+            <pc:sldMasterMk cId="2564755947" sldId="2147483672"/>
+            <pc:sldLayoutMk cId="1692446140" sldId="2147483683"/>
+          </pc:sldLayoutMkLst>
+        </pc:sldLayoutChg>
+      </pc:sldMasterChg>
+      <pc:sldMasterChg chg="add addSldLayout modSldLayout">
+        <pc:chgData name="Eduardo Savian" userId="83fefb37af455394" providerId="Windows Live" clId="Web-{3C1BC0FA-3481-4802-B735-1E7E329A2E8B}" dt="2024-04-26T19:48:19.076" v="31"/>
+        <pc:sldMasterMkLst>
+          <pc:docMk/>
+          <pc:sldMasterMk cId="4114304180" sldId="2147483684"/>
+        </pc:sldMasterMkLst>
+        <pc:sldLayoutChg chg="add mod replId">
+          <pc:chgData name="Eduardo Savian" userId="83fefb37af455394" providerId="Windows Live" clId="Web-{3C1BC0FA-3481-4802-B735-1E7E329A2E8B}" dt="2024-04-26T19:48:19.076" v="31"/>
+          <pc:sldLayoutMkLst>
+            <pc:docMk/>
+            <pc:sldMasterMk cId="4114304180" sldId="2147483684"/>
+            <pc:sldLayoutMk cId="1173298707" sldId="2147483685"/>
+          </pc:sldLayoutMkLst>
+        </pc:sldLayoutChg>
+        <pc:sldLayoutChg chg="add mod replId">
+          <pc:chgData name="Eduardo Savian" userId="83fefb37af455394" providerId="Windows Live" clId="Web-{3C1BC0FA-3481-4802-B735-1E7E329A2E8B}" dt="2024-04-26T19:48:19.076" v="31"/>
+          <pc:sldLayoutMkLst>
+            <pc:docMk/>
+            <pc:sldMasterMk cId="4114304180" sldId="2147483684"/>
+            <pc:sldLayoutMk cId="2504607217" sldId="2147483686"/>
+          </pc:sldLayoutMkLst>
+        </pc:sldLayoutChg>
+        <pc:sldLayoutChg chg="add mod replId">
+          <pc:chgData name="Eduardo Savian" userId="83fefb37af455394" providerId="Windows Live" clId="Web-{3C1BC0FA-3481-4802-B735-1E7E329A2E8B}" dt="2024-04-26T19:48:19.076" v="31"/>
+          <pc:sldLayoutMkLst>
+            <pc:docMk/>
+            <pc:sldMasterMk cId="4114304180" sldId="2147483684"/>
+            <pc:sldLayoutMk cId="1098741788" sldId="2147483687"/>
+          </pc:sldLayoutMkLst>
+        </pc:sldLayoutChg>
+        <pc:sldLayoutChg chg="add mod replId">
+          <pc:chgData name="Eduardo Savian" userId="83fefb37af455394" providerId="Windows Live" clId="Web-{3C1BC0FA-3481-4802-B735-1E7E329A2E8B}" dt="2024-04-26T19:48:19.076" v="31"/>
+          <pc:sldLayoutMkLst>
+            <pc:docMk/>
+            <pc:sldMasterMk cId="4114304180" sldId="2147483684"/>
+            <pc:sldLayoutMk cId="2361482325" sldId="2147483688"/>
+          </pc:sldLayoutMkLst>
+        </pc:sldLayoutChg>
+        <pc:sldLayoutChg chg="add mod replId">
+          <pc:chgData name="Eduardo Savian" userId="83fefb37af455394" providerId="Windows Live" clId="Web-{3C1BC0FA-3481-4802-B735-1E7E329A2E8B}" dt="2024-04-26T19:48:19.076" v="31"/>
+          <pc:sldLayoutMkLst>
+            <pc:docMk/>
+            <pc:sldMasterMk cId="4114304180" sldId="2147483684"/>
+            <pc:sldLayoutMk cId="4090910387" sldId="2147483689"/>
+          </pc:sldLayoutMkLst>
+        </pc:sldLayoutChg>
+        <pc:sldLayoutChg chg="add mod replId">
+          <pc:chgData name="Eduardo Savian" userId="83fefb37af455394" providerId="Windows Live" clId="Web-{3C1BC0FA-3481-4802-B735-1E7E329A2E8B}" dt="2024-04-26T19:48:19.076" v="31"/>
+          <pc:sldLayoutMkLst>
+            <pc:docMk/>
+            <pc:sldMasterMk cId="4114304180" sldId="2147483684"/>
+            <pc:sldLayoutMk cId="3842074899" sldId="2147483690"/>
+          </pc:sldLayoutMkLst>
+        </pc:sldLayoutChg>
+        <pc:sldLayoutChg chg="add mod replId">
+          <pc:chgData name="Eduardo Savian" userId="83fefb37af455394" providerId="Windows Live" clId="Web-{3C1BC0FA-3481-4802-B735-1E7E329A2E8B}" dt="2024-04-26T19:48:19.076" v="31"/>
+          <pc:sldLayoutMkLst>
+            <pc:docMk/>
+            <pc:sldMasterMk cId="4114304180" sldId="2147483684"/>
+            <pc:sldLayoutMk cId="2350467810" sldId="2147483691"/>
+          </pc:sldLayoutMkLst>
+        </pc:sldLayoutChg>
+        <pc:sldLayoutChg chg="add mod replId">
+          <pc:chgData name="Eduardo Savian" userId="83fefb37af455394" providerId="Windows Live" clId="Web-{3C1BC0FA-3481-4802-B735-1E7E329A2E8B}" dt="2024-04-26T19:48:19.076" v="31"/>
+          <pc:sldLayoutMkLst>
+            <pc:docMk/>
+            <pc:sldMasterMk cId="4114304180" sldId="2147483684"/>
+            <pc:sldLayoutMk cId="624886727" sldId="2147483692"/>
+          </pc:sldLayoutMkLst>
+        </pc:sldLayoutChg>
+        <pc:sldLayoutChg chg="add mod replId">
+          <pc:chgData name="Eduardo Savian" userId="83fefb37af455394" providerId="Windows Live" clId="Web-{3C1BC0FA-3481-4802-B735-1E7E329A2E8B}" dt="2024-04-26T19:48:19.076" v="31"/>
+          <pc:sldLayoutMkLst>
+            <pc:docMk/>
+            <pc:sldMasterMk cId="4114304180" sldId="2147483684"/>
+            <pc:sldLayoutMk cId="402011127" sldId="2147483693"/>
+          </pc:sldLayoutMkLst>
+        </pc:sldLayoutChg>
+        <pc:sldLayoutChg chg="add mod replId">
+          <pc:chgData name="Eduardo Savian" userId="83fefb37af455394" providerId="Windows Live" clId="Web-{3C1BC0FA-3481-4802-B735-1E7E329A2E8B}" dt="2024-04-26T19:48:19.076" v="31"/>
+          <pc:sldLayoutMkLst>
+            <pc:docMk/>
+            <pc:sldMasterMk cId="4114304180" sldId="2147483684"/>
+            <pc:sldLayoutMk cId="3306584686" sldId="2147483694"/>
+          </pc:sldLayoutMkLst>
+        </pc:sldLayoutChg>
+        <pc:sldLayoutChg chg="add mod replId">
+          <pc:chgData name="Eduardo Savian" userId="83fefb37af455394" providerId="Windows Live" clId="Web-{3C1BC0FA-3481-4802-B735-1E7E329A2E8B}" dt="2024-04-26T19:48:19.076" v="31"/>
+          <pc:sldLayoutMkLst>
+            <pc:docMk/>
+            <pc:sldMasterMk cId="4114304180" sldId="2147483684"/>
+            <pc:sldLayoutMk cId="2102633595" sldId="2147483695"/>
+          </pc:sldLayoutMkLst>
+        </pc:sldLayoutChg>
+      </pc:sldMasterChg>
+    </pc:docChg>
+  </pc:docChgLst>
+  <pc:docChgLst>
+    <pc:chgData name="Eduardo Savian" userId="83fefb37af455394" providerId="LiveId" clId="{18323D1B-9F23-47EF-8A9E-BDDF51020A16}"/>
+    <pc:docChg chg="undo custSel addSld delSld modSld sldOrd">
+      <pc:chgData name="Eduardo Savian" userId="83fefb37af455394" providerId="LiveId" clId="{18323D1B-9F23-47EF-8A9E-BDDF51020A16}" dt="2024-05-03T21:35:12.973" v="2065" actId="20577"/>
+      <pc:docMkLst>
+        <pc:docMk/>
+      </pc:docMkLst>
+      <pc:sldChg chg="addSp delSp modSp mod">
+        <pc:chgData name="Eduardo Savian" userId="83fefb37af455394" providerId="LiveId" clId="{18323D1B-9F23-47EF-8A9E-BDDF51020A16}" dt="2024-05-03T21:33:14.105" v="2018"/>
+        <pc:sldMkLst>
+          <pc:docMk/>
+          <pc:sldMk cId="109857222" sldId="256"/>
+        </pc:sldMkLst>
+        <pc:spChg chg="mod">
+          <ac:chgData name="Eduardo Savian" userId="83fefb37af455394" providerId="LiveId" clId="{18323D1B-9F23-47EF-8A9E-BDDF51020A16}" dt="2024-05-03T21:32:26.553" v="2010" actId="20577"/>
+          <ac:spMkLst>
+            <pc:docMk/>
+            <pc:sldMk cId="109857222" sldId="256"/>
+            <ac:spMk id="2" creationId="{00000000-0000-0000-0000-000000000000}"/>
+          </ac:spMkLst>
+        </pc:spChg>
+        <pc:spChg chg="mod">
+          <ac:chgData name="Eduardo Savian" userId="83fefb37af455394" providerId="LiveId" clId="{18323D1B-9F23-47EF-8A9E-BDDF51020A16}" dt="2024-05-03T19:57:04.719" v="190"/>
+          <ac:spMkLst>
+            <pc:docMk/>
+            <pc:sldMk cId="109857222" sldId="256"/>
+            <ac:spMk id="3" creationId="{00000000-0000-0000-0000-000000000000}"/>
+          </ac:spMkLst>
+        </pc:spChg>
+        <pc:spChg chg="add mod">
+          <ac:chgData name="Eduardo Savian" userId="83fefb37af455394" providerId="LiveId" clId="{18323D1B-9F23-47EF-8A9E-BDDF51020A16}" dt="2024-05-03T21:33:14.105" v="2018"/>
+          <ac:spMkLst>
+            <pc:docMk/>
+            <pc:sldMk cId="109857222" sldId="256"/>
+            <ac:spMk id="4" creationId="{D361DD50-B0CA-46BD-4825-6E54D2F1E23B}"/>
+          </ac:spMkLst>
+        </pc:spChg>
+        <pc:spChg chg="del mod">
+          <ac:chgData name="Eduardo Savian" userId="83fefb37af455394" providerId="LiveId" clId="{18323D1B-9F23-47EF-8A9E-BDDF51020A16}" dt="2024-05-03T21:33:06.307" v="2015" actId="478"/>
+          <ac:spMkLst>
+            <pc:docMk/>
+            <pc:sldMk cId="109857222" sldId="256"/>
+            <ac:spMk id="8" creationId="{85B767AC-E847-B6F2-DD15-84AF0F3DC74C}"/>
+          </ac:spMkLst>
+        </pc:spChg>
+        <pc:spChg chg="mod">
+          <ac:chgData name="Eduardo Savian" userId="83fefb37af455394" providerId="LiveId" clId="{18323D1B-9F23-47EF-8A9E-BDDF51020A16}" dt="2024-05-03T19:57:04.719" v="190"/>
+          <ac:spMkLst>
+            <pc:docMk/>
+            <pc:sldMk cId="109857222" sldId="256"/>
+            <ac:spMk id="10" creationId="{AEFD543A-1CB7-0C99-84D3-37C7B347CC97}"/>
+          </ac:spMkLst>
+        </pc:spChg>
+        <pc:spChg chg="mod">
+          <ac:chgData name="Eduardo Savian" userId="83fefb37af455394" providerId="LiveId" clId="{18323D1B-9F23-47EF-8A9E-BDDF51020A16}" dt="2024-05-03T19:57:04.719" v="190"/>
+          <ac:spMkLst>
+            <pc:docMk/>
+            <pc:sldMk cId="109857222" sldId="256"/>
+            <ac:spMk id="12" creationId="{5E883A0A-5242-1BAB-D94A-4018DD20253D}"/>
+          </ac:spMkLst>
+        </pc:spChg>
+      </pc:sldChg>
+      <pc:sldChg chg="addSp delSp modSp mod">
+        <pc:chgData name="Eduardo Savian" userId="83fefb37af455394" providerId="LiveId" clId="{18323D1B-9F23-47EF-8A9E-BDDF51020A16}" dt="2024-05-03T21:33:38.984" v="2036" actId="20577"/>
+        <pc:sldMkLst>
+          <pc:docMk/>
+          <pc:sldMk cId="364694269" sldId="257"/>
+        </pc:sldMkLst>
+        <pc:spChg chg="mod">
+          <ac:chgData name="Eduardo Savian" userId="83fefb37af455394" providerId="LiveId" clId="{18323D1B-9F23-47EF-8A9E-BDDF51020A16}" dt="2024-05-03T19:57:04.719" v="190"/>
+          <ac:spMkLst>
+            <pc:docMk/>
+            <pc:sldMk cId="364694269" sldId="257"/>
+            <ac:spMk id="2" creationId="{88FF3C68-DDCC-E3CB-2AEF-34941FDD32E7}"/>
+          </ac:spMkLst>
+        </pc:spChg>
+        <pc:spChg chg="mod">
+          <ac:chgData name="Eduardo Savian" userId="83fefb37af455394" providerId="LiveId" clId="{18323D1B-9F23-47EF-8A9E-BDDF51020A16}" dt="2024-05-03T21:33:38.984" v="2036" actId="20577"/>
+          <ac:spMkLst>
+            <pc:docMk/>
+            <pc:sldMk cId="364694269" sldId="257"/>
+            <ac:spMk id="3" creationId="{0EF3CC00-A29C-C8DB-512B-E41E4BC2F5CF}"/>
+          </ac:spMkLst>
+        </pc:spChg>
+        <pc:spChg chg="del mod">
+          <ac:chgData name="Eduardo Savian" userId="83fefb37af455394" providerId="LiveId" clId="{18323D1B-9F23-47EF-8A9E-BDDF51020A16}" dt="2024-05-03T21:33:09.557" v="2016" actId="478"/>
+          <ac:spMkLst>
+            <pc:docMk/>
+            <pc:sldMk cId="364694269" sldId="257"/>
+            <ac:spMk id="4" creationId="{2C32F960-7A86-0807-9442-76ADDA5215E9}"/>
+          </ac:spMkLst>
+        </pc:spChg>
+        <pc:spChg chg="mod">
+          <ac:chgData name="Eduardo Savian" userId="83fefb37af455394" providerId="LiveId" clId="{18323D1B-9F23-47EF-8A9E-BDDF51020A16}" dt="2024-05-03T19:57:04.719" v="190"/>
+          <ac:spMkLst>
+            <pc:docMk/>
+            <pc:sldMk cId="364694269" sldId="257"/>
+            <ac:spMk id="5" creationId="{4813A2E2-1756-FA1A-ED08-BFB6F6C127BC}"/>
+          </ac:spMkLst>
+        </pc:spChg>
+        <pc:spChg chg="mod">
+          <ac:chgData name="Eduardo Savian" userId="83fefb37af455394" providerId="LiveId" clId="{18323D1B-9F23-47EF-8A9E-BDDF51020A16}" dt="2024-05-03T19:57:04.719" v="190"/>
+          <ac:spMkLst>
+            <pc:docMk/>
+            <pc:sldMk cId="364694269" sldId="257"/>
+            <ac:spMk id="6" creationId="{682CD7B6-A07C-0EC6-BED3-891295BE3226}"/>
+          </ac:spMkLst>
+        </pc:spChg>
+        <pc:spChg chg="add mod">
+          <ac:chgData name="Eduardo Savian" userId="83fefb37af455394" providerId="LiveId" clId="{18323D1B-9F23-47EF-8A9E-BDDF51020A16}" dt="2024-05-03T21:33:13.207" v="2017"/>
+          <ac:spMkLst>
+            <pc:docMk/>
+            <pc:sldMk cId="364694269" sldId="257"/>
+            <ac:spMk id="7" creationId="{F6A9BAF4-9E7F-48EB-53FA-451904A8CE9A}"/>
+          </ac:spMkLst>
+        </pc:spChg>
+      </pc:sldChg>
+      <pc:sldChg chg="addSp delSp modSp new mod setBg setClrOvrMap delDesignElem">
+        <pc:chgData name="Eduardo Savian" userId="83fefb37af455394" providerId="LiveId" clId="{18323D1B-9F23-47EF-8A9E-BDDF51020A16}" dt="2024-04-27T01:58:06.678" v="85" actId="20577"/>
+        <pc:sldMkLst>
+          <pc:docMk/>
+          <pc:sldMk cId="1950848591" sldId="257"/>
+        </pc:sldMkLst>
+        <pc:spChg chg="mod">
+          <ac:chgData name="Eduardo Savian" userId="83fefb37af455394" providerId="LiveId" clId="{18323D1B-9F23-47EF-8A9E-BDDF51020A16}" dt="2024-04-27T01:58:06.678" v="85" actId="20577"/>
+          <ac:spMkLst>
+            <pc:docMk/>
+            <pc:sldMk cId="1950848591" sldId="257"/>
+            <ac:spMk id="2" creationId="{28327455-4DA2-4FED-1B08-2E741EAA6FFE}"/>
+          </ac:spMkLst>
+        </pc:spChg>
+        <pc:spChg chg="mod">
+          <ac:chgData name="Eduardo Savian" userId="83fefb37af455394" providerId="LiveId" clId="{18323D1B-9F23-47EF-8A9E-BDDF51020A16}" dt="2024-04-27T01:57:36.480" v="68" actId="26606"/>
+          <ac:spMkLst>
+            <pc:docMk/>
+            <pc:sldMk cId="1950848591" sldId="257"/>
+            <ac:spMk id="3" creationId="{3EADC8D9-E14D-EB57-2E15-DC835EA4B031}"/>
+          </ac:spMkLst>
+        </pc:spChg>
+        <pc:spChg chg="mod ord">
+          <ac:chgData name="Eduardo Savian" userId="83fefb37af455394" providerId="LiveId" clId="{18323D1B-9F23-47EF-8A9E-BDDF51020A16}" dt="2024-04-27T01:57:36.480" v="68" actId="26606"/>
+          <ac:spMkLst>
+            <pc:docMk/>
+            <pc:sldMk cId="1950848591" sldId="257"/>
+            <ac:spMk id="4" creationId="{12BA4288-AEBF-6A7B-5675-9855BC4AA22C}"/>
+          </ac:spMkLst>
+        </pc:spChg>
+        <pc:spChg chg="mod">
+          <ac:chgData name="Eduardo Savian" userId="83fefb37af455394" providerId="LiveId" clId="{18323D1B-9F23-47EF-8A9E-BDDF51020A16}" dt="2024-04-27T01:57:36.480" v="68" actId="26606"/>
+          <ac:spMkLst>
+            <pc:docMk/>
+            <pc:sldMk cId="1950848591" sldId="257"/>
+            <ac:spMk id="5" creationId="{622C3EEA-C9DC-9FB9-AEFA-0EE5B2C8C63A}"/>
+          </ac:spMkLst>
+        </pc:spChg>
+        <pc:spChg chg="mod">
+          <ac:chgData name="Eduardo Savian" userId="83fefb37af455394" providerId="LiveId" clId="{18323D1B-9F23-47EF-8A9E-BDDF51020A16}" dt="2024-04-27T01:57:36.480" v="68" actId="26606"/>
+          <ac:spMkLst>
+            <pc:docMk/>
+            <pc:sldMk cId="1950848591" sldId="257"/>
+            <ac:spMk id="6" creationId="{37EF9171-B8D7-1BE4-28DF-90BA00AB87C2}"/>
+          </ac:spMkLst>
+        </pc:spChg>
+        <pc:spChg chg="add">
+          <ac:chgData name="Eduardo Savian" userId="83fefb37af455394" providerId="LiveId" clId="{18323D1B-9F23-47EF-8A9E-BDDF51020A16}" dt="2024-04-27T01:57:36.480" v="68" actId="26606"/>
+          <ac:spMkLst>
+            <pc:docMk/>
+            <pc:sldMk cId="1950848591" sldId="257"/>
+            <ac:spMk id="8" creationId="{769960A3-4EE1-43D2-ABFC-C7A03ED21489}"/>
+          </ac:spMkLst>
+        </pc:spChg>
+        <pc:spChg chg="add del">
+          <ac:chgData name="Eduardo Savian" userId="83fefb37af455394" providerId="LiveId" clId="{18323D1B-9F23-47EF-8A9E-BDDF51020A16}" dt="2024-04-27T01:57:10.970" v="60" actId="26606"/>
+          <ac:spMkLst>
+            <pc:docMk/>
+            <pc:sldMk cId="1950848591" sldId="257"/>
+            <ac:spMk id="11" creationId="{290FE681-1E05-478A-89DC-5F7AB37CFD77}"/>
+          </ac:spMkLst>
+        </pc:spChg>
+        <pc:spChg chg="add del">
+          <ac:chgData name="Eduardo Savian" userId="83fefb37af455394" providerId="LiveId" clId="{18323D1B-9F23-47EF-8A9E-BDDF51020A16}" dt="2024-04-27T01:57:11.470" v="62" actId="26606"/>
+          <ac:spMkLst>
+            <pc:docMk/>
+            <pc:sldMk cId="1950848591" sldId="257"/>
+            <ac:spMk id="15" creationId="{AD2D45C7-2E37-44FD-AC77-116CD14B9ED9}"/>
+          </ac:spMkLst>
+        </pc:spChg>
+        <pc:spChg chg="add del">
+          <ac:chgData name="Eduardo Savian" userId="83fefb37af455394" providerId="LiveId" clId="{18323D1B-9F23-47EF-8A9E-BDDF51020A16}" dt="2024-04-27T01:57:11.470" v="62" actId="26606"/>
+          <ac:spMkLst>
+            <pc:docMk/>
+            <pc:sldMk cId="1950848591" sldId="257"/>
+            <ac:spMk id="16" creationId="{1FF88480-2CF1-4C54-8CE3-2CA9CD9FF896}"/>
+          </ac:spMkLst>
+        </pc:spChg>
+        <pc:spChg chg="add del">
+          <ac:chgData name="Eduardo Savian" userId="83fefb37af455394" providerId="LiveId" clId="{18323D1B-9F23-47EF-8A9E-BDDF51020A16}" dt="2024-04-27T01:57:16.558" v="65"/>
+          <ac:spMkLst>
+            <pc:docMk/>
+            <pc:sldMk cId="1950848591" sldId="257"/>
+            <ac:spMk id="19" creationId="{CADF2543-1B6F-4FBC-A7AF-53A0430E05AB}"/>
+          </ac:spMkLst>
+        </pc:spChg>
+        <pc:grpChg chg="add del">
+          <ac:chgData name="Eduardo Savian" userId="83fefb37af455394" providerId="LiveId" clId="{18323D1B-9F23-47EF-8A9E-BDDF51020A16}" dt="2024-04-27T01:57:16.558" v="65"/>
+          <ac:grpSpMkLst>
+            <pc:docMk/>
+            <pc:sldMk cId="1950848591" sldId="257"/>
+            <ac:grpSpMk id="20" creationId="{A80A6E81-6B71-43DF-877B-E964A9A4CB68}"/>
+          </ac:grpSpMkLst>
+        </pc:grpChg>
+        <pc:picChg chg="add">
+          <ac:chgData name="Eduardo Savian" userId="83fefb37af455394" providerId="LiveId" clId="{18323D1B-9F23-47EF-8A9E-BDDF51020A16}" dt="2024-04-27T01:57:36.480" v="68" actId="26606"/>
+          <ac:picMkLst>
+            <pc:docMk/>
+            <pc:sldMk cId="1950848591" sldId="257"/>
+            <ac:picMk id="9" creationId="{16ABCF9F-46A6-4370-8EC8-B1EDB4510B54}"/>
+          </ac:picMkLst>
+        </pc:picChg>
+        <pc:cxnChg chg="add del">
+          <ac:chgData name="Eduardo Savian" userId="83fefb37af455394" providerId="LiveId" clId="{18323D1B-9F23-47EF-8A9E-BDDF51020A16}" dt="2024-04-27T01:57:10.970" v="60" actId="26606"/>
+          <ac:cxnSpMkLst>
+            <pc:docMk/>
+            <pc:sldMk cId="1950848591" sldId="257"/>
+            <ac:cxnSpMk id="13" creationId="{2E2F21DC-5F0E-42CF-B89C-C1E25E175CB8}"/>
+          </ac:cxnSpMkLst>
+        </pc:cxnChg>
+      </pc:sldChg>
+      <pc:sldChg chg="addSp delSp modSp del mod">
+        <pc:chgData name="Eduardo Savian" userId="83fefb37af455394" providerId="LiveId" clId="{18323D1B-9F23-47EF-8A9E-BDDF51020A16}" dt="2024-05-03T19:56:25.752" v="132" actId="47"/>
+        <pc:sldMkLst>
+          <pc:docMk/>
+          <pc:sldMk cId="1425292671" sldId="258"/>
+        </pc:sldMkLst>
+        <pc:spChg chg="add del">
+          <ac:chgData name="Eduardo Savian" userId="83fefb37af455394" providerId="LiveId" clId="{18323D1B-9F23-47EF-8A9E-BDDF51020A16}" dt="2024-05-03T19:43:16.589" v="92" actId="22"/>
+          <ac:spMkLst>
+            <pc:docMk/>
+            <pc:sldMk cId="1425292671" sldId="258"/>
+            <ac:spMk id="3" creationId="{B6C10CEA-2962-6671-BE72-AD78A83F609E}"/>
+          </ac:spMkLst>
+        </pc:spChg>
+        <pc:spChg chg="add del mod">
+          <ac:chgData name="Eduardo Savian" userId="83fefb37af455394" providerId="LiveId" clId="{18323D1B-9F23-47EF-8A9E-BDDF51020A16}" dt="2024-05-03T19:47:20.021" v="99" actId="22"/>
+          <ac:spMkLst>
+            <pc:docMk/>
+            <pc:sldMk cId="1425292671" sldId="258"/>
+            <ac:spMk id="14" creationId="{6D2E47AF-F7D4-52B2-1BEE-CAF25F158FF4}"/>
+          </ac:spMkLst>
+        </pc:spChg>
+        <pc:picChg chg="add del mod ord">
+          <ac:chgData name="Eduardo Savian" userId="83fefb37af455394" providerId="LiveId" clId="{18323D1B-9F23-47EF-8A9E-BDDF51020A16}" dt="2024-05-03T19:42:49.929" v="87" actId="22"/>
+          <ac:picMkLst>
+            <pc:docMk/>
+            <pc:sldMk cId="1425292671" sldId="258"/>
+            <ac:picMk id="8" creationId="{AE21EC5E-8D35-151B-4BCE-EB27B2D1139E}"/>
+          </ac:picMkLst>
+        </pc:picChg>
+        <pc:picChg chg="add del mod">
+          <ac:chgData name="Eduardo Savian" userId="83fefb37af455394" providerId="LiveId" clId="{18323D1B-9F23-47EF-8A9E-BDDF51020A16}" dt="2024-05-03T19:42:57.367" v="91" actId="22"/>
+          <ac:picMkLst>
+            <pc:docMk/>
+            <pc:sldMk cId="1425292671" sldId="258"/>
+            <ac:picMk id="10" creationId="{E61FAAA9-1D58-CD94-C3A4-4E247410828B}"/>
+          </ac:picMkLst>
+        </pc:picChg>
+        <pc:picChg chg="add del mod ord">
+          <ac:chgData name="Eduardo Savian" userId="83fefb37af455394" providerId="LiveId" clId="{18323D1B-9F23-47EF-8A9E-BDDF51020A16}" dt="2024-05-03T19:46:54.937" v="98" actId="478"/>
+          <ac:picMkLst>
+            <pc:docMk/>
+            <pc:sldMk cId="1425292671" sldId="258"/>
+            <ac:picMk id="12" creationId="{1AE1CB7B-CDEA-E0B8-9C4D-BFB1C235718E}"/>
+          </ac:picMkLst>
+        </pc:picChg>
+        <pc:picChg chg="add mod ord">
+          <ac:chgData name="Eduardo Savian" userId="83fefb37af455394" providerId="LiveId" clId="{18323D1B-9F23-47EF-8A9E-BDDF51020A16}" dt="2024-05-03T19:47:20.021" v="99" actId="22"/>
+          <ac:picMkLst>
+            <pc:docMk/>
+            <pc:sldMk cId="1425292671" sldId="258"/>
+            <ac:picMk id="16" creationId="{D8A45DF7-4DC3-CBB2-B199-16601228F207}"/>
+          </ac:picMkLst>
+        </pc:picChg>
+      </pc:sldChg>
+      <pc:sldChg chg="addSp delSp modSp del mod">
+        <pc:chgData name="Eduardo Savian" userId="83fefb37af455394" providerId="LiveId" clId="{18323D1B-9F23-47EF-8A9E-BDDF51020A16}" dt="2024-05-03T19:56:26.898" v="134" actId="47"/>
+        <pc:sldMkLst>
+          <pc:docMk/>
+          <pc:sldMk cId="1440530479" sldId="259"/>
+        </pc:sldMkLst>
+        <pc:spChg chg="del mod">
+          <ac:chgData name="Eduardo Savian" userId="83fefb37af455394" providerId="LiveId" clId="{18323D1B-9F23-47EF-8A9E-BDDF51020A16}" dt="2024-05-03T19:50:18.534" v="106" actId="22"/>
+          <ac:spMkLst>
+            <pc:docMk/>
+            <pc:sldMk cId="1440530479" sldId="259"/>
+            <ac:spMk id="3" creationId="{67FDEB6E-7670-E5AC-4108-FF9255BDBE52}"/>
+          </ac:spMkLst>
+        </pc:spChg>
+        <pc:picChg chg="add mod ord">
+          <ac:chgData name="Eduardo Savian" userId="83fefb37af455394" providerId="LiveId" clId="{18323D1B-9F23-47EF-8A9E-BDDF51020A16}" dt="2024-05-03T19:50:18.534" v="106" actId="22"/>
+          <ac:picMkLst>
+            <pc:docMk/>
+            <pc:sldMk cId="1440530479" sldId="259"/>
+            <ac:picMk id="8" creationId="{68A28093-3C00-02CD-C0D5-0B5199B3F443}"/>
+          </ac:picMkLst>
+        </pc:picChg>
+      </pc:sldChg>
+      <pc:sldChg chg="modSp mod">
+        <pc:chgData name="Eduardo Savian" userId="83fefb37af455394" providerId="LiveId" clId="{18323D1B-9F23-47EF-8A9E-BDDF51020A16}" dt="2024-05-03T19:57:04.719" v="190"/>
+        <pc:sldMkLst>
+          <pc:docMk/>
+          <pc:sldMk cId="3310437117" sldId="260"/>
+        </pc:sldMkLst>
+        <pc:spChg chg="mod">
+          <ac:chgData name="Eduardo Savian" userId="83fefb37af455394" providerId="LiveId" clId="{18323D1B-9F23-47EF-8A9E-BDDF51020A16}" dt="2024-05-03T19:57:04.719" v="190"/>
+          <ac:spMkLst>
+            <pc:docMk/>
+            <pc:sldMk cId="3310437117" sldId="260"/>
+            <ac:spMk id="2" creationId="{FDF2BD14-0B4A-0C93-816D-C03CAF78FBC7}"/>
+          </ac:spMkLst>
+        </pc:spChg>
+        <pc:spChg chg="mod">
+          <ac:chgData name="Eduardo Savian" userId="83fefb37af455394" providerId="LiveId" clId="{18323D1B-9F23-47EF-8A9E-BDDF51020A16}" dt="2024-05-03T19:57:04.719" v="190"/>
+          <ac:spMkLst>
+            <pc:docMk/>
+            <pc:sldMk cId="3310437117" sldId="260"/>
+            <ac:spMk id="4" creationId="{34B092BE-6242-5782-01FE-8C66120557EA}"/>
+          </ac:spMkLst>
+        </pc:spChg>
+        <pc:spChg chg="mod">
+          <ac:chgData name="Eduardo Savian" userId="83fefb37af455394" providerId="LiveId" clId="{18323D1B-9F23-47EF-8A9E-BDDF51020A16}" dt="2024-05-03T19:57:04.719" v="190"/>
+          <ac:spMkLst>
+            <pc:docMk/>
+            <pc:sldMk cId="3310437117" sldId="260"/>
+            <ac:spMk id="5" creationId="{E5E09931-7611-9B28-1DDC-C87C6C12C112}"/>
+          </ac:spMkLst>
+        </pc:spChg>
+        <pc:spChg chg="mod">
+          <ac:chgData name="Eduardo Savian" userId="83fefb37af455394" providerId="LiveId" clId="{18323D1B-9F23-47EF-8A9E-BDDF51020A16}" dt="2024-05-03T19:57:04.719" v="190"/>
+          <ac:spMkLst>
+            <pc:docMk/>
+            <pc:sldMk cId="3310437117" sldId="260"/>
+            <ac:spMk id="6" creationId="{619E5A1C-713A-D353-49FE-D0410B3E7672}"/>
+          </ac:spMkLst>
+        </pc:spChg>
+      </pc:sldChg>
+      <pc:sldChg chg="addSp delSp modSp new del mod">
+        <pc:chgData name="Eduardo Savian" userId="83fefb37af455394" providerId="LiveId" clId="{18323D1B-9F23-47EF-8A9E-BDDF51020A16}" dt="2024-05-03T19:56:26.310" v="133" actId="47"/>
+        <pc:sldMkLst>
+          <pc:docMk/>
+          <pc:sldMk cId="1604189363" sldId="261"/>
+        </pc:sldMkLst>
+        <pc:spChg chg="del mod">
+          <ac:chgData name="Eduardo Savian" userId="83fefb37af455394" providerId="LiveId" clId="{18323D1B-9F23-47EF-8A9E-BDDF51020A16}" dt="2024-05-03T19:47:42.031" v="102" actId="22"/>
+          <ac:spMkLst>
+            <pc:docMk/>
+            <pc:sldMk cId="1604189363" sldId="261"/>
+            <ac:spMk id="3" creationId="{65BEE3D8-1043-BDE1-AD56-FDCA3572655A}"/>
+          </ac:spMkLst>
+        </pc:spChg>
+        <pc:picChg chg="add mod ord">
+          <ac:chgData name="Eduardo Savian" userId="83fefb37af455394" providerId="LiveId" clId="{18323D1B-9F23-47EF-8A9E-BDDF51020A16}" dt="2024-05-03T19:47:42.031" v="102" actId="22"/>
+          <ac:picMkLst>
+            <pc:docMk/>
+            <pc:sldMk cId="1604189363" sldId="261"/>
+            <ac:picMk id="8" creationId="{2E21DB39-A026-44EA-73D5-5397512A3242}"/>
+          </ac:picMkLst>
+        </pc:picChg>
+      </pc:sldChg>
+      <pc:sldChg chg="addSp delSp modSp new mod">
+        <pc:chgData name="Eduardo Savian" userId="83fefb37af455394" providerId="LiveId" clId="{18323D1B-9F23-47EF-8A9E-BDDF51020A16}" dt="2024-05-03T21:35:09.112" v="2056" actId="20577"/>
+        <pc:sldMkLst>
+          <pc:docMk/>
+          <pc:sldMk cId="2132417489" sldId="262"/>
+        </pc:sldMkLst>
+        <pc:spChg chg="add del mod">
+          <ac:chgData name="Eduardo Savian" userId="83fefb37af455394" providerId="LiveId" clId="{18323D1B-9F23-47EF-8A9E-BDDF51020A16}" dt="2024-05-03T21:35:09.112" v="2056" actId="20577"/>
+          <ac:spMkLst>
+            <pc:docMk/>
+            <pc:sldMk cId="2132417489" sldId="262"/>
+            <ac:spMk id="2" creationId="{79F37653-EAAE-A54E-A3E5-135DA0350CE6}"/>
+          </ac:spMkLst>
+        </pc:spChg>
+        <pc:spChg chg="add del mod">
+          <ac:chgData name="Eduardo Savian" userId="83fefb37af455394" providerId="LiveId" clId="{18323D1B-9F23-47EF-8A9E-BDDF51020A16}" dt="2024-05-03T19:53:05.901" v="112" actId="22"/>
+          <ac:spMkLst>
+            <pc:docMk/>
+            <pc:sldMk cId="2132417489" sldId="262"/>
+            <ac:spMk id="3" creationId="{EADF652C-59D2-F75E-3E7A-BF30F136D624}"/>
+          </ac:spMkLst>
+        </pc:spChg>
+        <pc:spChg chg="mod">
+          <ac:chgData name="Eduardo Savian" userId="83fefb37af455394" providerId="LiveId" clId="{18323D1B-9F23-47EF-8A9E-BDDF51020A16}" dt="2024-05-03T19:57:04.719" v="190"/>
+          <ac:spMkLst>
+            <pc:docMk/>
+            <pc:sldMk cId="2132417489" sldId="262"/>
+            <ac:spMk id="4" creationId="{26330028-79CA-42BA-6809-985EE8B6B148}"/>
+          </ac:spMkLst>
+        </pc:spChg>
+        <pc:spChg chg="mod">
+          <ac:chgData name="Eduardo Savian" userId="83fefb37af455394" providerId="LiveId" clId="{18323D1B-9F23-47EF-8A9E-BDDF51020A16}" dt="2024-05-03T19:57:04.719" v="190"/>
+          <ac:spMkLst>
+            <pc:docMk/>
+            <pc:sldMk cId="2132417489" sldId="262"/>
+            <ac:spMk id="5" creationId="{97097EC0-3AB1-BB0C-89FF-A07D6C651F2F}"/>
+          </ac:spMkLst>
+        </pc:spChg>
+        <pc:spChg chg="mod">
+          <ac:chgData name="Eduardo Savian" userId="83fefb37af455394" providerId="LiveId" clId="{18323D1B-9F23-47EF-8A9E-BDDF51020A16}" dt="2024-05-03T19:57:04.719" v="190"/>
+          <ac:spMkLst>
+            <pc:docMk/>
+            <pc:sldMk cId="2132417489" sldId="262"/>
+            <ac:spMk id="6" creationId="{FA58ECAD-6D1E-9EFC-C99B-4874F8B609C6}"/>
+          </ac:spMkLst>
+        </pc:spChg>
+        <pc:spChg chg="add del mod">
+          <ac:chgData name="Eduardo Savian" userId="83fefb37af455394" providerId="LiveId" clId="{18323D1B-9F23-47EF-8A9E-BDDF51020A16}" dt="2024-05-03T19:58:52.127" v="195" actId="22"/>
+          <ac:spMkLst>
+            <pc:docMk/>
+            <pc:sldMk cId="2132417489" sldId="262"/>
+            <ac:spMk id="12" creationId="{F930A95F-BCFE-DAD3-E62B-5AD430826D25}"/>
+          </ac:spMkLst>
+        </pc:spChg>
+        <pc:spChg chg="add del mod">
+          <ac:chgData name="Eduardo Savian" userId="83fefb37af455394" providerId="LiveId" clId="{18323D1B-9F23-47EF-8A9E-BDDF51020A16}" dt="2024-05-03T19:59:24.927" v="199" actId="22"/>
+          <ac:spMkLst>
+            <pc:docMk/>
+            <pc:sldMk cId="2132417489" sldId="262"/>
+            <ac:spMk id="26" creationId="{3E39D2AF-CCBE-B128-B099-FA15354268FB}"/>
+          </ac:spMkLst>
+        </pc:spChg>
+        <pc:picChg chg="add del mod ord">
+          <ac:chgData name="Eduardo Savian" userId="83fefb37af455394" providerId="LiveId" clId="{18323D1B-9F23-47EF-8A9E-BDDF51020A16}" dt="2024-05-03T19:51:17.073" v="108" actId="22"/>
+          <ac:picMkLst>
+            <pc:docMk/>
+            <pc:sldMk cId="2132417489" sldId="262"/>
+            <ac:picMk id="8" creationId="{E71EFF0E-2585-E05A-0E42-EDA4B827B515}"/>
+          </ac:picMkLst>
+        </pc:picChg>
+        <pc:picChg chg="add del mod ord">
+          <ac:chgData name="Eduardo Savian" userId="83fefb37af455394" providerId="LiveId" clId="{18323D1B-9F23-47EF-8A9E-BDDF51020A16}" dt="2024-05-03T19:53:39.571" v="120" actId="478"/>
+          <ac:picMkLst>
+            <pc:docMk/>
+            <pc:sldMk cId="2132417489" sldId="262"/>
+            <ac:picMk id="10" creationId="{A0CEC2AC-609D-1DDD-0DC7-ABD881B5ECF7}"/>
+          </ac:picMkLst>
+        </pc:picChg>
+        <pc:picChg chg="add del">
+          <ac:chgData name="Eduardo Savian" userId="83fefb37af455394" providerId="LiveId" clId="{18323D1B-9F23-47EF-8A9E-BDDF51020A16}" dt="2024-05-03T19:53:41.388" v="122" actId="22"/>
+          <ac:picMkLst>
+            <pc:docMk/>
+            <pc:sldMk cId="2132417489" sldId="262"/>
+            <ac:picMk id="14" creationId="{8CE8D279-0BBC-86FA-A574-EBF01D24785D}"/>
+          </ac:picMkLst>
+        </pc:picChg>
+        <pc:picChg chg="add del mod ord">
+          <ac:chgData name="Eduardo Savian" userId="83fefb37af455394" providerId="LiveId" clId="{18323D1B-9F23-47EF-8A9E-BDDF51020A16}" dt="2024-05-03T19:54:29.640" v="124" actId="22"/>
+          <ac:picMkLst>
+            <pc:docMk/>
+            <pc:sldMk cId="2132417489" sldId="262"/>
+            <ac:picMk id="16" creationId="{7BE62852-5800-F7D4-DD19-28A7C83FDA1A}"/>
+          </ac:picMkLst>
+        </pc:picChg>
+        <pc:picChg chg="add del mod ord">
+          <ac:chgData name="Eduardo Savian" userId="83fefb37af455394" providerId="LiveId" clId="{18323D1B-9F23-47EF-8A9E-BDDF51020A16}" dt="2024-05-03T19:55:37.681" v="126" actId="22"/>
+          <ac:picMkLst>
+            <pc:docMk/>
+            <pc:sldMk cId="2132417489" sldId="262"/>
+            <ac:picMk id="18" creationId="{D4F27FF5-9396-04AC-B23F-C43A29CB1380}"/>
+          </ac:picMkLst>
+        </pc:picChg>
+        <pc:picChg chg="add del mod ord">
+          <ac:chgData name="Eduardo Savian" userId="83fefb37af455394" providerId="LiveId" clId="{18323D1B-9F23-47EF-8A9E-BDDF51020A16}" dt="2024-05-03T19:58:32.453" v="192" actId="22"/>
+          <ac:picMkLst>
+            <pc:docMk/>
+            <pc:sldMk cId="2132417489" sldId="262"/>
+            <ac:picMk id="20" creationId="{56F69268-DE8F-0A60-4A5E-B60AA8C112C8}"/>
+          </ac:picMkLst>
+        </pc:picChg>
+        <pc:picChg chg="add del mod ord">
+          <ac:chgData name="Eduardo Savian" userId="83fefb37af455394" providerId="LiveId" clId="{18323D1B-9F23-47EF-8A9E-BDDF51020A16}" dt="2024-05-03T19:58:44.723" v="194" actId="22"/>
+          <ac:picMkLst>
+            <pc:docMk/>
+            <pc:sldMk cId="2132417489" sldId="262"/>
+            <ac:picMk id="22" creationId="{2F0306E6-6BA4-12E4-7371-FC7233882EF4}"/>
+          </ac:picMkLst>
+        </pc:picChg>
+        <pc:picChg chg="add del mod ord">
+          <ac:chgData name="Eduardo Savian" userId="83fefb37af455394" providerId="LiveId" clId="{18323D1B-9F23-47EF-8A9E-BDDF51020A16}" dt="2024-05-03T19:59:22.391" v="196" actId="478"/>
+          <ac:picMkLst>
+            <pc:docMk/>
+            <pc:sldMk cId="2132417489" sldId="262"/>
+            <ac:picMk id="24" creationId="{D2B0907F-DE50-CAAF-99E0-9361A3CED501}"/>
+          </ac:picMkLst>
+        </pc:picChg>
+        <pc:picChg chg="add del">
+          <ac:chgData name="Eduardo Savian" userId="83fefb37af455394" providerId="LiveId" clId="{18323D1B-9F23-47EF-8A9E-BDDF51020A16}" dt="2024-05-03T19:59:24.073" v="198" actId="22"/>
+          <ac:picMkLst>
+            <pc:docMk/>
+            <pc:sldMk cId="2132417489" sldId="262"/>
+            <ac:picMk id="28" creationId="{2F750899-2F8B-102C-F097-EF72988F0E25}"/>
+          </ac:picMkLst>
+        </pc:picChg>
+        <pc:picChg chg="add mod ord">
+          <ac:chgData name="Eduardo Savian" userId="83fefb37af455394" providerId="LiveId" clId="{18323D1B-9F23-47EF-8A9E-BDDF51020A16}" dt="2024-05-03T19:59:24.927" v="199" actId="22"/>
+          <ac:picMkLst>
+            <pc:docMk/>
+            <pc:sldMk cId="2132417489" sldId="262"/>
+            <ac:picMk id="30" creationId="{603D627C-45E6-B5A9-F84D-42A1BE0A5923}"/>
+          </ac:picMkLst>
+        </pc:picChg>
+      </pc:sldChg>
+      <pc:sldChg chg="addSp delSp modSp new mod">
+        <pc:chgData name="Eduardo Savian" userId="83fefb37af455394" providerId="LiveId" clId="{18323D1B-9F23-47EF-8A9E-BDDF51020A16}" dt="2024-05-03T20:07:20.580" v="307" actId="20577"/>
+        <pc:sldMkLst>
+          <pc:docMk/>
+          <pc:sldMk cId="4074573348" sldId="263"/>
+        </pc:sldMkLst>
+        <pc:spChg chg="mod">
+          <ac:chgData name="Eduardo Savian" userId="83fefb37af455394" providerId="LiveId" clId="{18323D1B-9F23-47EF-8A9E-BDDF51020A16}" dt="2024-05-03T20:07:20.580" v="307" actId="20577"/>
+          <ac:spMkLst>
+            <pc:docMk/>
+            <pc:sldMk cId="4074573348" sldId="263"/>
+            <ac:spMk id="2" creationId="{C9316100-58F9-CC39-D61B-AC34DA0E13F1}"/>
+          </ac:spMkLst>
+        </pc:spChg>
+        <pc:spChg chg="del mod">
+          <ac:chgData name="Eduardo Savian" userId="83fefb37af455394" providerId="LiveId" clId="{18323D1B-9F23-47EF-8A9E-BDDF51020A16}" dt="2024-05-03T20:05:12.416" v="221" actId="22"/>
+          <ac:spMkLst>
+            <pc:docMk/>
+            <pc:sldMk cId="4074573348" sldId="263"/>
+            <ac:spMk id="3" creationId="{8F751F27-9F94-A88C-C07A-156775D960D1}"/>
+          </ac:spMkLst>
+        </pc:spChg>
+        <pc:spChg chg="mod">
+          <ac:chgData name="Eduardo Savian" userId="83fefb37af455394" providerId="LiveId" clId="{18323D1B-9F23-47EF-8A9E-BDDF51020A16}" dt="2024-05-03T19:57:04.719" v="190"/>
+          <ac:spMkLst>
+            <pc:docMk/>
+            <pc:sldMk cId="4074573348" sldId="263"/>
+            <ac:spMk id="4" creationId="{541DBB98-3A55-5A65-6D4E-1A8679E85D11}"/>
+          </ac:spMkLst>
+        </pc:spChg>
+        <pc:spChg chg="mod">
+          <ac:chgData name="Eduardo Savian" userId="83fefb37af455394" providerId="LiveId" clId="{18323D1B-9F23-47EF-8A9E-BDDF51020A16}" dt="2024-05-03T19:57:04.719" v="190"/>
+          <ac:spMkLst>
+            <pc:docMk/>
+            <pc:sldMk cId="4074573348" sldId="263"/>
+            <ac:spMk id="5" creationId="{C19E8476-A2E7-423F-8CA6-0FF638EF194A}"/>
+          </ac:spMkLst>
+        </pc:spChg>
+        <pc:spChg chg="mod">
+          <ac:chgData name="Eduardo Savian" userId="83fefb37af455394" providerId="LiveId" clId="{18323D1B-9F23-47EF-8A9E-BDDF51020A16}" dt="2024-05-03T19:57:04.719" v="190"/>
+          <ac:spMkLst>
+            <pc:docMk/>
+            <pc:sldMk cId="4074573348" sldId="263"/>
+            <ac:spMk id="6" creationId="{302C1DC0-37A0-B859-EF94-08560A374511}"/>
+          </ac:spMkLst>
+        </pc:spChg>
+        <pc:picChg chg="add mod ord">
+          <ac:chgData name="Eduardo Savian" userId="83fefb37af455394" providerId="LiveId" clId="{18323D1B-9F23-47EF-8A9E-BDDF51020A16}" dt="2024-05-03T20:05:12.416" v="221" actId="22"/>
+          <ac:picMkLst>
+            <pc:docMk/>
+            <pc:sldMk cId="4074573348" sldId="263"/>
+            <ac:picMk id="8" creationId="{1C97F6B2-6D80-0F73-7C14-B1E4930A4780}"/>
+          </ac:picMkLst>
+        </pc:picChg>
+      </pc:sldChg>
+      <pc:sldChg chg="addSp delSp modSp new mod">
+        <pc:chgData name="Eduardo Savian" userId="83fefb37af455394" providerId="LiveId" clId="{18323D1B-9F23-47EF-8A9E-BDDF51020A16}" dt="2024-05-03T21:35:12.973" v="2065" actId="20577"/>
+        <pc:sldMkLst>
+          <pc:docMk/>
+          <pc:sldMk cId="1676391631" sldId="264"/>
+        </pc:sldMkLst>
+        <pc:spChg chg="mod">
+          <ac:chgData name="Eduardo Savian" userId="83fefb37af455394" providerId="LiveId" clId="{18323D1B-9F23-47EF-8A9E-BDDF51020A16}" dt="2024-05-03T21:35:12.973" v="2065" actId="20577"/>
+          <ac:spMkLst>
+            <pc:docMk/>
+            <pc:sldMk cId="1676391631" sldId="264"/>
+            <ac:spMk id="2" creationId="{AC3CB1F7-2558-AFD0-4387-FCECD94BBB4E}"/>
+          </ac:spMkLst>
+        </pc:spChg>
+        <pc:spChg chg="del mod">
+          <ac:chgData name="Eduardo Savian" userId="83fefb37af455394" providerId="LiveId" clId="{18323D1B-9F23-47EF-8A9E-BDDF51020A16}" dt="2024-05-03T19:59:47.714" v="200" actId="22"/>
+          <ac:spMkLst>
+            <pc:docMk/>
+            <pc:sldMk cId="1676391631" sldId="264"/>
+            <ac:spMk id="3" creationId="{FE628472-733C-97BF-CDC6-83280EDD2D5E}"/>
+          </ac:spMkLst>
+        </pc:spChg>
+        <pc:spChg chg="mod">
+          <ac:chgData name="Eduardo Savian" userId="83fefb37af455394" providerId="LiveId" clId="{18323D1B-9F23-47EF-8A9E-BDDF51020A16}" dt="2024-05-03T19:57:04.719" v="190"/>
+          <ac:spMkLst>
+            <pc:docMk/>
+            <pc:sldMk cId="1676391631" sldId="264"/>
+            <ac:spMk id="4" creationId="{C49FA73B-3ED1-3314-2797-1DFED2E98BE5}"/>
+          </ac:spMkLst>
+        </pc:spChg>
+        <pc:spChg chg="mod">
+          <ac:chgData name="Eduardo Savian" userId="83fefb37af455394" providerId="LiveId" clId="{18323D1B-9F23-47EF-8A9E-BDDF51020A16}" dt="2024-05-03T19:57:04.719" v="190"/>
+          <ac:spMkLst>
+            <pc:docMk/>
+            <pc:sldMk cId="1676391631" sldId="264"/>
+            <ac:spMk id="5" creationId="{4E749850-3BC7-0540-EFE4-407A349067F8}"/>
+          </ac:spMkLst>
+        </pc:spChg>
+        <pc:spChg chg="mod">
+          <ac:chgData name="Eduardo Savian" userId="83fefb37af455394" providerId="LiveId" clId="{18323D1B-9F23-47EF-8A9E-BDDF51020A16}" dt="2024-05-03T19:57:04.719" v="190"/>
+          <ac:spMkLst>
+            <pc:docMk/>
+            <pc:sldMk cId="1676391631" sldId="264"/>
+            <ac:spMk id="6" creationId="{9C6EF2A7-7129-E667-0484-D70918009BC5}"/>
+          </ac:spMkLst>
+        </pc:spChg>
+        <pc:spChg chg="add del mod">
+          <ac:chgData name="Eduardo Savian" userId="83fefb37af455394" providerId="LiveId" clId="{18323D1B-9F23-47EF-8A9E-BDDF51020A16}" dt="2024-05-03T20:00:26.410" v="208" actId="22"/>
+          <ac:spMkLst>
+            <pc:docMk/>
+            <pc:sldMk cId="1676391631" sldId="264"/>
+            <ac:spMk id="10" creationId="{9B976787-EDDF-3316-2CBE-927CF8EA0F93}"/>
+          </ac:spMkLst>
+        </pc:spChg>
+        <pc:spChg chg="add del mod">
+          <ac:chgData name="Eduardo Savian" userId="83fefb37af455394" providerId="LiveId" clId="{18323D1B-9F23-47EF-8A9E-BDDF51020A16}" dt="2024-05-03T20:00:56.683" v="212" actId="22"/>
+          <ac:spMkLst>
+            <pc:docMk/>
+            <pc:sldMk cId="1676391631" sldId="264"/>
+            <ac:spMk id="18" creationId="{12D0F9C7-AAAE-24BC-9476-D775287E3928}"/>
+          </ac:spMkLst>
+        </pc:spChg>
+        <pc:picChg chg="add del mod ord">
+          <ac:chgData name="Eduardo Savian" userId="83fefb37af455394" providerId="LiveId" clId="{18323D1B-9F23-47EF-8A9E-BDDF51020A16}" dt="2024-05-03T20:00:19.808" v="201" actId="478"/>
+          <ac:picMkLst>
+            <pc:docMk/>
+            <pc:sldMk cId="1676391631" sldId="264"/>
+            <ac:picMk id="8" creationId="{AFE8CB28-02B4-1B61-C29E-66C3D2DB4B3E}"/>
+          </ac:picMkLst>
+        </pc:picChg>
+        <pc:picChg chg="add del">
+          <ac:chgData name="Eduardo Savian" userId="83fefb37af455394" providerId="LiveId" clId="{18323D1B-9F23-47EF-8A9E-BDDF51020A16}" dt="2024-05-03T20:00:21.261" v="203" actId="22"/>
+          <ac:picMkLst>
+            <pc:docMk/>
+            <pc:sldMk cId="1676391631" sldId="264"/>
+            <ac:picMk id="12" creationId="{875F1B52-0886-C733-8540-C6D1BBCB83E1}"/>
+          </ac:picMkLst>
+        </pc:picChg>
+        <pc:picChg chg="add del">
+          <ac:chgData name="Eduardo Savian" userId="83fefb37af455394" providerId="LiveId" clId="{18323D1B-9F23-47EF-8A9E-BDDF51020A16}" dt="2024-05-03T20:00:24.493" v="206" actId="22"/>
+          <ac:picMkLst>
+            <pc:docMk/>
+            <pc:sldMk cId="1676391631" sldId="264"/>
+            <ac:picMk id="14" creationId="{B2AD5DBB-C7D7-B467-F001-C2A69917848A}"/>
+          </ac:picMkLst>
+        </pc:picChg>
+        <pc:picChg chg="add del mod ord">
+          <ac:chgData name="Eduardo Savian" userId="83fefb37af455394" providerId="LiveId" clId="{18323D1B-9F23-47EF-8A9E-BDDF51020A16}" dt="2024-05-03T20:00:53.404" v="209" actId="478"/>
+          <ac:picMkLst>
+            <pc:docMk/>
+            <pc:sldMk cId="1676391631" sldId="264"/>
+            <ac:picMk id="16" creationId="{1A9AE994-0F74-0B68-CD36-FA7900A531A5}"/>
+          </ac:picMkLst>
+        </pc:picChg>
+        <pc:picChg chg="add del">
+          <ac:chgData name="Eduardo Savian" userId="83fefb37af455394" providerId="LiveId" clId="{18323D1B-9F23-47EF-8A9E-BDDF51020A16}" dt="2024-05-03T20:00:54.709" v="211" actId="22"/>
+          <ac:picMkLst>
+            <pc:docMk/>
+            <pc:sldMk cId="1676391631" sldId="264"/>
+            <ac:picMk id="20" creationId="{8840379D-6762-3CFC-1EF2-D15AF6062A09}"/>
+          </ac:picMkLst>
+        </pc:picChg>
+        <pc:picChg chg="add mod ord">
+          <ac:chgData name="Eduardo Savian" userId="83fefb37af455394" providerId="LiveId" clId="{18323D1B-9F23-47EF-8A9E-BDDF51020A16}" dt="2024-05-03T20:00:56.683" v="212" actId="22"/>
+          <ac:picMkLst>
+            <pc:docMk/>
+            <pc:sldMk cId="1676391631" sldId="264"/>
+            <ac:picMk id="22" creationId="{15E43B50-DEC0-EAAA-16D0-A624320BBD63}"/>
+          </ac:picMkLst>
+        </pc:picChg>
+      </pc:sldChg>
+      <pc:sldChg chg="addSp delSp modSp new mod">
+        <pc:chgData name="Eduardo Savian" userId="83fefb37af455394" providerId="LiveId" clId="{18323D1B-9F23-47EF-8A9E-BDDF51020A16}" dt="2024-05-03T21:34:19.075" v="2037" actId="20577"/>
+        <pc:sldMkLst>
+          <pc:docMk/>
+          <pc:sldMk cId="3167140835" sldId="265"/>
+        </pc:sldMkLst>
+        <pc:spChg chg="mod">
+          <ac:chgData name="Eduardo Savian" userId="83fefb37af455394" providerId="LiveId" clId="{18323D1B-9F23-47EF-8A9E-BDDF51020A16}" dt="2024-05-03T20:06:51.400" v="246"/>
+          <ac:spMkLst>
+            <pc:docMk/>
+            <pc:sldMk cId="3167140835" sldId="265"/>
+            <ac:spMk id="2" creationId="{DE3C80CB-E975-07B2-F0EE-5C0BD8EBD092}"/>
+          </ac:spMkLst>
+        </pc:spChg>
+        <pc:spChg chg="add del mod">
+          <ac:chgData name="Eduardo Savian" userId="83fefb37af455394" providerId="LiveId" clId="{18323D1B-9F23-47EF-8A9E-BDDF51020A16}" dt="2024-05-03T20:01:38.211" v="217" actId="22"/>
+          <ac:spMkLst>
+            <pc:docMk/>
+            <pc:sldMk cId="3167140835" sldId="265"/>
+            <ac:spMk id="3" creationId="{1ABF172F-7071-BFF0-EE83-D465AF1DE892}"/>
+          </ac:spMkLst>
+        </pc:spChg>
+        <pc:spChg chg="mod">
+          <ac:chgData name="Eduardo Savian" userId="83fefb37af455394" providerId="LiveId" clId="{18323D1B-9F23-47EF-8A9E-BDDF51020A16}" dt="2024-05-03T21:34:19.075" v="2037" actId="20577"/>
+          <ac:spMkLst>
+            <pc:docMk/>
+            <pc:sldMk cId="3167140835" sldId="265"/>
+            <ac:spMk id="3" creationId="{B6FEE07F-1E5B-23B5-1F3D-C829A1AAFF36}"/>
+          </ac:spMkLst>
+        </pc:spChg>
+        <pc:spChg chg="mod">
+          <ac:chgData name="Eduardo Savian" userId="83fefb37af455394" providerId="LiveId" clId="{18323D1B-9F23-47EF-8A9E-BDDF51020A16}" dt="2024-05-03T19:57:04.719" v="190"/>
+          <ac:spMkLst>
+            <pc:docMk/>
+            <pc:sldMk cId="3167140835" sldId="265"/>
+            <ac:spMk id="4" creationId="{A979AC61-6276-9B80-A821-834799E24420}"/>
+          </ac:spMkLst>
+        </pc:spChg>
+        <pc:spChg chg="mod">
+          <ac:chgData name="Eduardo Savian" userId="83fefb37af455394" providerId="LiveId" clId="{18323D1B-9F23-47EF-8A9E-BDDF51020A16}" dt="2024-05-03T19:57:04.719" v="190"/>
+          <ac:spMkLst>
+            <pc:docMk/>
+            <pc:sldMk cId="3167140835" sldId="265"/>
+            <ac:spMk id="5" creationId="{3A307B39-7824-8816-256C-D323FCE3130B}"/>
+          </ac:spMkLst>
+        </pc:spChg>
+        <pc:spChg chg="mod">
+          <ac:chgData name="Eduardo Savian" userId="83fefb37af455394" providerId="LiveId" clId="{18323D1B-9F23-47EF-8A9E-BDDF51020A16}" dt="2024-05-03T19:57:04.719" v="190"/>
+          <ac:spMkLst>
+            <pc:docMk/>
+            <pc:sldMk cId="3167140835" sldId="265"/>
+            <ac:spMk id="6" creationId="{9D4F923D-12D6-61A6-0825-F9FBD88082E8}"/>
+          </ac:spMkLst>
+        </pc:spChg>
+        <pc:picChg chg="add del">
+          <ac:chgData name="Eduardo Savian" userId="83fefb37af455394" providerId="LiveId" clId="{18323D1B-9F23-47EF-8A9E-BDDF51020A16}" dt="2024-05-03T20:01:36.520" v="215" actId="22"/>
+          <ac:picMkLst>
+            <pc:docMk/>
+            <pc:sldMk cId="3167140835" sldId="265"/>
+            <ac:picMk id="8" creationId="{E5B5E18E-D1B0-DDDA-D1BA-73382C00B35A}"/>
+          </ac:picMkLst>
+        </pc:picChg>
+        <pc:picChg chg="add mod ord">
+          <ac:chgData name="Eduardo Savian" userId="83fefb37af455394" providerId="LiveId" clId="{18323D1B-9F23-47EF-8A9E-BDDF51020A16}" dt="2024-05-03T20:01:38.211" v="217" actId="22"/>
+          <ac:picMkLst>
+            <pc:docMk/>
+            <pc:sldMk cId="3167140835" sldId="265"/>
+            <ac:picMk id="10" creationId="{8A3F6DA3-3913-BB95-070E-B20915E32EFD}"/>
+          </ac:picMkLst>
+        </pc:picChg>
+      </pc:sldChg>
+      <pc:sldChg chg="addSp delSp modSp new mod">
+        <pc:chgData name="Eduardo Savian" userId="83fefb37af455394" providerId="LiveId" clId="{18323D1B-9F23-47EF-8A9E-BDDF51020A16}" dt="2024-05-03T21:35:01.744" v="2047" actId="20577"/>
+        <pc:sldMkLst>
+          <pc:docMk/>
+          <pc:sldMk cId="803844127" sldId="266"/>
+        </pc:sldMkLst>
+        <pc:spChg chg="mod">
+          <ac:chgData name="Eduardo Savian" userId="83fefb37af455394" providerId="LiveId" clId="{18323D1B-9F23-47EF-8A9E-BDDF51020A16}" dt="2024-05-03T21:35:01.744" v="2047" actId="20577"/>
+          <ac:spMkLst>
+            <pc:docMk/>
+            <pc:sldMk cId="803844127" sldId="266"/>
+            <ac:spMk id="2" creationId="{DBCB45B1-CCDB-636E-C1E1-00F9EC6C3153}"/>
+          </ac:spMkLst>
+        </pc:spChg>
+        <pc:spChg chg="del mod">
+          <ac:chgData name="Eduardo Savian" userId="83fefb37af455394" providerId="LiveId" clId="{18323D1B-9F23-47EF-8A9E-BDDF51020A16}" dt="2024-05-03T20:03:36.045" v="218" actId="22"/>
+          <ac:spMkLst>
+            <pc:docMk/>
+            <pc:sldMk cId="803844127" sldId="266"/>
+            <ac:spMk id="3" creationId="{C8E18E5D-C532-697C-0743-F6CC6530DE73}"/>
+          </ac:spMkLst>
+        </pc:spChg>
+        <pc:spChg chg="mod">
+          <ac:chgData name="Eduardo Savian" userId="83fefb37af455394" providerId="LiveId" clId="{18323D1B-9F23-47EF-8A9E-BDDF51020A16}" dt="2024-05-03T19:57:04.719" v="190"/>
+          <ac:spMkLst>
+            <pc:docMk/>
+            <pc:sldMk cId="803844127" sldId="266"/>
+            <ac:spMk id="4" creationId="{416E5080-9E62-27C7-4E69-5F88761ED333}"/>
+          </ac:spMkLst>
+        </pc:spChg>
+        <pc:spChg chg="mod">
+          <ac:chgData name="Eduardo Savian" userId="83fefb37af455394" providerId="LiveId" clId="{18323D1B-9F23-47EF-8A9E-BDDF51020A16}" dt="2024-05-03T19:57:04.719" v="190"/>
+          <ac:spMkLst>
+            <pc:docMk/>
+            <pc:sldMk cId="803844127" sldId="266"/>
+            <ac:spMk id="5" creationId="{FBAF729F-F5BB-8F49-A6B2-8DB428E0A9CC}"/>
+          </ac:spMkLst>
+        </pc:spChg>
+        <pc:spChg chg="mod">
+          <ac:chgData name="Eduardo Savian" userId="83fefb37af455394" providerId="LiveId" clId="{18323D1B-9F23-47EF-8A9E-BDDF51020A16}" dt="2024-05-03T19:57:04.719" v="190"/>
+          <ac:spMkLst>
+            <pc:docMk/>
+            <pc:sldMk cId="803844127" sldId="266"/>
+            <ac:spMk id="6" creationId="{FD83643B-7D69-F3C8-BE30-4FA017FF08B8}"/>
+          </ac:spMkLst>
+        </pc:spChg>
+        <pc:picChg chg="add mod ord">
+          <ac:chgData name="Eduardo Savian" userId="83fefb37af455394" providerId="LiveId" clId="{18323D1B-9F23-47EF-8A9E-BDDF51020A16}" dt="2024-05-03T20:03:36.045" v="218" actId="22"/>
+          <ac:picMkLst>
+            <pc:docMk/>
+            <pc:sldMk cId="803844127" sldId="266"/>
+            <ac:picMk id="8" creationId="{E48423E3-976B-467F-2E30-6A1746DD5917}"/>
+          </ac:picMkLst>
+        </pc:picChg>
+      </pc:sldChg>
+      <pc:sldChg chg="addSp delSp modSp new mod">
+        <pc:chgData name="Eduardo Savian" userId="83fefb37af455394" providerId="LiveId" clId="{18323D1B-9F23-47EF-8A9E-BDDF51020A16}" dt="2024-05-03T20:34:42.200" v="996" actId="1076"/>
+        <pc:sldMkLst>
+          <pc:docMk/>
+          <pc:sldMk cId="1300389132" sldId="267"/>
+        </pc:sldMkLst>
+        <pc:spChg chg="mod">
+          <ac:chgData name="Eduardo Savian" userId="83fefb37af455394" providerId="LiveId" clId="{18323D1B-9F23-47EF-8A9E-BDDF51020A16}" dt="2024-05-03T20:07:03.155" v="262" actId="20577"/>
+          <ac:spMkLst>
+            <pc:docMk/>
+            <pc:sldMk cId="1300389132" sldId="267"/>
+            <ac:spMk id="2" creationId="{509DD742-C24E-2B61-B83C-4355D4EAB662}"/>
+          </ac:spMkLst>
+        </pc:spChg>
+        <pc:spChg chg="del mod">
+          <ac:chgData name="Eduardo Savian" userId="83fefb37af455394" providerId="LiveId" clId="{18323D1B-9F23-47EF-8A9E-BDDF51020A16}" dt="2024-05-03T20:04:17.890" v="219" actId="22"/>
+          <ac:spMkLst>
+            <pc:docMk/>
+            <pc:sldMk cId="1300389132" sldId="267"/>
+            <ac:spMk id="3" creationId="{6DF3E591-E609-F840-A478-D8BB5227E44D}"/>
+          </ac:spMkLst>
+        </pc:spChg>
+        <pc:spChg chg="mod">
+          <ac:chgData name="Eduardo Savian" userId="83fefb37af455394" providerId="LiveId" clId="{18323D1B-9F23-47EF-8A9E-BDDF51020A16}" dt="2024-05-03T19:57:04.719" v="190"/>
+          <ac:spMkLst>
+            <pc:docMk/>
+            <pc:sldMk cId="1300389132" sldId="267"/>
+            <ac:spMk id="4" creationId="{A6CD06C5-C956-ECAA-9AFC-BF6143B3F68F}"/>
+          </ac:spMkLst>
+        </pc:spChg>
+        <pc:spChg chg="mod">
+          <ac:chgData name="Eduardo Savian" userId="83fefb37af455394" providerId="LiveId" clId="{18323D1B-9F23-47EF-8A9E-BDDF51020A16}" dt="2024-05-03T19:57:04.719" v="190"/>
+          <ac:spMkLst>
+            <pc:docMk/>
+            <pc:sldMk cId="1300389132" sldId="267"/>
+            <ac:spMk id="5" creationId="{5209B802-4CC4-4DBD-1502-DAFDD6B69336}"/>
+          </ac:spMkLst>
+        </pc:spChg>
+        <pc:spChg chg="mod">
+          <ac:chgData name="Eduardo Savian" userId="83fefb37af455394" providerId="LiveId" clId="{18323D1B-9F23-47EF-8A9E-BDDF51020A16}" dt="2024-05-03T19:57:04.719" v="190"/>
+          <ac:spMkLst>
+            <pc:docMk/>
+            <pc:sldMk cId="1300389132" sldId="267"/>
+            <ac:spMk id="6" creationId="{D3ADB93F-112C-35E6-FD5D-1AC880E92054}"/>
+          </ac:spMkLst>
+        </pc:spChg>
+        <pc:picChg chg="add mod ord">
+          <ac:chgData name="Eduardo Savian" userId="83fefb37af455394" providerId="LiveId" clId="{18323D1B-9F23-47EF-8A9E-BDDF51020A16}" dt="2024-05-03T20:34:42.200" v="996" actId="1076"/>
+          <ac:picMkLst>
+            <pc:docMk/>
+            <pc:sldMk cId="1300389132" sldId="267"/>
+            <ac:picMk id="8" creationId="{94F84316-8CDB-F30E-81E1-FEEDD4D00680}"/>
+          </ac:picMkLst>
+        </pc:picChg>
+      </pc:sldChg>
+      <pc:sldChg chg="addSp delSp modSp new mod">
+        <pc:chgData name="Eduardo Savian" userId="83fefb37af455394" providerId="LiveId" clId="{18323D1B-9F23-47EF-8A9E-BDDF51020A16}" dt="2024-05-03T21:34:30.152" v="2041" actId="20577"/>
+        <pc:sldMkLst>
+          <pc:docMk/>
+          <pc:sldMk cId="835122275" sldId="268"/>
+        </pc:sldMkLst>
+        <pc:spChg chg="mod">
+          <ac:chgData name="Eduardo Savian" userId="83fefb37af455394" providerId="LiveId" clId="{18323D1B-9F23-47EF-8A9E-BDDF51020A16}" dt="2024-05-03T21:34:30.152" v="2041" actId="20577"/>
+          <ac:spMkLst>
+            <pc:docMk/>
+            <pc:sldMk cId="835122275" sldId="268"/>
+            <ac:spMk id="2" creationId="{58E02B25-2EFF-8DF7-7908-647E5392F802}"/>
+          </ac:spMkLst>
+        </pc:spChg>
+        <pc:spChg chg="del mod">
+          <ac:chgData name="Eduardo Savian" userId="83fefb37af455394" providerId="LiveId" clId="{18323D1B-9F23-47EF-8A9E-BDDF51020A16}" dt="2024-05-03T20:04:52.827" v="220" actId="22"/>
+          <ac:spMkLst>
+            <pc:docMk/>
+            <pc:sldMk cId="835122275" sldId="268"/>
+            <ac:spMk id="3" creationId="{75EFF807-0B90-4137-89BA-1B575D7C3EFF}"/>
+          </ac:spMkLst>
+        </pc:spChg>
+        <pc:spChg chg="mod">
+          <ac:chgData name="Eduardo Savian" userId="83fefb37af455394" providerId="LiveId" clId="{18323D1B-9F23-47EF-8A9E-BDDF51020A16}" dt="2024-05-03T19:57:04.719" v="190"/>
+          <ac:spMkLst>
+            <pc:docMk/>
+            <pc:sldMk cId="835122275" sldId="268"/>
+            <ac:spMk id="4" creationId="{357340BC-797E-A63E-6809-C0CB6449764A}"/>
+          </ac:spMkLst>
+        </pc:spChg>
+        <pc:spChg chg="mod">
+          <ac:chgData name="Eduardo Savian" userId="83fefb37af455394" providerId="LiveId" clId="{18323D1B-9F23-47EF-8A9E-BDDF51020A16}" dt="2024-05-03T19:57:04.719" v="190"/>
+          <ac:spMkLst>
+            <pc:docMk/>
+            <pc:sldMk cId="835122275" sldId="268"/>
+            <ac:spMk id="5" creationId="{88461A05-8A8E-60F8-8F67-D106FC900472}"/>
+          </ac:spMkLst>
+        </pc:spChg>
+        <pc:spChg chg="mod">
+          <ac:chgData name="Eduardo Savian" userId="83fefb37af455394" providerId="LiveId" clId="{18323D1B-9F23-47EF-8A9E-BDDF51020A16}" dt="2024-05-03T19:57:04.719" v="190"/>
+          <ac:spMkLst>
+            <pc:docMk/>
+            <pc:sldMk cId="835122275" sldId="268"/>
+            <ac:spMk id="6" creationId="{CB3D430A-3175-6236-A179-23BA7F30F0D4}"/>
+          </ac:spMkLst>
+        </pc:spChg>
+        <pc:picChg chg="add mod ord">
+          <ac:chgData name="Eduardo Savian" userId="83fefb37af455394" providerId="LiveId" clId="{18323D1B-9F23-47EF-8A9E-BDDF51020A16}" dt="2024-05-03T20:34:38.664" v="995" actId="1076"/>
+          <ac:picMkLst>
+            <pc:docMk/>
+            <pc:sldMk cId="835122275" sldId="268"/>
+            <ac:picMk id="8" creationId="{891C990D-A4D3-4335-CE69-65A72B10072C}"/>
+          </ac:picMkLst>
+        </pc:picChg>
+      </pc:sldChg>
+      <pc:sldChg chg="addSp delSp modSp new mod">
+        <pc:chgData name="Eduardo Savian" userId="83fefb37af455394" providerId="LiveId" clId="{18323D1B-9F23-47EF-8A9E-BDDF51020A16}" dt="2024-05-03T20:56:26.241" v="1168" actId="20577"/>
+        <pc:sldMkLst>
+          <pc:docMk/>
+          <pc:sldMk cId="3277922549" sldId="269"/>
+        </pc:sldMkLst>
+        <pc:spChg chg="mod">
+          <ac:chgData name="Eduardo Savian" userId="83fefb37af455394" providerId="LiveId" clId="{18323D1B-9F23-47EF-8A9E-BDDF51020A16}" dt="2024-05-03T20:10:02.105" v="458" actId="20577"/>
+          <ac:spMkLst>
+            <pc:docMk/>
+            <pc:sldMk cId="3277922549" sldId="269"/>
+            <ac:spMk id="2" creationId="{79501348-57EA-161D-05EF-E44B8A57F511}"/>
+          </ac:spMkLst>
+        </pc:spChg>
+        <pc:spChg chg="del">
+          <ac:chgData name="Eduardo Savian" userId="83fefb37af455394" providerId="LiveId" clId="{18323D1B-9F23-47EF-8A9E-BDDF51020A16}" dt="2024-05-03T20:06:27.369" v="223" actId="22"/>
+          <ac:spMkLst>
+            <pc:docMk/>
+            <pc:sldMk cId="3277922549" sldId="269"/>
+            <ac:spMk id="3" creationId="{AA06A815-BC54-C68E-7D0C-66943E215226}"/>
+          </ac:spMkLst>
+        </pc:spChg>
+        <pc:spChg chg="add del mod">
+          <ac:chgData name="Eduardo Savian" userId="83fefb37af455394" providerId="LiveId" clId="{18323D1B-9F23-47EF-8A9E-BDDF51020A16}" dt="2024-05-03T20:09:53.402" v="427" actId="22"/>
+          <ac:spMkLst>
+            <pc:docMk/>
+            <pc:sldMk cId="3277922549" sldId="269"/>
+            <ac:spMk id="10" creationId="{B7766837-AD68-993A-4FD5-BF46573F06CC}"/>
+          </ac:spMkLst>
+        </pc:spChg>
+        <pc:spChg chg="add mod ord">
+          <ac:chgData name="Eduardo Savian" userId="83fefb37af455394" providerId="LiveId" clId="{18323D1B-9F23-47EF-8A9E-BDDF51020A16}" dt="2024-05-03T20:56:26.241" v="1168" actId="20577"/>
+          <ac:spMkLst>
+            <pc:docMk/>
+            <pc:sldMk cId="3277922549" sldId="269"/>
+            <ac:spMk id="13" creationId="{C078DB40-92E6-1D5F-E602-E19A7D100F97}"/>
+          </ac:spMkLst>
+        </pc:spChg>
+        <pc:spChg chg="add mod">
+          <ac:chgData name="Eduardo Savian" userId="83fefb37af455394" providerId="LiveId" clId="{18323D1B-9F23-47EF-8A9E-BDDF51020A16}" dt="2024-05-03T20:33:23.152" v="963" actId="767"/>
+          <ac:spMkLst>
+            <pc:docMk/>
+            <pc:sldMk cId="3277922549" sldId="269"/>
+            <ac:spMk id="14" creationId="{6CB8E159-CB45-D1AF-2A83-1795CFCE1E74}"/>
+          </ac:spMkLst>
+        </pc:spChg>
+        <pc:picChg chg="add del mod ord">
+          <ac:chgData name="Eduardo Savian" userId="83fefb37af455394" providerId="LiveId" clId="{18323D1B-9F23-47EF-8A9E-BDDF51020A16}" dt="2024-05-03T20:09:50.503" v="426" actId="478"/>
+          <ac:picMkLst>
+            <pc:docMk/>
+            <pc:sldMk cId="3277922549" sldId="269"/>
+            <ac:picMk id="8" creationId="{CF33A8A4-2039-923E-7847-B972C2196E0C}"/>
+          </ac:picMkLst>
+        </pc:picChg>
+        <pc:picChg chg="add mod ord">
+          <ac:chgData name="Eduardo Savian" userId="83fefb37af455394" providerId="LiveId" clId="{18323D1B-9F23-47EF-8A9E-BDDF51020A16}" dt="2024-05-03T20:09:53.402" v="427" actId="22"/>
+          <ac:picMkLst>
+            <pc:docMk/>
+            <pc:sldMk cId="3277922549" sldId="269"/>
+            <ac:picMk id="12" creationId="{103B7E4D-4A84-1464-9DF4-47C030AADED2}"/>
+          </ac:picMkLst>
+        </pc:picChg>
+      </pc:sldChg>
+      <pc:sldChg chg="addSp delSp modSp new mod ord">
+        <pc:chgData name="Eduardo Savian" userId="83fefb37af455394" providerId="LiveId" clId="{18323D1B-9F23-47EF-8A9E-BDDF51020A16}" dt="2024-05-03T20:23:15.554" v="691" actId="5793"/>
+        <pc:sldMkLst>
+          <pc:docMk/>
+          <pc:sldMk cId="1966318294" sldId="270"/>
+        </pc:sldMkLst>
+        <pc:spChg chg="mod">
+          <ac:chgData name="Eduardo Savian" userId="83fefb37af455394" providerId="LiveId" clId="{18323D1B-9F23-47EF-8A9E-BDDF51020A16}" dt="2024-05-03T20:23:15.554" v="691" actId="5793"/>
+          <ac:spMkLst>
+            <pc:docMk/>
+            <pc:sldMk cId="1966318294" sldId="270"/>
+            <ac:spMk id="2" creationId="{47E4A2AC-3E27-9741-73CF-133CDF73AF6A}"/>
+          </ac:spMkLst>
+        </pc:spChg>
+        <pc:spChg chg="del">
+          <ac:chgData name="Eduardo Savian" userId="83fefb37af455394" providerId="LiveId" clId="{18323D1B-9F23-47EF-8A9E-BDDF51020A16}" dt="2024-05-03T20:09:00.114" v="395" actId="22"/>
+          <ac:spMkLst>
+            <pc:docMk/>
+            <pc:sldMk cId="1966318294" sldId="270"/>
+            <ac:spMk id="3" creationId="{F0B180CD-4CBC-096A-4F84-778D0758AB2E}"/>
+          </ac:spMkLst>
+        </pc:spChg>
+        <pc:spChg chg="add del mod">
+          <ac:chgData name="Eduardo Savian" userId="83fefb37af455394" providerId="LiveId" clId="{18323D1B-9F23-47EF-8A9E-BDDF51020A16}" dt="2024-05-03T20:12:36.761" v="555" actId="22"/>
+          <ac:spMkLst>
+            <pc:docMk/>
+            <pc:sldMk cId="1966318294" sldId="270"/>
+            <ac:spMk id="10" creationId="{B4DD99A6-7F81-7BA2-AFF3-89FB61788C5F}"/>
+          </ac:spMkLst>
+        </pc:spChg>
+        <pc:spChg chg="add del mod">
+          <ac:chgData name="Eduardo Savian" userId="83fefb37af455394" providerId="LiveId" clId="{18323D1B-9F23-47EF-8A9E-BDDF51020A16}" dt="2024-05-03T20:12:52.738" v="558" actId="22"/>
+          <ac:spMkLst>
+            <pc:docMk/>
+            <pc:sldMk cId="1966318294" sldId="270"/>
+            <ac:spMk id="14" creationId="{4AB4E3C0-8E75-724E-A50C-39F1A869C6E5}"/>
+          </ac:spMkLst>
+        </pc:spChg>
+        <pc:picChg chg="add del mod ord">
+          <ac:chgData name="Eduardo Savian" userId="83fefb37af455394" providerId="LiveId" clId="{18323D1B-9F23-47EF-8A9E-BDDF51020A16}" dt="2024-05-03T20:12:34.950" v="554" actId="478"/>
+          <ac:picMkLst>
+            <pc:docMk/>
+            <pc:sldMk cId="1966318294" sldId="270"/>
+            <ac:picMk id="8" creationId="{7E1953F6-5280-2F58-4915-65206B252216}"/>
+          </ac:picMkLst>
+        </pc:picChg>
+        <pc:picChg chg="add del mod ord">
+          <ac:chgData name="Eduardo Savian" userId="83fefb37af455394" providerId="LiveId" clId="{18323D1B-9F23-47EF-8A9E-BDDF51020A16}" dt="2024-05-03T20:12:50.903" v="557" actId="478"/>
+          <ac:picMkLst>
+            <pc:docMk/>
+            <pc:sldMk cId="1966318294" sldId="270"/>
+            <ac:picMk id="12" creationId="{BA895682-DDEA-94CA-2179-EE2F3ADF3B2C}"/>
+          </ac:picMkLst>
+        </pc:picChg>
+        <pc:picChg chg="add mod ord">
+          <ac:chgData name="Eduardo Savian" userId="83fefb37af455394" providerId="LiveId" clId="{18323D1B-9F23-47EF-8A9E-BDDF51020A16}" dt="2024-05-03T20:12:52.738" v="558" actId="22"/>
+          <ac:picMkLst>
+            <pc:docMk/>
+            <pc:sldMk cId="1966318294" sldId="270"/>
+            <ac:picMk id="16" creationId="{776D6C2E-DF6E-3271-BBB9-D25F5395924D}"/>
+          </ac:picMkLst>
+        </pc:picChg>
+      </pc:sldChg>
+      <pc:sldChg chg="addSp delSp modSp new mod">
+        <pc:chgData name="Eduardo Savian" userId="83fefb37af455394" providerId="LiveId" clId="{18323D1B-9F23-47EF-8A9E-BDDF51020A16}" dt="2024-05-03T20:35:30.872" v="1001" actId="14100"/>
+        <pc:sldMkLst>
+          <pc:docMk/>
+          <pc:sldMk cId="2757105928" sldId="271"/>
+        </pc:sldMkLst>
+        <pc:spChg chg="mod">
+          <ac:chgData name="Eduardo Savian" userId="83fefb37af455394" providerId="LiveId" clId="{18323D1B-9F23-47EF-8A9E-BDDF51020A16}" dt="2024-05-03T20:24:21.529" v="692" actId="20577"/>
+          <ac:spMkLst>
+            <pc:docMk/>
+            <pc:sldMk cId="2757105928" sldId="271"/>
+            <ac:spMk id="2" creationId="{769A37CA-7B16-BBD0-C185-53CC0886449C}"/>
+          </ac:spMkLst>
+        </pc:spChg>
+        <pc:spChg chg="del mod">
+          <ac:chgData name="Eduardo Savian" userId="83fefb37af455394" providerId="LiveId" clId="{18323D1B-9F23-47EF-8A9E-BDDF51020A16}" dt="2024-05-03T20:11:08.582" v="462" actId="22"/>
+          <ac:spMkLst>
+            <pc:docMk/>
+            <pc:sldMk cId="2757105928" sldId="271"/>
+            <ac:spMk id="3" creationId="{ABF78C90-EF2C-D09A-701E-781F64C0FB41}"/>
+          </ac:spMkLst>
+        </pc:spChg>
+        <pc:picChg chg="add mod ord">
+          <ac:chgData name="Eduardo Savian" userId="83fefb37af455394" providerId="LiveId" clId="{18323D1B-9F23-47EF-8A9E-BDDF51020A16}" dt="2024-05-03T20:35:30.872" v="1001" actId="14100"/>
+          <ac:picMkLst>
+            <pc:docMk/>
+            <pc:sldMk cId="2757105928" sldId="271"/>
+            <ac:picMk id="8" creationId="{1F09DA61-4C8E-CFB4-D293-12B2D50AF64B}"/>
+          </ac:picMkLst>
+        </pc:picChg>
+      </pc:sldChg>
+      <pc:sldChg chg="addSp delSp modSp new mod">
+        <pc:chgData name="Eduardo Savian" userId="83fefb37af455394" providerId="LiveId" clId="{18323D1B-9F23-47EF-8A9E-BDDF51020A16}" dt="2024-05-03T20:16:09.344" v="623" actId="114"/>
+        <pc:sldMkLst>
+          <pc:docMk/>
+          <pc:sldMk cId="1330534521" sldId="272"/>
+        </pc:sldMkLst>
+        <pc:spChg chg="mod">
+          <ac:chgData name="Eduardo Savian" userId="83fefb37af455394" providerId="LiveId" clId="{18323D1B-9F23-47EF-8A9E-BDDF51020A16}" dt="2024-05-03T20:16:09.344" v="623" actId="114"/>
+          <ac:spMkLst>
+            <pc:docMk/>
+            <pc:sldMk cId="1330534521" sldId="272"/>
+            <ac:spMk id="2" creationId="{E001D746-2C20-B1C4-FFE8-110EB2CAB93F}"/>
+          </ac:spMkLst>
+        </pc:spChg>
+        <pc:spChg chg="del">
+          <ac:chgData name="Eduardo Savian" userId="83fefb37af455394" providerId="LiveId" clId="{18323D1B-9F23-47EF-8A9E-BDDF51020A16}" dt="2024-05-03T20:15:20.383" v="573" actId="22"/>
+          <ac:spMkLst>
+            <pc:docMk/>
+            <pc:sldMk cId="1330534521" sldId="272"/>
+            <ac:spMk id="3" creationId="{6F0A6439-687B-EC67-8001-7717D3EAF67C}"/>
+          </ac:spMkLst>
+        </pc:spChg>
+        <pc:picChg chg="add mod ord">
+          <ac:chgData name="Eduardo Savian" userId="83fefb37af455394" providerId="LiveId" clId="{18323D1B-9F23-47EF-8A9E-BDDF51020A16}" dt="2024-05-03T20:15:20.383" v="573" actId="22"/>
+          <ac:picMkLst>
+            <pc:docMk/>
+            <pc:sldMk cId="1330534521" sldId="272"/>
+            <ac:picMk id="8" creationId="{66F8DBA7-E4AD-969E-E917-971AAD9F6390}"/>
+          </ac:picMkLst>
+        </pc:picChg>
+      </pc:sldChg>
+      <pc:sldChg chg="addSp delSp modSp new mod">
+        <pc:chgData name="Eduardo Savian" userId="83fefb37af455394" providerId="LiveId" clId="{18323D1B-9F23-47EF-8A9E-BDDF51020A16}" dt="2024-05-03T20:16:16.890" v="635" actId="114"/>
+        <pc:sldMkLst>
+          <pc:docMk/>
+          <pc:sldMk cId="604030950" sldId="273"/>
+        </pc:sldMkLst>
+        <pc:spChg chg="mod">
+          <ac:chgData name="Eduardo Savian" userId="83fefb37af455394" providerId="LiveId" clId="{18323D1B-9F23-47EF-8A9E-BDDF51020A16}" dt="2024-05-03T20:16:16.890" v="635" actId="114"/>
+          <ac:spMkLst>
+            <pc:docMk/>
+            <pc:sldMk cId="604030950" sldId="273"/>
+            <ac:spMk id="2" creationId="{DA622996-4A97-8954-5E78-F3C899D89983}"/>
+          </ac:spMkLst>
+        </pc:spChg>
+        <pc:spChg chg="del">
+          <ac:chgData name="Eduardo Savian" userId="83fefb37af455394" providerId="LiveId" clId="{18323D1B-9F23-47EF-8A9E-BDDF51020A16}" dt="2024-05-03T20:15:49.374" v="575" actId="22"/>
+          <ac:spMkLst>
+            <pc:docMk/>
+            <pc:sldMk cId="604030950" sldId="273"/>
+            <ac:spMk id="3" creationId="{BDD7137F-CFBB-44F0-6D50-42688196014B}"/>
+          </ac:spMkLst>
+        </pc:spChg>
+        <pc:picChg chg="add mod ord">
+          <ac:chgData name="Eduardo Savian" userId="83fefb37af455394" providerId="LiveId" clId="{18323D1B-9F23-47EF-8A9E-BDDF51020A16}" dt="2024-05-03T20:15:49.374" v="575" actId="22"/>
+          <ac:picMkLst>
+            <pc:docMk/>
+            <pc:sldMk cId="604030950" sldId="273"/>
+            <ac:picMk id="8" creationId="{0725316A-C41F-CDD5-1D5A-08AA4DD62F32}"/>
+          </ac:picMkLst>
+        </pc:picChg>
+      </pc:sldChg>
+      <pc:sldChg chg="addSp delSp modSp new mod">
+        <pc:chgData name="Eduardo Savian" userId="83fefb37af455394" providerId="LiveId" clId="{18323D1B-9F23-47EF-8A9E-BDDF51020A16}" dt="2024-05-03T20:32:33.199" v="941" actId="1076"/>
+        <pc:sldMkLst>
+          <pc:docMk/>
+          <pc:sldMk cId="885194651" sldId="274"/>
+        </pc:sldMkLst>
+        <pc:spChg chg="mod">
+          <ac:chgData name="Eduardo Savian" userId="83fefb37af455394" providerId="LiveId" clId="{18323D1B-9F23-47EF-8A9E-BDDF51020A16}" dt="2024-05-03T20:32:21.231" v="937" actId="1076"/>
+          <ac:spMkLst>
+            <pc:docMk/>
+            <pc:sldMk cId="885194651" sldId="274"/>
+            <ac:spMk id="2" creationId="{27A188B1-B171-7664-D9D7-2260B4FDFB23}"/>
+          </ac:spMkLst>
+        </pc:spChg>
+        <pc:spChg chg="add del">
+          <ac:chgData name="Eduardo Savian" userId="83fefb37af455394" providerId="LiveId" clId="{18323D1B-9F23-47EF-8A9E-BDDF51020A16}" dt="2024-05-03T20:28:09.120" v="695" actId="22"/>
+          <ac:spMkLst>
+            <pc:docMk/>
+            <pc:sldMk cId="885194651" sldId="274"/>
+            <ac:spMk id="3" creationId="{D22910EF-D337-2634-B193-6B71164CCFBC}"/>
+          </ac:spMkLst>
+        </pc:spChg>
+        <pc:picChg chg="add del mod ord">
+          <ac:chgData name="Eduardo Savian" userId="83fefb37af455394" providerId="LiveId" clId="{18323D1B-9F23-47EF-8A9E-BDDF51020A16}" dt="2024-05-03T20:19:17.296" v="638" actId="22"/>
+          <ac:picMkLst>
+            <pc:docMk/>
+            <pc:sldMk cId="885194651" sldId="274"/>
+            <ac:picMk id="8" creationId="{E88A9DA7-3909-A6FD-2C80-23B7C7820506}"/>
+          </ac:picMkLst>
+        </pc:picChg>
+        <pc:picChg chg="add del mod ord">
+          <ac:chgData name="Eduardo Savian" userId="83fefb37af455394" providerId="LiveId" clId="{18323D1B-9F23-47EF-8A9E-BDDF51020A16}" dt="2024-05-03T20:26:33.229" v="694" actId="22"/>
+          <ac:picMkLst>
+            <pc:docMk/>
+            <pc:sldMk cId="885194651" sldId="274"/>
+            <ac:picMk id="10" creationId="{DA1FE975-8FE7-255C-BCB2-1CA683E0DDFD}"/>
+          </ac:picMkLst>
+        </pc:picChg>
+        <pc:picChg chg="add mod ord">
+          <ac:chgData name="Eduardo Savian" userId="83fefb37af455394" providerId="LiveId" clId="{18323D1B-9F23-47EF-8A9E-BDDF51020A16}" dt="2024-05-03T20:32:33.199" v="941" actId="1076"/>
+          <ac:picMkLst>
+            <pc:docMk/>
+            <pc:sldMk cId="885194651" sldId="274"/>
+            <ac:picMk id="12" creationId="{F8B6E090-6C89-3992-B209-27A53F1EDDE9}"/>
+          </ac:picMkLst>
+        </pc:picChg>
+      </pc:sldChg>
+      <pc:sldChg chg="addSp delSp modSp new mod">
+        <pc:chgData name="Eduardo Savian" userId="83fefb37af455394" providerId="LiveId" clId="{18323D1B-9F23-47EF-8A9E-BDDF51020A16}" dt="2024-05-03T21:14:47.367" v="1235" actId="20577"/>
+        <pc:sldMkLst>
+          <pc:docMk/>
+          <pc:sldMk cId="1759787335" sldId="275"/>
+        </pc:sldMkLst>
+        <pc:spChg chg="mod">
+          <ac:chgData name="Eduardo Savian" userId="83fefb37af455394" providerId="LiveId" clId="{18323D1B-9F23-47EF-8A9E-BDDF51020A16}" dt="2024-05-03T21:14:47.367" v="1235" actId="20577"/>
+          <ac:spMkLst>
+            <pc:docMk/>
+            <pc:sldMk cId="1759787335" sldId="275"/>
+            <ac:spMk id="2" creationId="{9002953A-CF1E-12D3-9538-A352230812C1}"/>
+          </ac:spMkLst>
+        </pc:spChg>
+        <pc:spChg chg="del">
+          <ac:chgData name="Eduardo Savian" userId="83fefb37af455394" providerId="LiveId" clId="{18323D1B-9F23-47EF-8A9E-BDDF51020A16}" dt="2024-05-03T20:46:28.205" v="1117" actId="22"/>
+          <ac:spMkLst>
+            <pc:docMk/>
+            <pc:sldMk cId="1759787335" sldId="275"/>
+            <ac:spMk id="3" creationId="{3181B7EF-3673-7640-0675-E474DF2EF802}"/>
+          </ac:spMkLst>
+        </pc:spChg>
+        <pc:picChg chg="add mod ord">
+          <ac:chgData name="Eduardo Savian" userId="83fefb37af455394" providerId="LiveId" clId="{18323D1B-9F23-47EF-8A9E-BDDF51020A16}" dt="2024-05-03T20:46:28.205" v="1117" actId="22"/>
+          <ac:picMkLst>
+            <pc:docMk/>
+            <pc:sldMk cId="1759787335" sldId="275"/>
+            <ac:picMk id="8" creationId="{A4E6DB18-A7C0-D519-07A9-FAD96994956B}"/>
+          </ac:picMkLst>
+        </pc:picChg>
+        <pc:picChg chg="add del">
+          <ac:chgData name="Eduardo Savian" userId="83fefb37af455394" providerId="LiveId" clId="{18323D1B-9F23-47EF-8A9E-BDDF51020A16}" dt="2024-05-03T20:47:07.588" v="1119" actId="22"/>
+          <ac:picMkLst>
+            <pc:docMk/>
+            <pc:sldMk cId="1759787335" sldId="275"/>
+            <ac:picMk id="10" creationId="{BC44BC09-24E3-71B2-B08B-C9E8B7783498}"/>
+          </ac:picMkLst>
+        </pc:picChg>
+      </pc:sldChg>
+      <pc:sldChg chg="addSp delSp modSp new mod">
+        <pc:chgData name="Eduardo Savian" userId="83fefb37af455394" providerId="LiveId" clId="{18323D1B-9F23-47EF-8A9E-BDDF51020A16}" dt="2024-05-03T21:15:01.720" v="1286" actId="20577"/>
+        <pc:sldMkLst>
+          <pc:docMk/>
+          <pc:sldMk cId="863279509" sldId="276"/>
+        </pc:sldMkLst>
+        <pc:spChg chg="mod">
+          <ac:chgData name="Eduardo Savian" userId="83fefb37af455394" providerId="LiveId" clId="{18323D1B-9F23-47EF-8A9E-BDDF51020A16}" dt="2024-05-03T21:15:01.720" v="1286" actId="20577"/>
+          <ac:spMkLst>
+            <pc:docMk/>
+            <pc:sldMk cId="863279509" sldId="276"/>
+            <ac:spMk id="2" creationId="{BC8EA241-F782-9CCC-3ABF-DED86FF7F963}"/>
+          </ac:spMkLst>
+        </pc:spChg>
+        <pc:spChg chg="del">
+          <ac:chgData name="Eduardo Savian" userId="83fefb37af455394" providerId="LiveId" clId="{18323D1B-9F23-47EF-8A9E-BDDF51020A16}" dt="2024-05-03T20:47:14.011" v="1122" actId="22"/>
+          <ac:spMkLst>
+            <pc:docMk/>
+            <pc:sldMk cId="863279509" sldId="276"/>
+            <ac:spMk id="3" creationId="{89E40629-F2A9-EECB-4EB2-AEE2B661146F}"/>
+          </ac:spMkLst>
+        </pc:spChg>
+        <pc:picChg chg="add del">
+          <ac:chgData name="Eduardo Savian" userId="83fefb37af455394" providerId="LiveId" clId="{18323D1B-9F23-47EF-8A9E-BDDF51020A16}" dt="2024-05-03T20:47:12.409" v="1121" actId="22"/>
+          <ac:picMkLst>
+            <pc:docMk/>
+            <pc:sldMk cId="863279509" sldId="276"/>
+            <ac:picMk id="8" creationId="{060EF594-2D7F-77BD-2346-F2BD659CB55F}"/>
+          </ac:picMkLst>
+        </pc:picChg>
+        <pc:picChg chg="add mod ord">
+          <ac:chgData name="Eduardo Savian" userId="83fefb37af455394" providerId="LiveId" clId="{18323D1B-9F23-47EF-8A9E-BDDF51020A16}" dt="2024-05-03T20:47:14.011" v="1122" actId="22"/>
+          <ac:picMkLst>
+            <pc:docMk/>
+            <pc:sldMk cId="863279509" sldId="276"/>
+            <ac:picMk id="10" creationId="{C278C488-EC92-2192-89B3-2B6F0FC36B66}"/>
+          </ac:picMkLst>
+        </pc:picChg>
+      </pc:sldChg>
+      <pc:sldChg chg="addSp delSp modSp new mod">
+        <pc:chgData name="Eduardo Savian" userId="83fefb37af455394" providerId="LiveId" clId="{18323D1B-9F23-47EF-8A9E-BDDF51020A16}" dt="2024-05-03T21:15:52.230" v="1395" actId="20577"/>
+        <pc:sldMkLst>
+          <pc:docMk/>
+          <pc:sldMk cId="1339687849" sldId="277"/>
+        </pc:sldMkLst>
+        <pc:spChg chg="mod">
+          <ac:chgData name="Eduardo Savian" userId="83fefb37af455394" providerId="LiveId" clId="{18323D1B-9F23-47EF-8A9E-BDDF51020A16}" dt="2024-05-03T21:15:52.230" v="1395" actId="20577"/>
+          <ac:spMkLst>
+            <pc:docMk/>
+            <pc:sldMk cId="1339687849" sldId="277"/>
+            <ac:spMk id="2" creationId="{673C6EB1-2033-A63D-2E6A-B20740FD8EDF}"/>
+          </ac:spMkLst>
+        </pc:spChg>
+        <pc:spChg chg="del">
+          <ac:chgData name="Eduardo Savian" userId="83fefb37af455394" providerId="LiveId" clId="{18323D1B-9F23-47EF-8A9E-BDDF51020A16}" dt="2024-05-03T20:47:51.816" v="1123" actId="22"/>
+          <ac:spMkLst>
+            <pc:docMk/>
+            <pc:sldMk cId="1339687849" sldId="277"/>
+            <ac:spMk id="3" creationId="{D41C94E1-348E-07D2-BBBA-F3008E096BAC}"/>
+          </ac:spMkLst>
+        </pc:spChg>
+        <pc:spChg chg="add del mod">
+          <ac:chgData name="Eduardo Savian" userId="83fefb37af455394" providerId="LiveId" clId="{18323D1B-9F23-47EF-8A9E-BDDF51020A16}" dt="2024-05-03T20:49:19.475" v="1127" actId="22"/>
+          <ac:spMkLst>
+            <pc:docMk/>
+            <pc:sldMk cId="1339687849" sldId="277"/>
+            <ac:spMk id="10" creationId="{E36F0645-6F47-E162-02F3-EAD598622F4A}"/>
+          </ac:spMkLst>
+        </pc:spChg>
+        <pc:picChg chg="add del mod ord">
+          <ac:chgData name="Eduardo Savian" userId="83fefb37af455394" providerId="LiveId" clId="{18323D1B-9F23-47EF-8A9E-BDDF51020A16}" dt="2024-05-03T20:49:17.136" v="1126" actId="478"/>
+          <ac:picMkLst>
+            <pc:docMk/>
+            <pc:sldMk cId="1339687849" sldId="277"/>
+            <ac:picMk id="8" creationId="{72437FFD-1872-9C8D-73EB-FB4395DC29D8}"/>
+          </ac:picMkLst>
+        </pc:picChg>
+        <pc:picChg chg="add mod ord">
+          <ac:chgData name="Eduardo Savian" userId="83fefb37af455394" providerId="LiveId" clId="{18323D1B-9F23-47EF-8A9E-BDDF51020A16}" dt="2024-05-03T20:49:19.475" v="1127" actId="22"/>
+          <ac:picMkLst>
+            <pc:docMk/>
+            <pc:sldMk cId="1339687849" sldId="277"/>
+            <ac:picMk id="12" creationId="{1183C454-F98D-6ACD-A062-E620A65B93E0}"/>
+          </ac:picMkLst>
+        </pc:picChg>
+      </pc:sldChg>
+      <pc:sldChg chg="addSp delSp modSp new mod">
+        <pc:chgData name="Eduardo Savian" userId="83fefb37af455394" providerId="LiveId" clId="{18323D1B-9F23-47EF-8A9E-BDDF51020A16}" dt="2024-05-03T21:15:13.022" v="1335" actId="20577"/>
+        <pc:sldMkLst>
+          <pc:docMk/>
+          <pc:sldMk cId="351507024" sldId="278"/>
+        </pc:sldMkLst>
+        <pc:spChg chg="mod">
+          <ac:chgData name="Eduardo Savian" userId="83fefb37af455394" providerId="LiveId" clId="{18323D1B-9F23-47EF-8A9E-BDDF51020A16}" dt="2024-05-03T21:15:13.022" v="1335" actId="20577"/>
+          <ac:spMkLst>
+            <pc:docMk/>
+            <pc:sldMk cId="351507024" sldId="278"/>
+            <ac:spMk id="2" creationId="{189B26E3-9493-398E-F206-35E99443F1A5}"/>
+          </ac:spMkLst>
+        </pc:spChg>
+        <pc:spChg chg="del">
+          <ac:chgData name="Eduardo Savian" userId="83fefb37af455394" providerId="LiveId" clId="{18323D1B-9F23-47EF-8A9E-BDDF51020A16}" dt="2024-05-03T20:48:12.125" v="1125" actId="22"/>
+          <ac:spMkLst>
+            <pc:docMk/>
+            <pc:sldMk cId="351507024" sldId="278"/>
+            <ac:spMk id="3" creationId="{2EEB362D-93CD-C306-3D06-6A399150753C}"/>
+          </ac:spMkLst>
+        </pc:spChg>
+        <pc:spChg chg="add del mod">
+          <ac:chgData name="Eduardo Savian" userId="83fefb37af455394" providerId="LiveId" clId="{18323D1B-9F23-47EF-8A9E-BDDF51020A16}" dt="2024-05-03T20:50:56.555" v="1133" actId="22"/>
+          <ac:spMkLst>
+            <pc:docMk/>
+            <pc:sldMk cId="351507024" sldId="278"/>
+            <ac:spMk id="10" creationId="{152C8911-6B53-973A-9D3B-AC9C2591D600}"/>
+          </ac:spMkLst>
+        </pc:spChg>
+        <pc:picChg chg="add del mod ord">
+          <ac:chgData name="Eduardo Savian" userId="83fefb37af455394" providerId="LiveId" clId="{18323D1B-9F23-47EF-8A9E-BDDF51020A16}" dt="2024-05-03T20:50:33.675" v="1132" actId="478"/>
+          <ac:picMkLst>
+            <pc:docMk/>
+            <pc:sldMk cId="351507024" sldId="278"/>
+            <ac:picMk id="8" creationId="{6E89E05F-E331-0B8E-FA1D-B0D97FDE8FB7}"/>
+          </ac:picMkLst>
+        </pc:picChg>
+        <pc:picChg chg="add mod ord">
+          <ac:chgData name="Eduardo Savian" userId="83fefb37af455394" providerId="LiveId" clId="{18323D1B-9F23-47EF-8A9E-BDDF51020A16}" dt="2024-05-03T20:50:56.555" v="1133" actId="22"/>
+          <ac:picMkLst>
+            <pc:docMk/>
+            <pc:sldMk cId="351507024" sldId="278"/>
+            <ac:picMk id="12" creationId="{AD9E09E8-2D18-2BF5-7E6C-0F0DBB0D2482}"/>
+          </ac:picMkLst>
+        </pc:picChg>
+      </pc:sldChg>
+      <pc:sldChg chg="addSp delSp modSp new mod">
+        <pc:chgData name="Eduardo Savian" userId="83fefb37af455394" providerId="LiveId" clId="{18323D1B-9F23-47EF-8A9E-BDDF51020A16}" dt="2024-05-03T21:15:41.794" v="1379"/>
+        <pc:sldMkLst>
+          <pc:docMk/>
+          <pc:sldMk cId="1741882759" sldId="279"/>
+        </pc:sldMkLst>
+        <pc:spChg chg="mod">
+          <ac:chgData name="Eduardo Savian" userId="83fefb37af455394" providerId="LiveId" clId="{18323D1B-9F23-47EF-8A9E-BDDF51020A16}" dt="2024-05-03T21:15:41.794" v="1379"/>
+          <ac:spMkLst>
+            <pc:docMk/>
+            <pc:sldMk cId="1741882759" sldId="279"/>
+            <ac:spMk id="2" creationId="{A039C86A-BBC5-EFB4-672B-25684176E5C8}"/>
+          </ac:spMkLst>
+        </pc:spChg>
+        <pc:spChg chg="add del">
+          <ac:chgData name="Eduardo Savian" userId="83fefb37af455394" providerId="LiveId" clId="{18323D1B-9F23-47EF-8A9E-BDDF51020A16}" dt="2024-05-03T20:50:31.360" v="1131" actId="22"/>
+          <ac:spMkLst>
+            <pc:docMk/>
+            <pc:sldMk cId="1741882759" sldId="279"/>
+            <ac:spMk id="3" creationId="{200368C2-8D70-58D3-7DA0-D983E21E1031}"/>
+          </ac:spMkLst>
+        </pc:spChg>
+        <pc:picChg chg="add del mod ord">
+          <ac:chgData name="Eduardo Savian" userId="83fefb37af455394" providerId="LiveId" clId="{18323D1B-9F23-47EF-8A9E-BDDF51020A16}" dt="2024-05-03T20:50:29.449" v="1130" actId="22"/>
+          <ac:picMkLst>
+            <pc:docMk/>
+            <pc:sldMk cId="1741882759" sldId="279"/>
+            <ac:picMk id="8" creationId="{E2341273-815C-5521-5238-B18C57B397E5}"/>
+          </ac:picMkLst>
+        </pc:picChg>
+        <pc:picChg chg="add mod ord">
+          <ac:chgData name="Eduardo Savian" userId="83fefb37af455394" providerId="LiveId" clId="{18323D1B-9F23-47EF-8A9E-BDDF51020A16}" dt="2024-05-03T20:50:31.360" v="1131" actId="22"/>
+          <ac:picMkLst>
+            <pc:docMk/>
+            <pc:sldMk cId="1741882759" sldId="279"/>
+            <ac:picMk id="10" creationId="{42A5F0A2-2EE9-ED93-BB29-5D4557CB1583}"/>
+          </ac:picMkLst>
+        </pc:picChg>
+      </pc:sldChg>
+      <pc:sldChg chg="addSp delSp modSp new mod">
+        <pc:chgData name="Eduardo Savian" userId="83fefb37af455394" providerId="LiveId" clId="{18323D1B-9F23-47EF-8A9E-BDDF51020A16}" dt="2024-05-03T20:51:47.132" v="1149" actId="20577"/>
+        <pc:sldMkLst>
+          <pc:docMk/>
+          <pc:sldMk cId="2979862730" sldId="280"/>
+        </pc:sldMkLst>
+        <pc:spChg chg="mod">
+          <ac:chgData name="Eduardo Savian" userId="83fefb37af455394" providerId="LiveId" clId="{18323D1B-9F23-47EF-8A9E-BDDF51020A16}" dt="2024-05-03T20:51:47.132" v="1149" actId="20577"/>
+          <ac:spMkLst>
+            <pc:docMk/>
+            <pc:sldMk cId="2979862730" sldId="280"/>
+            <ac:spMk id="2" creationId="{8F6FAD0D-D379-A8AA-19D0-075A842D834F}"/>
+          </ac:spMkLst>
+        </pc:spChg>
+        <pc:spChg chg="del">
+          <ac:chgData name="Eduardo Savian" userId="83fefb37af455394" providerId="LiveId" clId="{18323D1B-9F23-47EF-8A9E-BDDF51020A16}" dt="2024-05-03T20:51:25.728" v="1135" actId="22"/>
+          <ac:spMkLst>
+            <pc:docMk/>
+            <pc:sldMk cId="2979862730" sldId="280"/>
+            <ac:spMk id="3" creationId="{BB9A08A8-9EE8-56AF-789A-0E65DDC3DCC3}"/>
+          </ac:spMkLst>
+        </pc:spChg>
+        <pc:picChg chg="add mod ord">
+          <ac:chgData name="Eduardo Savian" userId="83fefb37af455394" providerId="LiveId" clId="{18323D1B-9F23-47EF-8A9E-BDDF51020A16}" dt="2024-05-03T20:51:25.728" v="1135" actId="22"/>
+          <ac:picMkLst>
+            <pc:docMk/>
+            <pc:sldMk cId="2979862730" sldId="280"/>
+            <ac:picMk id="8" creationId="{0FEB237B-5943-4A1A-6DF1-3FAE56C3031C}"/>
+          </ac:picMkLst>
+        </pc:picChg>
+      </pc:sldChg>
+      <pc:sldChg chg="modSp new mod">
+        <pc:chgData name="Eduardo Savian" userId="83fefb37af455394" providerId="LiveId" clId="{18323D1B-9F23-47EF-8A9E-BDDF51020A16}" dt="2024-05-03T21:16:10.609" v="1400" actId="20577"/>
+        <pc:sldMkLst>
+          <pc:docMk/>
+          <pc:sldMk cId="3945981002" sldId="281"/>
+        </pc:sldMkLst>
+        <pc:spChg chg="mod">
+          <ac:chgData name="Eduardo Savian" userId="83fefb37af455394" providerId="LiveId" clId="{18323D1B-9F23-47EF-8A9E-BDDF51020A16}" dt="2024-05-03T21:11:04.960" v="1211" actId="20577"/>
+          <ac:spMkLst>
+            <pc:docMk/>
+            <pc:sldMk cId="3945981002" sldId="281"/>
+            <ac:spMk id="2" creationId="{FEA94190-6E03-DDF7-F11C-41C824ED762A}"/>
+          </ac:spMkLst>
+        </pc:spChg>
+        <pc:spChg chg="mod">
+          <ac:chgData name="Eduardo Savian" userId="83fefb37af455394" providerId="LiveId" clId="{18323D1B-9F23-47EF-8A9E-BDDF51020A16}" dt="2024-05-03T21:16:10.609" v="1400" actId="20577"/>
+          <ac:spMkLst>
+            <pc:docMk/>
+            <pc:sldMk cId="3945981002" sldId="281"/>
+            <ac:spMk id="3" creationId="{2C626CF1-6559-E505-DC05-055A6B7876B7}"/>
+          </ac:spMkLst>
+        </pc:spChg>
+      </pc:sldChg>
     </pc:docChg>
   </pc:docChgLst>
 </pc:chgInfo>
@@ -1537,7 +3295,7 @@
           <a:p>
             <a:fld id="{C4270120-CDFC-48DE-A6EA-6DEEDD0E436A}" type="datetimeFigureOut">
               <a:rPr lang="en-US" dirty="0"/>
-              <a:t>5/2/2024</a:t>
+              <a:t>5/3/2024</a:t>
             </a:fld>
             <a:endParaRPr lang="en-US" dirty="0"/>
           </a:p>
@@ -1595,7 +3353,7 @@
           <a:p>
             <a:fld id="{196A61CA-0502-4EE4-9724-96EA822543E5}" type="slidenum">
               <a:rPr lang="en-US" dirty="0"/>
-              <a:t>‹#›</a:t>
+              <a:t>‹nº›</a:t>
             </a:fld>
             <a:endParaRPr lang="en-US" dirty="0"/>
           </a:p>
@@ -1831,7 +3589,7 @@
           <a:p>
             <a:fld id="{2A1F5BA7-0A17-4D30-9B66-E29324151C73}" type="datetimeFigureOut">
               <a:rPr lang="en-US" dirty="0"/>
-              <a:t>5/2/2024</a:t>
+              <a:t>5/3/2024</a:t>
             </a:fld>
             <a:endParaRPr lang="en-US" dirty="0"/>
           </a:p>
@@ -1889,7 +3647,7 @@
           <a:p>
             <a:fld id="{196A61CA-0502-4EE4-9724-96EA822543E5}" type="slidenum">
               <a:rPr lang="en-US" dirty="0"/>
-              <a:t>‹#›</a:t>
+              <a:t>‹nº›</a:t>
             </a:fld>
             <a:endParaRPr lang="en-US" dirty="0"/>
           </a:p>
@@ -2087,7 +3845,7 @@
           <a:p>
             <a:fld id="{76BEBB1B-D40A-4DB9-B3DE-BAAE675B83CD}" type="datetimeFigureOut">
               <a:rPr lang="en-US" dirty="0"/>
-              <a:t>5/2/2024</a:t>
+              <a:t>5/3/2024</a:t>
             </a:fld>
             <a:endParaRPr lang="en-US" dirty="0"/>
           </a:p>
@@ -2145,7 +3903,7 @@
           <a:p>
             <a:fld id="{196A61CA-0502-4EE4-9724-96EA822543E5}" type="slidenum">
               <a:rPr lang="en-US" dirty="0"/>
-              <a:t>‹#›</a:t>
+              <a:t>‹nº›</a:t>
             </a:fld>
             <a:endParaRPr lang="en-US" dirty="0"/>
           </a:p>
@@ -2343,7 +4101,7 @@
           <a:p>
             <a:fld id="{A3C9FAAF-C467-4C93-8ECD-39AF5A14D498}" type="datetimeFigureOut">
               <a:rPr lang="en-US" dirty="0"/>
-              <a:t>5/2/2024</a:t>
+              <a:t>5/3/2024</a:t>
             </a:fld>
             <a:endParaRPr lang="en-US" dirty="0"/>
           </a:p>
@@ -2401,7 +4159,7 @@
           <a:p>
             <a:fld id="{196A61CA-0502-4EE4-9724-96EA822543E5}" type="slidenum">
               <a:rPr lang="en-US" dirty="0"/>
-              <a:t>‹#›</a:t>
+              <a:t>‹nº›</a:t>
             </a:fld>
             <a:endParaRPr lang="en-US" dirty="0"/>
           </a:p>
@@ -2668,7 +4426,7 @@
           <a:p>
             <a:fld id="{3E37E480-B2BA-4553-A144-61E7F75833ED}" type="datetimeFigureOut">
               <a:rPr lang="en-US" dirty="0"/>
-              <a:t>5/2/2024</a:t>
+              <a:t>5/3/2024</a:t>
             </a:fld>
             <a:endParaRPr lang="en-US" dirty="0"/>
           </a:p>
@@ -2726,7 +4484,7 @@
           <a:p>
             <a:fld id="{196A61CA-0502-4EE4-9724-96EA822543E5}" type="slidenum">
               <a:rPr lang="en-US" dirty="0"/>
-              <a:t>‹#›</a:t>
+              <a:t>‹nº›</a:t>
             </a:fld>
             <a:endParaRPr lang="en-US" dirty="0"/>
           </a:p>
@@ -3022,7 +4780,7 @@
           <a:p>
             <a:fld id="{390E682A-6B53-4B08-AE4D-4C5E659103CC}" type="datetimeFigureOut">
               <a:rPr lang="en-US" dirty="0"/>
-              <a:t>5/2/2024</a:t>
+              <a:t>5/3/2024</a:t>
             </a:fld>
             <a:endParaRPr lang="en-US" dirty="0"/>
           </a:p>
@@ -3080,7 +4838,7 @@
           <a:p>
             <a:fld id="{196A61CA-0502-4EE4-9724-96EA822543E5}" type="slidenum">
               <a:rPr lang="en-US" dirty="0"/>
-              <a:t>‹#›</a:t>
+              <a:t>‹nº›</a:t>
             </a:fld>
             <a:endParaRPr lang="en-US" dirty="0"/>
           </a:p>
@@ -3538,7 +5296,7 @@
           <a:p>
             <a:fld id="{7C69F0F6-BEBB-4894-ABB2-75C5CBE0DDB9}" type="datetimeFigureOut">
               <a:rPr lang="en-US" dirty="0"/>
-              <a:t>5/2/2024</a:t>
+              <a:t>5/3/2024</a:t>
             </a:fld>
             <a:endParaRPr lang="en-US" dirty="0"/>
           </a:p>
@@ -3596,7 +5354,7 @@
           <a:p>
             <a:fld id="{196A61CA-0502-4EE4-9724-96EA822543E5}" type="slidenum">
               <a:rPr lang="en-US" dirty="0"/>
-              <a:t>‹#›</a:t>
+              <a:t>‹nº›</a:t>
             </a:fld>
             <a:endParaRPr lang="en-US" dirty="0"/>
           </a:p>
@@ -3854,7 +5612,7 @@
           <a:p>
             <a:fld id="{8B3E9E5F-17D9-4A30-9DA3-64E46A6DF111}" type="datetimeFigureOut">
               <a:rPr lang="en-US" dirty="0"/>
-              <a:t>5/2/2024</a:t>
+              <a:t>5/3/2024</a:t>
             </a:fld>
             <a:endParaRPr lang="en-US" dirty="0"/>
           </a:p>
@@ -3912,7 +5670,7 @@
           <a:p>
             <a:fld id="{196A61CA-0502-4EE4-9724-96EA822543E5}" type="slidenum">
               <a:rPr lang="en-US" dirty="0"/>
-              <a:t>‹#›</a:t>
+              <a:t>‹nº›</a:t>
             </a:fld>
             <a:endParaRPr lang="en-US" dirty="0"/>
           </a:p>
@@ -3971,7 +5729,7 @@
           <a:p>
             <a:fld id="{033AC5F0-3BC3-4718-BCCA-24B5655EC864}" type="datetimeFigureOut">
               <a:rPr lang="en-US" dirty="0"/>
-              <a:t>5/2/2024</a:t>
+              <a:t>5/3/2024</a:t>
             </a:fld>
             <a:endParaRPr lang="en-US" dirty="0"/>
           </a:p>
@@ -4029,7 +5787,7 @@
           <a:p>
             <a:fld id="{196A61CA-0502-4EE4-9724-96EA822543E5}" type="slidenum">
               <a:rPr lang="en-US" dirty="0"/>
-              <a:t>‹#›</a:t>
+              <a:t>‹nº›</a:t>
             </a:fld>
             <a:endParaRPr lang="en-US" dirty="0"/>
           </a:p>
@@ -4316,7 +6074,7 @@
           <a:p>
             <a:fld id="{9EB8BD81-465B-40F2-9A54-9DF3B12AF598}" type="datetimeFigureOut">
               <a:rPr lang="en-US" dirty="0"/>
-              <a:t>5/2/2024</a:t>
+              <a:t>5/3/2024</a:t>
             </a:fld>
             <a:endParaRPr lang="en-US" dirty="0"/>
           </a:p>
@@ -4374,7 +6132,7 @@
           <a:p>
             <a:fld id="{196A61CA-0502-4EE4-9724-96EA822543E5}" type="slidenum">
               <a:rPr lang="en-US" dirty="0"/>
-              <a:t>‹#›</a:t>
+              <a:t>‹nº›</a:t>
             </a:fld>
             <a:endParaRPr lang="en-US" dirty="0"/>
           </a:p>
@@ -4620,7 +6378,7 @@
           <a:p>
             <a:fld id="{F04B3CEF-64EF-4C43-9530-8E9CBFD2CAD1}" type="datetimeFigureOut">
               <a:rPr lang="en-US" dirty="0"/>
-              <a:t>5/2/2024</a:t>
+              <a:t>5/3/2024</a:t>
             </a:fld>
             <a:endParaRPr lang="en-US" dirty="0"/>
           </a:p>
@@ -4678,7 +6436,7 @@
           <a:p>
             <a:fld id="{196A61CA-0502-4EE4-9724-96EA822543E5}" type="slidenum">
               <a:rPr lang="en-US" dirty="0"/>
-              <a:t>‹#›</a:t>
+              <a:t>‹nº›</a:t>
             </a:fld>
             <a:endParaRPr lang="en-US" dirty="0"/>
           </a:p>
@@ -4863,7 +6621,7 @@
           <a:p>
             <a:fld id="{B70A3DFD-A535-46B2-84C1-61DC8B16A904}" type="datetimeFigureOut">
               <a:rPr lang="en-US" dirty="0"/>
-              <a:t>5/2/2024</a:t>
+              <a:t>5/3/2024</a:t>
             </a:fld>
             <a:endParaRPr lang="en-US" dirty="0"/>
           </a:p>
@@ -4956,7 +6714,7 @@
           <a:p>
             <a:fld id="{196A61CA-0502-4EE4-9724-96EA822543E5}" type="slidenum">
               <a:rPr lang="en-US" dirty="0"/>
-              <a:t>‹#›</a:t>
+              <a:t>‹nº›</a:t>
             </a:fld>
             <a:endParaRPr lang="en-US" dirty="0"/>
           </a:p>
@@ -5335,12 +7093,7 @@
             <p:ph type="title"/>
           </p:nvPr>
         </p:nvSpPr>
-        <p:spPr>
-          <a:xfrm>
-            <a:off x="1421745" y="1287554"/>
-            <a:ext cx="8284963" cy="3113064"/>
-          </a:xfrm>
-        </p:spPr>
+        <p:spPr/>
         <p:txBody>
           <a:bodyPr anchor="t">
             <a:normAutofit/>
@@ -5389,7 +7142,7 @@
             </a:r>
             <a:r>
               <a:rPr lang="en-US" dirty="0" err="1"/>
-              <a:t>previção</a:t>
+              <a:t>previsão</a:t>
             </a:r>
             <a:r>
               <a:rPr lang="en-US" dirty="0"/>
@@ -5421,12 +7174,7 @@
             <p:ph type="body" idx="1"/>
           </p:nvPr>
         </p:nvSpPr>
-        <p:spPr>
-          <a:xfrm>
-            <a:off x="1421744" y="4619707"/>
-            <a:ext cx="7722256" cy="1476293"/>
-          </a:xfrm>
-        </p:spPr>
+        <p:spPr/>
         <p:txBody>
           <a:bodyPr vert="horz" lIns="91440" tIns="45720" rIns="91440" bIns="45720" rtlCol="0" anchor="b">
             <a:normAutofit/>
@@ -5434,38 +7182,51 @@
           <a:lstStyle/>
           <a:p>
             <a:r>
-              <a:rPr lang="en-US" dirty="0"/>
-              <a:t>Eduardo Savian, Marcos </a:t>
-            </a:r>
-            <a:r>
-              <a:rPr lang="en-US" dirty="0" err="1"/>
+              <a:rPr lang="en-US"/>
+              <a:t>Eduardo Savian, Marcos Augusto </a:t>
+            </a:r>
+            <a:r>
+              <a:rPr lang="en-US" err="1"/>
               <a:t>Fehlauer</a:t>
             </a:r>
-          </a:p>
-        </p:txBody>
-      </p:sp>
-      <p:sp>
-        <p:nvSpPr>
-          <p:cNvPr id="8" name="Date Placeholder 3">
-            <a:extLst>
-              <a:ext uri="{FF2B5EF4-FFF2-40B4-BE49-F238E27FC236}">
-                <a16:creationId xmlns:a16="http://schemas.microsoft.com/office/drawing/2014/main" id="{85B767AC-E847-B6F2-DD15-84AF0F3DC74C}"/>
-              </a:ext>
-            </a:extLst>
-          </p:cNvPr>
-          <p:cNvSpPr>
-            <a:spLocks noGrp="1"/>
-          </p:cNvSpPr>
-          <p:nvPr>
-            <p:ph type="dt" sz="half" idx="10"/>
-          </p:nvPr>
-        </p:nvSpPr>
-        <p:spPr>
-          <a:xfrm rot="5400000">
-            <a:off x="10471087" y="4891318"/>
-            <a:ext cx="2673295" cy="365125"/>
-          </a:xfrm>
-        </p:spPr>
+            <a:r>
+              <a:rPr lang="en-US"/>
+              <a:t> Pereira</a:t>
+            </a:r>
+          </a:p>
+          <a:p>
+            <a:r>
+              <a:rPr lang="en-US"/>
+              <a:t>Escola </a:t>
+            </a:r>
+            <a:r>
+              <a:rPr lang="en-US" err="1"/>
+              <a:t>Politécnica</a:t>
+            </a:r>
+            <a:r>
+              <a:rPr lang="en-US"/>
+              <a:t> - UNIVALI</a:t>
+            </a:r>
+          </a:p>
+        </p:txBody>
+      </p:sp>
+      <p:sp>
+        <p:nvSpPr>
+          <p:cNvPr id="10" name="Footer Placeholder 4">
+            <a:extLst>
+              <a:ext uri="{FF2B5EF4-FFF2-40B4-BE49-F238E27FC236}">
+                <a16:creationId xmlns:a16="http://schemas.microsoft.com/office/drawing/2014/main" id="{AEFD543A-1CB7-0C99-84D3-37C7B347CC97}"/>
+              </a:ext>
+            </a:extLst>
+          </p:cNvPr>
+          <p:cNvSpPr>
+            <a:spLocks noGrp="1"/>
+          </p:cNvSpPr>
+          <p:nvPr>
+            <p:ph type="ftr" sz="quarter" idx="11"/>
+          </p:nvPr>
+        </p:nvSpPr>
+        <p:spPr/>
         <p:txBody>
           <a:bodyPr/>
           <a:lstStyle/>
@@ -5475,49 +7236,6 @@
                 <a:spcPts val="600"/>
               </a:spcAft>
             </a:pPr>
-            <a:fld id="{ABA68E81-32FA-431A-B1D6-543AA650D567}" type="datetime1">
-              <a:pPr>
-                <a:spcAft>
-                  <a:spcPts val="600"/>
-                </a:spcAft>
-              </a:pPr>
-              <a:t>5/2/2024</a:t>
-            </a:fld>
-            <a:endParaRPr lang="en-US"/>
-          </a:p>
-        </p:txBody>
-      </p:sp>
-      <p:sp>
-        <p:nvSpPr>
-          <p:cNvPr id="10" name="Footer Placeholder 4">
-            <a:extLst>
-              <a:ext uri="{FF2B5EF4-FFF2-40B4-BE49-F238E27FC236}">
-                <a16:creationId xmlns:a16="http://schemas.microsoft.com/office/drawing/2014/main" id="{AEFD543A-1CB7-0C99-84D3-37C7B347CC97}"/>
-              </a:ext>
-            </a:extLst>
-          </p:cNvPr>
-          <p:cNvSpPr>
-            <a:spLocks noGrp="1"/>
-          </p:cNvSpPr>
-          <p:nvPr>
-            <p:ph type="ftr" sz="quarter" idx="11"/>
-          </p:nvPr>
-        </p:nvSpPr>
-        <p:spPr>
-          <a:xfrm rot="5400000">
-            <a:off x="10473021" y="1609893"/>
-            <a:ext cx="2669427" cy="365125"/>
-          </a:xfrm>
-        </p:spPr>
-        <p:txBody>
-          <a:bodyPr/>
-          <a:lstStyle/>
-          <a:p>
-            <a:pPr>
-              <a:spcAft>
-                <a:spcPts val="600"/>
-              </a:spcAft>
-            </a:pPr>
             <a:r>
               <a:rPr lang="en-US"/>
               <a:t>
@@ -5542,12 +7260,7 @@
             <p:ph type="sldNum" sz="quarter" idx="12"/>
           </p:nvPr>
         </p:nvSpPr>
-        <p:spPr>
-          <a:xfrm>
-            <a:off x="11492908" y="3219853"/>
-            <a:ext cx="629653" cy="429830"/>
-          </a:xfrm>
-        </p:spPr>
+        <p:spPr/>
         <p:txBody>
           <a:bodyPr/>
           <a:lstStyle/>
@@ -5570,10 +7283,2208 @@
           </a:p>
         </p:txBody>
       </p:sp>
+      <p:sp>
+        <p:nvSpPr>
+          <p:cNvPr id="4" name="Espaço Reservado para Data 3">
+            <a:extLst>
+              <a:ext uri="{FF2B5EF4-FFF2-40B4-BE49-F238E27FC236}">
+                <a16:creationId xmlns:a16="http://schemas.microsoft.com/office/drawing/2014/main" id="{D361DD50-B0CA-46BD-4825-6E54D2F1E23B}"/>
+              </a:ext>
+            </a:extLst>
+          </p:cNvPr>
+          <p:cNvSpPr>
+            <a:spLocks noGrp="1"/>
+          </p:cNvSpPr>
+          <p:nvPr>
+            <p:ph type="dt" sz="half" idx="10"/>
+          </p:nvPr>
+        </p:nvSpPr>
+        <p:spPr>
+          <a:xfrm rot="5400000">
+            <a:off x="10471087" y="4891318"/>
+            <a:ext cx="2673295" cy="365125"/>
+          </a:xfrm>
+        </p:spPr>
+        <p:txBody>
+          <a:bodyPr/>
+          <a:lstStyle/>
+          <a:p>
+            <a:fld id="{B2814D4F-FBF9-409A-9A8E-436AB60AFD27}" type="datetime1">
+              <a:rPr lang="en-US" smtClean="0"/>
+              <a:t>5/3/2024</a:t>
+            </a:fld>
+            <a:endParaRPr lang="en-US" dirty="0"/>
+          </a:p>
+        </p:txBody>
+      </p:sp>
     </p:spTree>
     <p:extLst>
       <p:ext uri="{BB962C8B-B14F-4D97-AF65-F5344CB8AC3E}">
         <p14:creationId xmlns:p14="http://schemas.microsoft.com/office/powerpoint/2010/main" val="109857222"/>
+      </p:ext>
+    </p:extLst>
+  </p:cSld>
+  <p:clrMapOvr>
+    <a:masterClrMapping/>
+  </p:clrMapOvr>
+</p:sld>
+</file>
+
+<file path=ppt/slides/slide10.xml><?xml version="1.0" encoding="utf-8"?>
+<p:sld xmlns:a="http://schemas.openxmlformats.org/drawingml/2006/main" xmlns:r="http://schemas.openxmlformats.org/officeDocument/2006/relationships" xmlns:p="http://schemas.openxmlformats.org/presentationml/2006/main">
+  <p:cSld>
+    <p:spTree>
+      <p:nvGrpSpPr>
+        <p:cNvPr id="1" name=""/>
+        <p:cNvGrpSpPr/>
+        <p:nvPr/>
+      </p:nvGrpSpPr>
+      <p:grpSpPr>
+        <a:xfrm>
+          <a:off x="0" y="0"/>
+          <a:ext cx="0" cy="0"/>
+          <a:chOff x="0" y="0"/>
+          <a:chExt cx="0" cy="0"/>
+        </a:xfrm>
+      </p:grpSpPr>
+      <p:sp>
+        <p:nvSpPr>
+          <p:cNvPr id="2" name="Título 1">
+            <a:extLst>
+              <a:ext uri="{FF2B5EF4-FFF2-40B4-BE49-F238E27FC236}">
+                <a16:creationId xmlns:a16="http://schemas.microsoft.com/office/drawing/2014/main" id="{509DD742-C24E-2B61-B83C-4355D4EAB662}"/>
+              </a:ext>
+            </a:extLst>
+          </p:cNvPr>
+          <p:cNvSpPr>
+            <a:spLocks noGrp="1"/>
+          </p:cNvSpPr>
+          <p:nvPr>
+            <p:ph type="title"/>
+          </p:nvPr>
+        </p:nvSpPr>
+        <p:spPr>
+          <a:xfrm>
+            <a:off x="1429566" y="451679"/>
+            <a:ext cx="9238434" cy="857559"/>
+          </a:xfrm>
+        </p:spPr>
+        <p:txBody>
+          <a:bodyPr/>
+          <a:lstStyle/>
+          <a:p>
+            <a:r>
+              <a:rPr lang="pt-BR" dirty="0"/>
+              <a:t>Similaridade de corpos</a:t>
+            </a:r>
+          </a:p>
+        </p:txBody>
+      </p:sp>
+      <p:pic>
+        <p:nvPicPr>
+          <p:cNvPr id="8" name="Espaço Reservado para Conteúdo 7">
+            <a:extLst>
+              <a:ext uri="{FF2B5EF4-FFF2-40B4-BE49-F238E27FC236}">
+                <a16:creationId xmlns:a16="http://schemas.microsoft.com/office/drawing/2014/main" id="{94F84316-8CDB-F30E-81E1-FEEDD4D00680}"/>
+              </a:ext>
+            </a:extLst>
+          </p:cNvPr>
+          <p:cNvPicPr>
+            <a:picLocks noGrp="1" noChangeAspect="1"/>
+          </p:cNvPicPr>
+          <p:nvPr>
+            <p:ph idx="1"/>
+          </p:nvPr>
+        </p:nvPicPr>
+        <p:blipFill>
+          <a:blip r:embed="rId2"/>
+          <a:stretch>
+            <a:fillRect/>
+          </a:stretch>
+        </p:blipFill>
+        <p:spPr>
+          <a:xfrm>
+            <a:off x="1291543" y="1769095"/>
+            <a:ext cx="9237662" cy="2716148"/>
+          </a:xfrm>
+        </p:spPr>
+      </p:pic>
+      <p:sp>
+        <p:nvSpPr>
+          <p:cNvPr id="4" name="Espaço Reservado para Data 3">
+            <a:extLst>
+              <a:ext uri="{FF2B5EF4-FFF2-40B4-BE49-F238E27FC236}">
+                <a16:creationId xmlns:a16="http://schemas.microsoft.com/office/drawing/2014/main" id="{A6CD06C5-C956-ECAA-9AFC-BF6143B3F68F}"/>
+              </a:ext>
+            </a:extLst>
+          </p:cNvPr>
+          <p:cNvSpPr>
+            <a:spLocks noGrp="1"/>
+          </p:cNvSpPr>
+          <p:nvPr>
+            <p:ph type="dt" sz="half" idx="10"/>
+          </p:nvPr>
+        </p:nvSpPr>
+        <p:spPr/>
+        <p:txBody>
+          <a:bodyPr/>
+          <a:lstStyle/>
+          <a:p>
+            <a:fld id="{6DDD8D4B-29DD-4DCD-A677-694B4A1DFCCE}" type="datetime1">
+              <a:rPr lang="en-US" smtClean="0"/>
+              <a:t>5/3/2024</a:t>
+            </a:fld>
+            <a:endParaRPr lang="en-US" dirty="0"/>
+          </a:p>
+        </p:txBody>
+      </p:sp>
+      <p:sp>
+        <p:nvSpPr>
+          <p:cNvPr id="5" name="Espaço Reservado para Rodapé 4">
+            <a:extLst>
+              <a:ext uri="{FF2B5EF4-FFF2-40B4-BE49-F238E27FC236}">
+                <a16:creationId xmlns:a16="http://schemas.microsoft.com/office/drawing/2014/main" id="{5209B802-4CC4-4DBD-1502-DAFDD6B69336}"/>
+              </a:ext>
+            </a:extLst>
+          </p:cNvPr>
+          <p:cNvSpPr>
+            <a:spLocks noGrp="1"/>
+          </p:cNvSpPr>
+          <p:nvPr>
+            <p:ph type="ftr" sz="quarter" idx="11"/>
+          </p:nvPr>
+        </p:nvSpPr>
+        <p:spPr/>
+        <p:txBody>
+          <a:bodyPr/>
+          <a:lstStyle/>
+          <a:p>
+            <a:r>
+              <a:rPr lang="en-US"/>
+              <a:t>
+              </a:t>
+            </a:r>
+            <a:endParaRPr lang="en-US" dirty="0"/>
+          </a:p>
+        </p:txBody>
+      </p:sp>
+      <p:sp>
+        <p:nvSpPr>
+          <p:cNvPr id="6" name="Espaço Reservado para Número de Slide 5">
+            <a:extLst>
+              <a:ext uri="{FF2B5EF4-FFF2-40B4-BE49-F238E27FC236}">
+                <a16:creationId xmlns:a16="http://schemas.microsoft.com/office/drawing/2014/main" id="{D3ADB93F-112C-35E6-FD5D-1AC880E92054}"/>
+              </a:ext>
+            </a:extLst>
+          </p:cNvPr>
+          <p:cNvSpPr>
+            <a:spLocks noGrp="1"/>
+          </p:cNvSpPr>
+          <p:nvPr>
+            <p:ph type="sldNum" sz="quarter" idx="12"/>
+          </p:nvPr>
+        </p:nvSpPr>
+        <p:spPr/>
+        <p:txBody>
+          <a:bodyPr/>
+          <a:lstStyle/>
+          <a:p>
+            <a:fld id="{196A61CA-0502-4EE4-9724-96EA822543E5}" type="slidenum">
+              <a:rPr lang="en-US" smtClean="0"/>
+              <a:t>10</a:t>
+            </a:fld>
+            <a:endParaRPr lang="en-US" dirty="0"/>
+          </a:p>
+        </p:txBody>
+      </p:sp>
+    </p:spTree>
+    <p:extLst>
+      <p:ext uri="{BB962C8B-B14F-4D97-AF65-F5344CB8AC3E}">
+        <p14:creationId xmlns:p14="http://schemas.microsoft.com/office/powerpoint/2010/main" val="1300389132"/>
+      </p:ext>
+    </p:extLst>
+  </p:cSld>
+  <p:clrMapOvr>
+    <a:masterClrMapping/>
+  </p:clrMapOvr>
+</p:sld>
+</file>
+
+<file path=ppt/slides/slide11.xml><?xml version="1.0" encoding="utf-8"?>
+<p:sld xmlns:a="http://schemas.openxmlformats.org/drawingml/2006/main" xmlns:r="http://schemas.openxmlformats.org/officeDocument/2006/relationships" xmlns:p="http://schemas.openxmlformats.org/presentationml/2006/main">
+  <p:cSld>
+    <p:spTree>
+      <p:nvGrpSpPr>
+        <p:cNvPr id="1" name=""/>
+        <p:cNvGrpSpPr/>
+        <p:nvPr/>
+      </p:nvGrpSpPr>
+      <p:grpSpPr>
+        <a:xfrm>
+          <a:off x="0" y="0"/>
+          <a:ext cx="0" cy="0"/>
+          <a:chOff x="0" y="0"/>
+          <a:chExt cx="0" cy="0"/>
+        </a:xfrm>
+      </p:grpSpPr>
+      <p:pic>
+        <p:nvPicPr>
+          <p:cNvPr id="8" name="Espaço Reservado para Conteúdo 7">
+            <a:extLst>
+              <a:ext uri="{FF2B5EF4-FFF2-40B4-BE49-F238E27FC236}">
+                <a16:creationId xmlns:a16="http://schemas.microsoft.com/office/drawing/2014/main" id="{891C990D-A4D3-4335-CE69-65A72B10072C}"/>
+              </a:ext>
+            </a:extLst>
+          </p:cNvPr>
+          <p:cNvPicPr>
+            <a:picLocks noGrp="1" noChangeAspect="1"/>
+          </p:cNvPicPr>
+          <p:nvPr>
+            <p:ph idx="1"/>
+          </p:nvPr>
+        </p:nvPicPr>
+        <p:blipFill>
+          <a:blip r:embed="rId2"/>
+          <a:stretch>
+            <a:fillRect/>
+          </a:stretch>
+        </p:blipFill>
+        <p:spPr>
+          <a:xfrm>
+            <a:off x="1477169" y="713779"/>
+            <a:ext cx="9237662" cy="2716148"/>
+          </a:xfrm>
+        </p:spPr>
+      </p:pic>
+      <p:sp>
+        <p:nvSpPr>
+          <p:cNvPr id="2" name="Título 1">
+            <a:extLst>
+              <a:ext uri="{FF2B5EF4-FFF2-40B4-BE49-F238E27FC236}">
+                <a16:creationId xmlns:a16="http://schemas.microsoft.com/office/drawing/2014/main" id="{58E02B25-2EFF-8DF7-7908-647E5392F802}"/>
+              </a:ext>
+            </a:extLst>
+          </p:cNvPr>
+          <p:cNvSpPr>
+            <a:spLocks noGrp="1"/>
+          </p:cNvSpPr>
+          <p:nvPr>
+            <p:ph type="title"/>
+          </p:nvPr>
+        </p:nvSpPr>
+        <p:spPr>
+          <a:xfrm>
+            <a:off x="1479047" y="451678"/>
+            <a:ext cx="9238434" cy="857559"/>
+          </a:xfrm>
+        </p:spPr>
+        <p:txBody>
+          <a:bodyPr/>
+          <a:lstStyle/>
+          <a:p>
+            <a:r>
+              <a:rPr lang="pt-BR" dirty="0"/>
+              <a:t>Similaridade numérica</a:t>
+            </a:r>
+          </a:p>
+        </p:txBody>
+      </p:sp>
+      <p:sp>
+        <p:nvSpPr>
+          <p:cNvPr id="4" name="Espaço Reservado para Data 3">
+            <a:extLst>
+              <a:ext uri="{FF2B5EF4-FFF2-40B4-BE49-F238E27FC236}">
+                <a16:creationId xmlns:a16="http://schemas.microsoft.com/office/drawing/2014/main" id="{357340BC-797E-A63E-6809-C0CB6449764A}"/>
+              </a:ext>
+            </a:extLst>
+          </p:cNvPr>
+          <p:cNvSpPr>
+            <a:spLocks noGrp="1"/>
+          </p:cNvSpPr>
+          <p:nvPr>
+            <p:ph type="dt" sz="half" idx="10"/>
+          </p:nvPr>
+        </p:nvSpPr>
+        <p:spPr/>
+        <p:txBody>
+          <a:bodyPr/>
+          <a:lstStyle/>
+          <a:p>
+            <a:fld id="{A2891010-5FBE-4C8B-9C16-B321BC7748D3}" type="datetime1">
+              <a:rPr lang="en-US" smtClean="0"/>
+              <a:t>5/3/2024</a:t>
+            </a:fld>
+            <a:endParaRPr lang="en-US" dirty="0"/>
+          </a:p>
+        </p:txBody>
+      </p:sp>
+      <p:sp>
+        <p:nvSpPr>
+          <p:cNvPr id="5" name="Espaço Reservado para Rodapé 4">
+            <a:extLst>
+              <a:ext uri="{FF2B5EF4-FFF2-40B4-BE49-F238E27FC236}">
+                <a16:creationId xmlns:a16="http://schemas.microsoft.com/office/drawing/2014/main" id="{88461A05-8A8E-60F8-8F67-D106FC900472}"/>
+              </a:ext>
+            </a:extLst>
+          </p:cNvPr>
+          <p:cNvSpPr>
+            <a:spLocks noGrp="1"/>
+          </p:cNvSpPr>
+          <p:nvPr>
+            <p:ph type="ftr" sz="quarter" idx="11"/>
+          </p:nvPr>
+        </p:nvSpPr>
+        <p:spPr/>
+        <p:txBody>
+          <a:bodyPr/>
+          <a:lstStyle/>
+          <a:p>
+            <a:r>
+              <a:rPr lang="en-US"/>
+              <a:t>
+              </a:t>
+            </a:r>
+            <a:endParaRPr lang="en-US" dirty="0"/>
+          </a:p>
+        </p:txBody>
+      </p:sp>
+      <p:sp>
+        <p:nvSpPr>
+          <p:cNvPr id="6" name="Espaço Reservado para Número de Slide 5">
+            <a:extLst>
+              <a:ext uri="{FF2B5EF4-FFF2-40B4-BE49-F238E27FC236}">
+                <a16:creationId xmlns:a16="http://schemas.microsoft.com/office/drawing/2014/main" id="{CB3D430A-3175-6236-A179-23BA7F30F0D4}"/>
+              </a:ext>
+            </a:extLst>
+          </p:cNvPr>
+          <p:cNvSpPr>
+            <a:spLocks noGrp="1"/>
+          </p:cNvSpPr>
+          <p:nvPr>
+            <p:ph type="sldNum" sz="quarter" idx="12"/>
+          </p:nvPr>
+        </p:nvSpPr>
+        <p:spPr/>
+        <p:txBody>
+          <a:bodyPr/>
+          <a:lstStyle/>
+          <a:p>
+            <a:fld id="{196A61CA-0502-4EE4-9724-96EA822543E5}" type="slidenum">
+              <a:rPr lang="en-US" smtClean="0"/>
+              <a:t>11</a:t>
+            </a:fld>
+            <a:endParaRPr lang="en-US" dirty="0"/>
+          </a:p>
+        </p:txBody>
+      </p:sp>
+      <p:pic>
+        <p:nvPicPr>
+          <p:cNvPr id="7" name="Picture 6" descr="A screenshot of a graphing graph&#10;&#10;Description automatically generated">
+            <a:extLst>
+              <a:ext uri="{FF2B5EF4-FFF2-40B4-BE49-F238E27FC236}">
+                <a16:creationId xmlns:a16="http://schemas.microsoft.com/office/drawing/2014/main" id="{08B46138-DEA9-85CF-2390-7EFE1F5D84ED}"/>
+              </a:ext>
+            </a:extLst>
+          </p:cNvPr>
+          <p:cNvPicPr>
+            <a:picLocks noChangeAspect="1"/>
+          </p:cNvPicPr>
+          <p:nvPr/>
+        </p:nvPicPr>
+        <p:blipFill>
+          <a:blip r:embed="rId3"/>
+          <a:stretch>
+            <a:fillRect/>
+          </a:stretch>
+        </p:blipFill>
+        <p:spPr>
+          <a:xfrm>
+            <a:off x="1071563" y="3127354"/>
+            <a:ext cx="10048875" cy="3057525"/>
+          </a:xfrm>
+          <a:prstGeom prst="rect">
+            <a:avLst/>
+          </a:prstGeom>
+        </p:spPr>
+      </p:pic>
+    </p:spTree>
+    <p:extLst>
+      <p:ext uri="{BB962C8B-B14F-4D97-AF65-F5344CB8AC3E}">
+        <p14:creationId xmlns:p14="http://schemas.microsoft.com/office/powerpoint/2010/main" val="835122275"/>
+      </p:ext>
+    </p:extLst>
+  </p:cSld>
+  <p:clrMapOvr>
+    <a:masterClrMapping/>
+  </p:clrMapOvr>
+</p:sld>
+</file>
+
+<file path=ppt/slides/slide12.xml><?xml version="1.0" encoding="utf-8"?>
+<p:sld xmlns:a="http://schemas.openxmlformats.org/drawingml/2006/main" xmlns:r="http://schemas.openxmlformats.org/officeDocument/2006/relationships" xmlns:p="http://schemas.openxmlformats.org/presentationml/2006/main">
+  <p:cSld>
+    <p:spTree>
+      <p:nvGrpSpPr>
+        <p:cNvPr id="1" name=""/>
+        <p:cNvGrpSpPr/>
+        <p:nvPr/>
+      </p:nvGrpSpPr>
+      <p:grpSpPr>
+        <a:xfrm>
+          <a:off x="0" y="0"/>
+          <a:ext cx="0" cy="0"/>
+          <a:chOff x="0" y="0"/>
+          <a:chExt cx="0" cy="0"/>
+        </a:xfrm>
+      </p:grpSpPr>
+      <p:sp>
+        <p:nvSpPr>
+          <p:cNvPr id="2" name="Título 1">
+            <a:extLst>
+              <a:ext uri="{FF2B5EF4-FFF2-40B4-BE49-F238E27FC236}">
+                <a16:creationId xmlns:a16="http://schemas.microsoft.com/office/drawing/2014/main" id="{47E4A2AC-3E27-9741-73CF-133CDF73AF6A}"/>
+              </a:ext>
+            </a:extLst>
+          </p:cNvPr>
+          <p:cNvSpPr>
+            <a:spLocks noGrp="1"/>
+          </p:cNvSpPr>
+          <p:nvPr>
+            <p:ph type="title"/>
+          </p:nvPr>
+        </p:nvSpPr>
+        <p:spPr>
+          <a:xfrm>
+            <a:off x="1429567" y="451679"/>
+            <a:ext cx="9238434" cy="857559"/>
+          </a:xfrm>
+        </p:spPr>
+        <p:txBody>
+          <a:bodyPr/>
+          <a:lstStyle/>
+          <a:p>
+            <a:r>
+              <a:rPr lang="pt-BR" dirty="0"/>
+              <a:t>Similaridade numérica</a:t>
+            </a:r>
+          </a:p>
+        </p:txBody>
+      </p:sp>
+      <p:sp>
+        <p:nvSpPr>
+          <p:cNvPr id="4" name="Espaço Reservado para Data 3">
+            <a:extLst>
+              <a:ext uri="{FF2B5EF4-FFF2-40B4-BE49-F238E27FC236}">
+                <a16:creationId xmlns:a16="http://schemas.microsoft.com/office/drawing/2014/main" id="{68EDE4C6-969D-4AC2-318E-1ACB62265CC7}"/>
+              </a:ext>
+            </a:extLst>
+          </p:cNvPr>
+          <p:cNvSpPr>
+            <a:spLocks noGrp="1"/>
+          </p:cNvSpPr>
+          <p:nvPr>
+            <p:ph type="dt" sz="half" idx="10"/>
+          </p:nvPr>
+        </p:nvSpPr>
+        <p:spPr/>
+        <p:txBody>
+          <a:bodyPr/>
+          <a:lstStyle/>
+          <a:p>
+            <a:fld id="{F1DB4705-AB49-4573-AFB5-E8B9B52D31F1}" type="datetime1">
+              <a:rPr lang="en-US" smtClean="0"/>
+              <a:t>5/3/2024</a:t>
+            </a:fld>
+            <a:endParaRPr lang="en-US" dirty="0"/>
+          </a:p>
+        </p:txBody>
+      </p:sp>
+      <p:sp>
+        <p:nvSpPr>
+          <p:cNvPr id="5" name="Espaço Reservado para Rodapé 4">
+            <a:extLst>
+              <a:ext uri="{FF2B5EF4-FFF2-40B4-BE49-F238E27FC236}">
+                <a16:creationId xmlns:a16="http://schemas.microsoft.com/office/drawing/2014/main" id="{61268DF6-C472-B575-6B0E-0F2220C4A836}"/>
+              </a:ext>
+            </a:extLst>
+          </p:cNvPr>
+          <p:cNvSpPr>
+            <a:spLocks noGrp="1"/>
+          </p:cNvSpPr>
+          <p:nvPr>
+            <p:ph type="ftr" sz="quarter" idx="11"/>
+          </p:nvPr>
+        </p:nvSpPr>
+        <p:spPr/>
+        <p:txBody>
+          <a:bodyPr/>
+          <a:lstStyle/>
+          <a:p>
+            <a:r>
+              <a:rPr lang="en-US"/>
+              <a:t>
+              </a:t>
+            </a:r>
+            <a:endParaRPr lang="en-US" dirty="0"/>
+          </a:p>
+        </p:txBody>
+      </p:sp>
+      <p:sp>
+        <p:nvSpPr>
+          <p:cNvPr id="6" name="Espaço Reservado para Número de Slide 5">
+            <a:extLst>
+              <a:ext uri="{FF2B5EF4-FFF2-40B4-BE49-F238E27FC236}">
+                <a16:creationId xmlns:a16="http://schemas.microsoft.com/office/drawing/2014/main" id="{EC5A6519-C7AF-3AB9-6E7E-A6FFC55F74B0}"/>
+              </a:ext>
+            </a:extLst>
+          </p:cNvPr>
+          <p:cNvSpPr>
+            <a:spLocks noGrp="1"/>
+          </p:cNvSpPr>
+          <p:nvPr>
+            <p:ph type="sldNum" sz="quarter" idx="12"/>
+          </p:nvPr>
+        </p:nvSpPr>
+        <p:spPr/>
+        <p:txBody>
+          <a:bodyPr/>
+          <a:lstStyle/>
+          <a:p>
+            <a:fld id="{196A61CA-0502-4EE4-9724-96EA822543E5}" type="slidenum">
+              <a:rPr lang="en-US" smtClean="0"/>
+              <a:t>12</a:t>
+            </a:fld>
+            <a:endParaRPr lang="en-US" dirty="0"/>
+          </a:p>
+        </p:txBody>
+      </p:sp>
+      <p:pic>
+        <p:nvPicPr>
+          <p:cNvPr id="16" name="Espaço Reservado para Conteúdo 15">
+            <a:extLst>
+              <a:ext uri="{FF2B5EF4-FFF2-40B4-BE49-F238E27FC236}">
+                <a16:creationId xmlns:a16="http://schemas.microsoft.com/office/drawing/2014/main" id="{776D6C2E-DF6E-3271-BBB9-D25F5395924D}"/>
+              </a:ext>
+            </a:extLst>
+          </p:cNvPr>
+          <p:cNvPicPr>
+            <a:picLocks noGrp="1" noChangeAspect="1"/>
+          </p:cNvPicPr>
+          <p:nvPr>
+            <p:ph idx="1"/>
+          </p:nvPr>
+        </p:nvPicPr>
+        <p:blipFill>
+          <a:blip r:embed="rId2"/>
+          <a:stretch>
+            <a:fillRect/>
+          </a:stretch>
+        </p:blipFill>
+        <p:spPr>
+          <a:xfrm>
+            <a:off x="2281537" y="2107870"/>
+            <a:ext cx="7535264" cy="4670961"/>
+          </a:xfrm>
+        </p:spPr>
+      </p:pic>
+      <p:sp>
+        <p:nvSpPr>
+          <p:cNvPr id="3" name="TextBox 2">
+            <a:extLst>
+              <a:ext uri="{FF2B5EF4-FFF2-40B4-BE49-F238E27FC236}">
+                <a16:creationId xmlns:a16="http://schemas.microsoft.com/office/drawing/2014/main" id="{81011FA1-7D4D-A95F-65D1-2957DAEE5749}"/>
+              </a:ext>
+            </a:extLst>
+          </p:cNvPr>
+          <p:cNvSpPr txBox="1"/>
+          <p:nvPr/>
+        </p:nvSpPr>
+        <p:spPr>
+          <a:xfrm>
+            <a:off x="1425039" y="1464623"/>
+            <a:ext cx="9688285" cy="646331"/>
+          </a:xfrm>
+          <a:prstGeom prst="rect">
+            <a:avLst/>
+          </a:prstGeom>
+          <a:noFill/>
+        </p:spPr>
+        <p:txBody>
+          <a:bodyPr rot="0" spcFirstLastPara="0" vertOverflow="overflow" horzOverflow="overflow" vert="horz" wrap="square" lIns="91440" tIns="45720" rIns="91440" bIns="45720" numCol="1" spcCol="0" rtlCol="0" fromWordArt="0" anchor="t" anchorCtr="0" forceAA="0" compatLnSpc="1">
+            <a:prstTxWarp prst="textNoShape">
+              <a:avLst/>
+            </a:prstTxWarp>
+            <a:spAutoFit/>
+          </a:bodyPr>
+          <a:lstStyle/>
+          <a:p>
+            <a:r>
+              <a:rPr lang="en-GB"/>
+              <a:t>Por </a:t>
+            </a:r>
+            <a:r>
+              <a:rPr lang="en-GB" err="1"/>
+              <a:t>padrão</a:t>
+            </a:r>
+            <a:r>
+              <a:rPr lang="en-GB"/>
+              <a:t> a </a:t>
+            </a:r>
+            <a:r>
+              <a:rPr lang="en-GB" err="1"/>
+              <a:t>janela</a:t>
+            </a:r>
+            <a:r>
+              <a:rPr lang="en-GB"/>
+              <a:t> de </a:t>
+            </a:r>
+            <a:r>
+              <a:rPr lang="en-GB" err="1"/>
+              <a:t>similaridade</a:t>
+            </a:r>
+            <a:r>
+              <a:rPr lang="en-GB"/>
+              <a:t> segue </a:t>
+            </a:r>
+            <a:r>
+              <a:rPr lang="en-GB" err="1"/>
+              <a:t>os</a:t>
+            </a:r>
+            <a:r>
+              <a:rPr lang="en-GB"/>
+              <a:t> </a:t>
+            </a:r>
+            <a:r>
+              <a:rPr lang="en-GB" err="1"/>
+              <a:t>máximos</a:t>
+            </a:r>
+            <a:r>
+              <a:rPr lang="en-GB"/>
+              <a:t> e </a:t>
+            </a:r>
+            <a:r>
+              <a:rPr lang="en-GB" err="1"/>
+              <a:t>mínimos</a:t>
+            </a:r>
+            <a:r>
+              <a:rPr lang="en-GB"/>
+              <a:t> do dataset, o </a:t>
+            </a:r>
+            <a:r>
+              <a:rPr lang="en-GB" err="1"/>
+              <a:t>usuário</a:t>
+            </a:r>
+            <a:r>
+              <a:rPr lang="en-GB"/>
+              <a:t> </a:t>
+            </a:r>
+            <a:r>
+              <a:rPr lang="en-GB" err="1"/>
+              <a:t>pode</a:t>
+            </a:r>
+            <a:r>
+              <a:rPr lang="en-GB"/>
+              <a:t> </a:t>
+            </a:r>
+            <a:r>
+              <a:rPr lang="en-GB" err="1"/>
+              <a:t>opcionalmente</a:t>
+            </a:r>
+            <a:r>
+              <a:rPr lang="en-GB"/>
+              <a:t> </a:t>
+            </a:r>
+            <a:r>
+              <a:rPr lang="en-GB" err="1"/>
+              <a:t>sobrescrever</a:t>
+            </a:r>
+            <a:r>
+              <a:rPr lang="en-GB"/>
+              <a:t> </a:t>
+            </a:r>
+            <a:r>
+              <a:rPr lang="en-GB" err="1"/>
+              <a:t>essa</a:t>
+            </a:r>
+            <a:r>
+              <a:rPr lang="en-GB"/>
+              <a:t> </a:t>
+            </a:r>
+            <a:r>
+              <a:rPr lang="en-GB" err="1"/>
+              <a:t>janela</a:t>
+            </a:r>
+            <a:r>
+              <a:rPr lang="en-GB"/>
+              <a:t>, </a:t>
+            </a:r>
+            <a:r>
+              <a:rPr lang="en-GB" err="1"/>
+              <a:t>permitindo</a:t>
+            </a:r>
+            <a:r>
+              <a:rPr lang="en-GB"/>
+              <a:t> um </a:t>
+            </a:r>
+            <a:r>
+              <a:rPr lang="en-GB" err="1"/>
+              <a:t>controle</a:t>
+            </a:r>
+            <a:r>
+              <a:rPr lang="en-GB"/>
+              <a:t> </a:t>
+            </a:r>
+            <a:r>
+              <a:rPr lang="en-GB" err="1"/>
+              <a:t>mais</a:t>
+            </a:r>
+            <a:r>
+              <a:rPr lang="en-GB"/>
+              <a:t> granular </a:t>
+            </a:r>
+            <a:r>
+              <a:rPr lang="en-GB" err="1"/>
+              <a:t>sobre</a:t>
+            </a:r>
+            <a:r>
+              <a:rPr lang="en-GB"/>
+              <a:t> a consulta.</a:t>
+            </a:r>
+          </a:p>
+        </p:txBody>
+      </p:sp>
+    </p:spTree>
+    <p:extLst>
+      <p:ext uri="{BB962C8B-B14F-4D97-AF65-F5344CB8AC3E}">
+        <p14:creationId xmlns:p14="http://schemas.microsoft.com/office/powerpoint/2010/main" val="1966318294"/>
+      </p:ext>
+    </p:extLst>
+  </p:cSld>
+  <p:clrMapOvr>
+    <a:masterClrMapping/>
+  </p:clrMapOvr>
+</p:sld>
+</file>
+
+<file path=ppt/slides/slide13.xml><?xml version="1.0" encoding="utf-8"?>
+<p:sld xmlns:a="http://schemas.openxmlformats.org/drawingml/2006/main" xmlns:r="http://schemas.openxmlformats.org/officeDocument/2006/relationships" xmlns:p="http://schemas.openxmlformats.org/presentationml/2006/main">
+  <p:cSld>
+    <p:spTree>
+      <p:nvGrpSpPr>
+        <p:cNvPr id="1" name=""/>
+        <p:cNvGrpSpPr/>
+        <p:nvPr/>
+      </p:nvGrpSpPr>
+      <p:grpSpPr>
+        <a:xfrm>
+          <a:off x="0" y="0"/>
+          <a:ext cx="0" cy="0"/>
+          <a:chOff x="0" y="0"/>
+          <a:chExt cx="0" cy="0"/>
+        </a:xfrm>
+      </p:grpSpPr>
+      <p:sp>
+        <p:nvSpPr>
+          <p:cNvPr id="2" name="Título 1">
+            <a:extLst>
+              <a:ext uri="{FF2B5EF4-FFF2-40B4-BE49-F238E27FC236}">
+                <a16:creationId xmlns:a16="http://schemas.microsoft.com/office/drawing/2014/main" id="{C9316100-58F9-CC39-D61B-AC34DA0E13F1}"/>
+              </a:ext>
+            </a:extLst>
+          </p:cNvPr>
+          <p:cNvSpPr>
+            <a:spLocks noGrp="1"/>
+          </p:cNvSpPr>
+          <p:nvPr>
+            <p:ph type="title"/>
+          </p:nvPr>
+        </p:nvSpPr>
+        <p:spPr>
+          <a:xfrm>
+            <a:off x="1429566" y="451679"/>
+            <a:ext cx="9238434" cy="857559"/>
+          </a:xfrm>
+        </p:spPr>
+        <p:txBody>
+          <a:bodyPr/>
+          <a:lstStyle/>
+          <a:p>
+            <a:r>
+              <a:rPr lang="pt-BR" dirty="0"/>
+              <a:t>Similaridade simbólica</a:t>
+            </a:r>
+          </a:p>
+        </p:txBody>
+      </p:sp>
+      <p:pic>
+        <p:nvPicPr>
+          <p:cNvPr id="8" name="Espaço Reservado para Conteúdo 7">
+            <a:extLst>
+              <a:ext uri="{FF2B5EF4-FFF2-40B4-BE49-F238E27FC236}">
+                <a16:creationId xmlns:a16="http://schemas.microsoft.com/office/drawing/2014/main" id="{1C97F6B2-6D80-0F73-7C14-B1E4930A4780}"/>
+              </a:ext>
+            </a:extLst>
+          </p:cNvPr>
+          <p:cNvPicPr>
+            <a:picLocks noGrp="1" noChangeAspect="1"/>
+          </p:cNvPicPr>
+          <p:nvPr>
+            <p:ph idx="1"/>
+          </p:nvPr>
+        </p:nvPicPr>
+        <p:blipFill>
+          <a:blip r:embed="rId2"/>
+          <a:stretch>
+            <a:fillRect/>
+          </a:stretch>
+        </p:blipFill>
+        <p:spPr>
+          <a:xfrm>
+            <a:off x="1479819" y="2070926"/>
+            <a:ext cx="9237662" cy="2716148"/>
+          </a:xfrm>
+        </p:spPr>
+      </p:pic>
+      <p:sp>
+        <p:nvSpPr>
+          <p:cNvPr id="4" name="Espaço Reservado para Data 3">
+            <a:extLst>
+              <a:ext uri="{FF2B5EF4-FFF2-40B4-BE49-F238E27FC236}">
+                <a16:creationId xmlns:a16="http://schemas.microsoft.com/office/drawing/2014/main" id="{541DBB98-3A55-5A65-6D4E-1A8679E85D11}"/>
+              </a:ext>
+            </a:extLst>
+          </p:cNvPr>
+          <p:cNvSpPr>
+            <a:spLocks noGrp="1"/>
+          </p:cNvSpPr>
+          <p:nvPr>
+            <p:ph type="dt" sz="half" idx="10"/>
+          </p:nvPr>
+        </p:nvSpPr>
+        <p:spPr/>
+        <p:txBody>
+          <a:bodyPr/>
+          <a:lstStyle/>
+          <a:p>
+            <a:fld id="{3E057FF7-F6DC-4160-827D-8BC132EB12CD}" type="datetime1">
+              <a:rPr lang="en-US" smtClean="0"/>
+              <a:t>5/3/2024</a:t>
+            </a:fld>
+            <a:endParaRPr lang="en-US" dirty="0"/>
+          </a:p>
+        </p:txBody>
+      </p:sp>
+      <p:sp>
+        <p:nvSpPr>
+          <p:cNvPr id="5" name="Espaço Reservado para Rodapé 4">
+            <a:extLst>
+              <a:ext uri="{FF2B5EF4-FFF2-40B4-BE49-F238E27FC236}">
+                <a16:creationId xmlns:a16="http://schemas.microsoft.com/office/drawing/2014/main" id="{C19E8476-A2E7-423F-8CA6-0FF638EF194A}"/>
+              </a:ext>
+            </a:extLst>
+          </p:cNvPr>
+          <p:cNvSpPr>
+            <a:spLocks noGrp="1"/>
+          </p:cNvSpPr>
+          <p:nvPr>
+            <p:ph type="ftr" sz="quarter" idx="11"/>
+          </p:nvPr>
+        </p:nvSpPr>
+        <p:spPr/>
+        <p:txBody>
+          <a:bodyPr/>
+          <a:lstStyle/>
+          <a:p>
+            <a:r>
+              <a:rPr lang="en-US"/>
+              <a:t>
+              </a:t>
+            </a:r>
+            <a:endParaRPr lang="en-US" dirty="0"/>
+          </a:p>
+        </p:txBody>
+      </p:sp>
+      <p:sp>
+        <p:nvSpPr>
+          <p:cNvPr id="6" name="Espaço Reservado para Número de Slide 5">
+            <a:extLst>
+              <a:ext uri="{FF2B5EF4-FFF2-40B4-BE49-F238E27FC236}">
+                <a16:creationId xmlns:a16="http://schemas.microsoft.com/office/drawing/2014/main" id="{302C1DC0-37A0-B859-EF94-08560A374511}"/>
+              </a:ext>
+            </a:extLst>
+          </p:cNvPr>
+          <p:cNvSpPr>
+            <a:spLocks noGrp="1"/>
+          </p:cNvSpPr>
+          <p:nvPr>
+            <p:ph type="sldNum" sz="quarter" idx="12"/>
+          </p:nvPr>
+        </p:nvSpPr>
+        <p:spPr/>
+        <p:txBody>
+          <a:bodyPr/>
+          <a:lstStyle/>
+          <a:p>
+            <a:fld id="{196A61CA-0502-4EE4-9724-96EA822543E5}" type="slidenum">
+              <a:rPr lang="en-US" smtClean="0"/>
+              <a:t>13</a:t>
+            </a:fld>
+            <a:endParaRPr lang="en-US" dirty="0"/>
+          </a:p>
+        </p:txBody>
+      </p:sp>
+      <p:sp>
+        <p:nvSpPr>
+          <p:cNvPr id="3" name="TextBox 2">
+            <a:extLst>
+              <a:ext uri="{FF2B5EF4-FFF2-40B4-BE49-F238E27FC236}">
+                <a16:creationId xmlns:a16="http://schemas.microsoft.com/office/drawing/2014/main" id="{1C23907B-6D28-062D-16B9-CB7DDD976D60}"/>
+              </a:ext>
+            </a:extLst>
+          </p:cNvPr>
+          <p:cNvSpPr txBox="1"/>
+          <p:nvPr/>
+        </p:nvSpPr>
+        <p:spPr>
+          <a:xfrm>
+            <a:off x="1434934" y="1306286"/>
+            <a:ext cx="6511636" cy="369332"/>
+          </a:xfrm>
+          <a:prstGeom prst="rect">
+            <a:avLst/>
+          </a:prstGeom>
+          <a:noFill/>
+        </p:spPr>
+        <p:txBody>
+          <a:bodyPr rot="0" spcFirstLastPara="0" vertOverflow="overflow" horzOverflow="overflow" vert="horz" wrap="square" lIns="91440" tIns="45720" rIns="91440" bIns="45720" numCol="1" spcCol="0" rtlCol="0" fromWordArt="0" anchor="t" anchorCtr="0" forceAA="0" compatLnSpc="1">
+            <a:prstTxWarp prst="textNoShape">
+              <a:avLst/>
+            </a:prstTxWarp>
+            <a:spAutoFit/>
+          </a:bodyPr>
+          <a:lstStyle/>
+          <a:p>
+            <a:r>
+              <a:rPr lang="en-GB"/>
+              <a:t>A similaridade entre símbolos é </a:t>
+            </a:r>
+            <a:r>
+              <a:rPr lang="en-GB" err="1"/>
+              <a:t>apenas</a:t>
+            </a:r>
+            <a:r>
+              <a:rPr lang="en-GB"/>
+              <a:t> </a:t>
+            </a:r>
+            <a:r>
+              <a:rPr lang="en-GB" err="1"/>
+              <a:t>uma</a:t>
+            </a:r>
+            <a:r>
+              <a:rPr lang="en-GB"/>
+              <a:t> </a:t>
+            </a:r>
+            <a:r>
+              <a:rPr lang="en-GB" err="1"/>
+              <a:t>identidade</a:t>
+            </a:r>
+            <a:r>
+              <a:rPr lang="en-GB"/>
+              <a:t> pura.</a:t>
+            </a:r>
+          </a:p>
+        </p:txBody>
+      </p:sp>
+    </p:spTree>
+    <p:extLst>
+      <p:ext uri="{BB962C8B-B14F-4D97-AF65-F5344CB8AC3E}">
+        <p14:creationId xmlns:p14="http://schemas.microsoft.com/office/powerpoint/2010/main" val="4074573348"/>
+      </p:ext>
+    </p:extLst>
+  </p:cSld>
+  <p:clrMapOvr>
+    <a:masterClrMapping/>
+  </p:clrMapOvr>
+</p:sld>
+</file>
+
+<file path=ppt/slides/slide14.xml><?xml version="1.0" encoding="utf-8"?>
+<p:sld xmlns:a="http://schemas.openxmlformats.org/drawingml/2006/main" xmlns:r="http://schemas.openxmlformats.org/officeDocument/2006/relationships" xmlns:p="http://schemas.openxmlformats.org/presentationml/2006/main">
+  <p:cSld>
+    <p:spTree>
+      <p:nvGrpSpPr>
+        <p:cNvPr id="1" name=""/>
+        <p:cNvGrpSpPr/>
+        <p:nvPr/>
+      </p:nvGrpSpPr>
+      <p:grpSpPr>
+        <a:xfrm>
+          <a:off x="0" y="0"/>
+          <a:ext cx="0" cy="0"/>
+          <a:chOff x="0" y="0"/>
+          <a:chExt cx="0" cy="0"/>
+        </a:xfrm>
+      </p:grpSpPr>
+      <p:sp>
+        <p:nvSpPr>
+          <p:cNvPr id="2" name="Título 1">
+            <a:extLst>
+              <a:ext uri="{FF2B5EF4-FFF2-40B4-BE49-F238E27FC236}">
+                <a16:creationId xmlns:a16="http://schemas.microsoft.com/office/drawing/2014/main" id="{79501348-57EA-161D-05EF-E44B8A57F511}"/>
+              </a:ext>
+            </a:extLst>
+          </p:cNvPr>
+          <p:cNvSpPr>
+            <a:spLocks noGrp="1"/>
+          </p:cNvSpPr>
+          <p:nvPr>
+            <p:ph type="title"/>
+          </p:nvPr>
+        </p:nvSpPr>
+        <p:spPr>
+          <a:xfrm>
+            <a:off x="1429566" y="451678"/>
+            <a:ext cx="9238434" cy="857559"/>
+          </a:xfrm>
+        </p:spPr>
+        <p:txBody>
+          <a:bodyPr/>
+          <a:lstStyle/>
+          <a:p>
+            <a:r>
+              <a:rPr lang="pt-BR"/>
+              <a:t>Cálculo da similaridade</a:t>
+            </a:r>
+          </a:p>
+        </p:txBody>
+      </p:sp>
+      <p:sp>
+        <p:nvSpPr>
+          <p:cNvPr id="4" name="Espaço Reservado para Data 3">
+            <a:extLst>
+              <a:ext uri="{FF2B5EF4-FFF2-40B4-BE49-F238E27FC236}">
+                <a16:creationId xmlns:a16="http://schemas.microsoft.com/office/drawing/2014/main" id="{B3A3E1C2-BDC2-7AF2-791B-42EC6F9AC22A}"/>
+              </a:ext>
+            </a:extLst>
+          </p:cNvPr>
+          <p:cNvSpPr>
+            <a:spLocks noGrp="1"/>
+          </p:cNvSpPr>
+          <p:nvPr>
+            <p:ph type="dt" sz="half" idx="10"/>
+          </p:nvPr>
+        </p:nvSpPr>
+        <p:spPr/>
+        <p:txBody>
+          <a:bodyPr/>
+          <a:lstStyle/>
+          <a:p>
+            <a:fld id="{DB2AB846-F3DA-49C5-9BF4-0F3B7911F6EC}" type="datetime1">
+              <a:rPr lang="en-US" smtClean="0"/>
+              <a:t>5/3/2024</a:t>
+            </a:fld>
+            <a:endParaRPr lang="en-US"/>
+          </a:p>
+        </p:txBody>
+      </p:sp>
+      <p:sp>
+        <p:nvSpPr>
+          <p:cNvPr id="5" name="Espaço Reservado para Rodapé 4">
+            <a:extLst>
+              <a:ext uri="{FF2B5EF4-FFF2-40B4-BE49-F238E27FC236}">
+                <a16:creationId xmlns:a16="http://schemas.microsoft.com/office/drawing/2014/main" id="{F7A42A77-0E10-D685-8F66-CA8FD2597D7B}"/>
+              </a:ext>
+            </a:extLst>
+          </p:cNvPr>
+          <p:cNvSpPr>
+            <a:spLocks noGrp="1"/>
+          </p:cNvSpPr>
+          <p:nvPr>
+            <p:ph type="ftr" sz="quarter" idx="11"/>
+          </p:nvPr>
+        </p:nvSpPr>
+        <p:spPr/>
+        <p:txBody>
+          <a:bodyPr/>
+          <a:lstStyle/>
+          <a:p>
+            <a:r>
+              <a:rPr lang="en-US"/>
+              <a:t>
+              </a:t>
+            </a:r>
+          </a:p>
+        </p:txBody>
+      </p:sp>
+      <p:sp>
+        <p:nvSpPr>
+          <p:cNvPr id="6" name="Espaço Reservado para Número de Slide 5">
+            <a:extLst>
+              <a:ext uri="{FF2B5EF4-FFF2-40B4-BE49-F238E27FC236}">
+                <a16:creationId xmlns:a16="http://schemas.microsoft.com/office/drawing/2014/main" id="{F6A14672-7B1B-B391-404E-782C78E4BC4C}"/>
+              </a:ext>
+            </a:extLst>
+          </p:cNvPr>
+          <p:cNvSpPr>
+            <a:spLocks noGrp="1"/>
+          </p:cNvSpPr>
+          <p:nvPr>
+            <p:ph type="sldNum" sz="quarter" idx="12"/>
+          </p:nvPr>
+        </p:nvSpPr>
+        <p:spPr/>
+        <p:txBody>
+          <a:bodyPr/>
+          <a:lstStyle/>
+          <a:p>
+            <a:fld id="{196A61CA-0502-4EE4-9724-96EA822543E5}" type="slidenum">
+              <a:rPr lang="en-US" smtClean="0"/>
+              <a:t>14</a:t>
+            </a:fld>
+            <a:endParaRPr lang="en-US"/>
+          </a:p>
+        </p:txBody>
+      </p:sp>
+      <p:pic>
+        <p:nvPicPr>
+          <p:cNvPr id="12" name="Espaço Reservado para Conteúdo 11">
+            <a:extLst>
+              <a:ext uri="{FF2B5EF4-FFF2-40B4-BE49-F238E27FC236}">
+                <a16:creationId xmlns:a16="http://schemas.microsoft.com/office/drawing/2014/main" id="{103B7E4D-4A84-1464-9DF4-47C030AADED2}"/>
+              </a:ext>
+            </a:extLst>
+          </p:cNvPr>
+          <p:cNvPicPr>
+            <a:picLocks noGrp="1" noChangeAspect="1"/>
+          </p:cNvPicPr>
+          <p:nvPr>
+            <p:ph idx="1"/>
+          </p:nvPr>
+        </p:nvPicPr>
+        <p:blipFill>
+          <a:blip r:embed="rId2"/>
+          <a:stretch>
+            <a:fillRect/>
+          </a:stretch>
+        </p:blipFill>
+        <p:spPr>
+          <a:xfrm>
+            <a:off x="2079450" y="1949532"/>
+            <a:ext cx="8394657" cy="4453246"/>
+          </a:xfrm>
+        </p:spPr>
+      </p:pic>
+      <p:sp>
+        <p:nvSpPr>
+          <p:cNvPr id="3" name="TextBox 2">
+            <a:extLst>
+              <a:ext uri="{FF2B5EF4-FFF2-40B4-BE49-F238E27FC236}">
+                <a16:creationId xmlns:a16="http://schemas.microsoft.com/office/drawing/2014/main" id="{98B02470-8A84-7639-240C-EC3E0D5DC923}"/>
+              </a:ext>
+            </a:extLst>
+          </p:cNvPr>
+          <p:cNvSpPr txBox="1"/>
+          <p:nvPr/>
+        </p:nvSpPr>
+        <p:spPr>
+          <a:xfrm>
+            <a:off x="1425038" y="1306286"/>
+            <a:ext cx="9698181" cy="646331"/>
+          </a:xfrm>
+          <a:prstGeom prst="rect">
+            <a:avLst/>
+          </a:prstGeom>
+          <a:noFill/>
+        </p:spPr>
+        <p:txBody>
+          <a:bodyPr rot="0" spcFirstLastPara="0" vertOverflow="overflow" horzOverflow="overflow" vert="horz" wrap="square" lIns="91440" tIns="45720" rIns="91440" bIns="45720" numCol="1" spcCol="0" rtlCol="0" fromWordArt="0" anchor="t" anchorCtr="0" forceAA="0" compatLnSpc="1">
+            <a:prstTxWarp prst="textNoShape">
+              <a:avLst/>
+            </a:prstTxWarp>
+            <a:spAutoFit/>
+          </a:bodyPr>
+          <a:lstStyle/>
+          <a:p>
+            <a:r>
+              <a:rPr lang="en-GB" err="1"/>
+              <a:t>Cada</a:t>
+            </a:r>
+            <a:r>
+              <a:rPr lang="en-GB"/>
+              <a:t> campo </a:t>
+            </a:r>
+            <a:r>
+              <a:rPr lang="en-GB" err="1"/>
+              <a:t>possui</a:t>
+            </a:r>
+            <a:r>
+              <a:rPr lang="en-GB"/>
+              <a:t> </a:t>
+            </a:r>
+            <a:r>
+              <a:rPr lang="en-GB" err="1"/>
+              <a:t>seu</a:t>
+            </a:r>
+            <a:r>
+              <a:rPr lang="en-GB"/>
+              <a:t> </a:t>
+            </a:r>
+            <a:r>
+              <a:rPr lang="en-GB" err="1"/>
+              <a:t>grau</a:t>
+            </a:r>
+            <a:r>
+              <a:rPr lang="en-GB"/>
+              <a:t> de </a:t>
+            </a:r>
+            <a:r>
+              <a:rPr lang="en-GB" err="1"/>
+              <a:t>similaridade</a:t>
+            </a:r>
+            <a:r>
+              <a:rPr lang="en-GB"/>
+              <a:t> </a:t>
+            </a:r>
+            <a:r>
+              <a:rPr lang="en-GB" err="1"/>
+              <a:t>calculado</a:t>
+            </a:r>
+            <a:r>
+              <a:rPr lang="en-GB"/>
+              <a:t> e </a:t>
+            </a:r>
+            <a:r>
+              <a:rPr lang="en-GB" err="1"/>
+              <a:t>multiplicado</a:t>
+            </a:r>
+            <a:r>
+              <a:rPr lang="en-GB"/>
+              <a:t> </a:t>
+            </a:r>
+            <a:r>
+              <a:rPr lang="en-GB" err="1"/>
+              <a:t>pelo</a:t>
+            </a:r>
+            <a:r>
+              <a:rPr lang="en-GB"/>
+              <a:t> </a:t>
+            </a:r>
+            <a:r>
+              <a:rPr lang="en-GB" err="1"/>
+              <a:t>vetor</a:t>
+            </a:r>
+            <a:r>
+              <a:rPr lang="en-GB"/>
+              <a:t> </a:t>
+            </a:r>
+            <a:r>
+              <a:rPr lang="en-GB" err="1"/>
+              <a:t>normalizado</a:t>
+            </a:r>
+            <a:r>
+              <a:rPr lang="en-GB"/>
+              <a:t> de pesos.</a:t>
+            </a:r>
+          </a:p>
+        </p:txBody>
+      </p:sp>
+    </p:spTree>
+    <p:extLst>
+      <p:ext uri="{BB962C8B-B14F-4D97-AF65-F5344CB8AC3E}">
+        <p14:creationId xmlns:p14="http://schemas.microsoft.com/office/powerpoint/2010/main" val="3277922549"/>
+      </p:ext>
+    </p:extLst>
+  </p:cSld>
+  <p:clrMapOvr>
+    <a:masterClrMapping/>
+  </p:clrMapOvr>
+</p:sld>
+</file>
+
+<file path=ppt/slides/slide15.xml><?xml version="1.0" encoding="utf-8"?>
+<p:sld xmlns:a="http://schemas.openxmlformats.org/drawingml/2006/main" xmlns:r="http://schemas.openxmlformats.org/officeDocument/2006/relationships" xmlns:p="http://schemas.openxmlformats.org/presentationml/2006/main">
+  <p:cSld>
+    <p:spTree>
+      <p:nvGrpSpPr>
+        <p:cNvPr id="1" name=""/>
+        <p:cNvGrpSpPr/>
+        <p:nvPr/>
+      </p:nvGrpSpPr>
+      <p:grpSpPr>
+        <a:xfrm>
+          <a:off x="0" y="0"/>
+          <a:ext cx="0" cy="0"/>
+          <a:chOff x="0" y="0"/>
+          <a:chExt cx="0" cy="0"/>
+        </a:xfrm>
+      </p:grpSpPr>
+      <p:sp>
+        <p:nvSpPr>
+          <p:cNvPr id="2" name="Título 1">
+            <a:extLst>
+              <a:ext uri="{FF2B5EF4-FFF2-40B4-BE49-F238E27FC236}">
+                <a16:creationId xmlns:a16="http://schemas.microsoft.com/office/drawing/2014/main" id="{769A37CA-7B16-BBD0-C185-53CC0886449C}"/>
+              </a:ext>
+            </a:extLst>
+          </p:cNvPr>
+          <p:cNvSpPr>
+            <a:spLocks noGrp="1"/>
+          </p:cNvSpPr>
+          <p:nvPr>
+            <p:ph type="title"/>
+          </p:nvPr>
+        </p:nvSpPr>
+        <p:spPr>
+          <a:xfrm>
+            <a:off x="1429566" y="451679"/>
+            <a:ext cx="9238434" cy="857559"/>
+          </a:xfrm>
+        </p:spPr>
+        <p:txBody>
+          <a:bodyPr/>
+          <a:lstStyle/>
+          <a:p>
+            <a:r>
+              <a:rPr lang="pt-BR" dirty="0"/>
+              <a:t>Transformando O </a:t>
+            </a:r>
+            <a:r>
+              <a:rPr lang="pt-BR" i="1" dirty="0"/>
+              <a:t>ARRAY</a:t>
+            </a:r>
+            <a:r>
+              <a:rPr lang="pt-BR" dirty="0"/>
+              <a:t> em </a:t>
+            </a:r>
+            <a:r>
+              <a:rPr lang="pt-BR" i="1" dirty="0" err="1"/>
+              <a:t>dataframe</a:t>
+            </a:r>
+            <a:endParaRPr lang="pt-BR" dirty="0"/>
+          </a:p>
+        </p:txBody>
+      </p:sp>
+      <p:pic>
+        <p:nvPicPr>
+          <p:cNvPr id="8" name="Espaço Reservado para Conteúdo 7">
+            <a:extLst>
+              <a:ext uri="{FF2B5EF4-FFF2-40B4-BE49-F238E27FC236}">
+                <a16:creationId xmlns:a16="http://schemas.microsoft.com/office/drawing/2014/main" id="{1F09DA61-4C8E-CFB4-D293-12B2D50AF64B}"/>
+              </a:ext>
+            </a:extLst>
+          </p:cNvPr>
+          <p:cNvPicPr>
+            <a:picLocks noGrp="1" noChangeAspect="1"/>
+          </p:cNvPicPr>
+          <p:nvPr>
+            <p:ph idx="1"/>
+          </p:nvPr>
+        </p:nvPicPr>
+        <p:blipFill>
+          <a:blip r:embed="rId2"/>
+          <a:stretch>
+            <a:fillRect/>
+          </a:stretch>
+        </p:blipFill>
+        <p:spPr>
+          <a:xfrm>
+            <a:off x="638650" y="2418136"/>
+            <a:ext cx="10830934" cy="2021727"/>
+          </a:xfrm>
+        </p:spPr>
+      </p:pic>
+      <p:sp>
+        <p:nvSpPr>
+          <p:cNvPr id="4" name="Espaço Reservado para Data 3">
+            <a:extLst>
+              <a:ext uri="{FF2B5EF4-FFF2-40B4-BE49-F238E27FC236}">
+                <a16:creationId xmlns:a16="http://schemas.microsoft.com/office/drawing/2014/main" id="{B8D0CA59-38E0-0610-5D64-73E64C06F20D}"/>
+              </a:ext>
+            </a:extLst>
+          </p:cNvPr>
+          <p:cNvSpPr>
+            <a:spLocks noGrp="1"/>
+          </p:cNvSpPr>
+          <p:nvPr>
+            <p:ph type="dt" sz="half" idx="10"/>
+          </p:nvPr>
+        </p:nvSpPr>
+        <p:spPr/>
+        <p:txBody>
+          <a:bodyPr/>
+          <a:lstStyle/>
+          <a:p>
+            <a:fld id="{50E85EBB-9C85-464A-A604-217CC308F703}" type="datetime1">
+              <a:rPr lang="en-US" smtClean="0"/>
+              <a:t>5/3/2024</a:t>
+            </a:fld>
+            <a:endParaRPr lang="en-US" dirty="0"/>
+          </a:p>
+        </p:txBody>
+      </p:sp>
+      <p:sp>
+        <p:nvSpPr>
+          <p:cNvPr id="5" name="Espaço Reservado para Rodapé 4">
+            <a:extLst>
+              <a:ext uri="{FF2B5EF4-FFF2-40B4-BE49-F238E27FC236}">
+                <a16:creationId xmlns:a16="http://schemas.microsoft.com/office/drawing/2014/main" id="{4508D7A8-F859-7061-D9BB-5D7F962D368A}"/>
+              </a:ext>
+            </a:extLst>
+          </p:cNvPr>
+          <p:cNvSpPr>
+            <a:spLocks noGrp="1"/>
+          </p:cNvSpPr>
+          <p:nvPr>
+            <p:ph type="ftr" sz="quarter" idx="11"/>
+          </p:nvPr>
+        </p:nvSpPr>
+        <p:spPr/>
+        <p:txBody>
+          <a:bodyPr/>
+          <a:lstStyle/>
+          <a:p>
+            <a:r>
+              <a:rPr lang="en-US"/>
+              <a:t>
+              </a:t>
+            </a:r>
+            <a:endParaRPr lang="en-US" dirty="0"/>
+          </a:p>
+        </p:txBody>
+      </p:sp>
+      <p:sp>
+        <p:nvSpPr>
+          <p:cNvPr id="6" name="Espaço Reservado para Número de Slide 5">
+            <a:extLst>
+              <a:ext uri="{FF2B5EF4-FFF2-40B4-BE49-F238E27FC236}">
+                <a16:creationId xmlns:a16="http://schemas.microsoft.com/office/drawing/2014/main" id="{44FE7E14-17CA-226D-0797-9FC02CBDB773}"/>
+              </a:ext>
+            </a:extLst>
+          </p:cNvPr>
+          <p:cNvSpPr>
+            <a:spLocks noGrp="1"/>
+          </p:cNvSpPr>
+          <p:nvPr>
+            <p:ph type="sldNum" sz="quarter" idx="12"/>
+          </p:nvPr>
+        </p:nvSpPr>
+        <p:spPr/>
+        <p:txBody>
+          <a:bodyPr/>
+          <a:lstStyle/>
+          <a:p>
+            <a:fld id="{196A61CA-0502-4EE4-9724-96EA822543E5}" type="slidenum">
+              <a:rPr lang="en-US" smtClean="0"/>
+              <a:t>15</a:t>
+            </a:fld>
+            <a:endParaRPr lang="en-US" dirty="0"/>
+          </a:p>
+        </p:txBody>
+      </p:sp>
+    </p:spTree>
+    <p:extLst>
+      <p:ext uri="{BB962C8B-B14F-4D97-AF65-F5344CB8AC3E}">
+        <p14:creationId xmlns:p14="http://schemas.microsoft.com/office/powerpoint/2010/main" val="2757105928"/>
+      </p:ext>
+    </p:extLst>
+  </p:cSld>
+  <p:clrMapOvr>
+    <a:masterClrMapping/>
+  </p:clrMapOvr>
+</p:sld>
+</file>
+
+<file path=ppt/slides/slide16.xml><?xml version="1.0" encoding="utf-8"?>
+<p:sld xmlns:a="http://schemas.openxmlformats.org/drawingml/2006/main" xmlns:r="http://schemas.openxmlformats.org/officeDocument/2006/relationships" xmlns:p="http://schemas.openxmlformats.org/presentationml/2006/main">
+  <p:cSld>
+    <p:spTree>
+      <p:nvGrpSpPr>
+        <p:cNvPr id="1" name=""/>
+        <p:cNvGrpSpPr/>
+        <p:nvPr/>
+      </p:nvGrpSpPr>
+      <p:grpSpPr>
+        <a:xfrm>
+          <a:off x="0" y="0"/>
+          <a:ext cx="0" cy="0"/>
+          <a:chOff x="0" y="0"/>
+          <a:chExt cx="0" cy="0"/>
+        </a:xfrm>
+      </p:grpSpPr>
+      <p:sp>
+        <p:nvSpPr>
+          <p:cNvPr id="2" name="Título 1">
+            <a:extLst>
+              <a:ext uri="{FF2B5EF4-FFF2-40B4-BE49-F238E27FC236}">
+                <a16:creationId xmlns:a16="http://schemas.microsoft.com/office/drawing/2014/main" id="{8F6FAD0D-D379-A8AA-19D0-075A842D834F}"/>
+              </a:ext>
+            </a:extLst>
+          </p:cNvPr>
+          <p:cNvSpPr>
+            <a:spLocks noGrp="1"/>
+          </p:cNvSpPr>
+          <p:nvPr>
+            <p:ph type="title"/>
+          </p:nvPr>
+        </p:nvSpPr>
+        <p:spPr/>
+        <p:txBody>
+          <a:bodyPr/>
+          <a:lstStyle/>
+          <a:p>
+            <a:r>
+              <a:rPr lang="pt-BR" dirty="0"/>
+              <a:t>Menu principal</a:t>
+            </a:r>
+          </a:p>
+        </p:txBody>
+      </p:sp>
+      <p:pic>
+        <p:nvPicPr>
+          <p:cNvPr id="8" name="Espaço Reservado para Conteúdo 7">
+            <a:extLst>
+              <a:ext uri="{FF2B5EF4-FFF2-40B4-BE49-F238E27FC236}">
+                <a16:creationId xmlns:a16="http://schemas.microsoft.com/office/drawing/2014/main" id="{0FEB237B-5943-4A1A-6DF1-3FAE56C3031C}"/>
+              </a:ext>
+            </a:extLst>
+          </p:cNvPr>
+          <p:cNvPicPr>
+            <a:picLocks noGrp="1" noChangeAspect="1"/>
+          </p:cNvPicPr>
+          <p:nvPr>
+            <p:ph idx="1"/>
+          </p:nvPr>
+        </p:nvPicPr>
+        <p:blipFill>
+          <a:blip r:embed="rId2"/>
+          <a:stretch>
+            <a:fillRect/>
+          </a:stretch>
+        </p:blipFill>
+        <p:spPr>
+          <a:xfrm>
+            <a:off x="5158457" y="3409841"/>
+            <a:ext cx="1781424" cy="1562318"/>
+          </a:xfrm>
+        </p:spPr>
+      </p:pic>
+      <p:sp>
+        <p:nvSpPr>
+          <p:cNvPr id="4" name="Espaço Reservado para Data 3">
+            <a:extLst>
+              <a:ext uri="{FF2B5EF4-FFF2-40B4-BE49-F238E27FC236}">
+                <a16:creationId xmlns:a16="http://schemas.microsoft.com/office/drawing/2014/main" id="{A27959B8-2B45-6A83-D14D-F3430DDFD9A5}"/>
+              </a:ext>
+            </a:extLst>
+          </p:cNvPr>
+          <p:cNvSpPr>
+            <a:spLocks noGrp="1"/>
+          </p:cNvSpPr>
+          <p:nvPr>
+            <p:ph type="dt" sz="half" idx="10"/>
+          </p:nvPr>
+        </p:nvSpPr>
+        <p:spPr/>
+        <p:txBody>
+          <a:bodyPr/>
+          <a:lstStyle/>
+          <a:p>
+            <a:fld id="{89C03B8C-95B3-4FD7-9F29-5883B32A4397}" type="datetime1">
+              <a:rPr lang="en-US" smtClean="0"/>
+              <a:t>5/3/2024</a:t>
+            </a:fld>
+            <a:endParaRPr lang="en-US" dirty="0"/>
+          </a:p>
+        </p:txBody>
+      </p:sp>
+      <p:sp>
+        <p:nvSpPr>
+          <p:cNvPr id="5" name="Espaço Reservado para Rodapé 4">
+            <a:extLst>
+              <a:ext uri="{FF2B5EF4-FFF2-40B4-BE49-F238E27FC236}">
+                <a16:creationId xmlns:a16="http://schemas.microsoft.com/office/drawing/2014/main" id="{74D11969-7F3F-1246-A6B4-382F4CA4FF32}"/>
+              </a:ext>
+            </a:extLst>
+          </p:cNvPr>
+          <p:cNvSpPr>
+            <a:spLocks noGrp="1"/>
+          </p:cNvSpPr>
+          <p:nvPr>
+            <p:ph type="ftr" sz="quarter" idx="11"/>
+          </p:nvPr>
+        </p:nvSpPr>
+        <p:spPr/>
+        <p:txBody>
+          <a:bodyPr/>
+          <a:lstStyle/>
+          <a:p>
+            <a:r>
+              <a:rPr lang="en-US"/>
+              <a:t>
+              </a:t>
+            </a:r>
+            <a:endParaRPr lang="en-US" dirty="0"/>
+          </a:p>
+        </p:txBody>
+      </p:sp>
+      <p:sp>
+        <p:nvSpPr>
+          <p:cNvPr id="6" name="Espaço Reservado para Número de Slide 5">
+            <a:extLst>
+              <a:ext uri="{FF2B5EF4-FFF2-40B4-BE49-F238E27FC236}">
+                <a16:creationId xmlns:a16="http://schemas.microsoft.com/office/drawing/2014/main" id="{395D9D76-9642-6416-3273-E55EFAE4DF09}"/>
+              </a:ext>
+            </a:extLst>
+          </p:cNvPr>
+          <p:cNvSpPr>
+            <a:spLocks noGrp="1"/>
+          </p:cNvSpPr>
+          <p:nvPr>
+            <p:ph type="sldNum" sz="quarter" idx="12"/>
+          </p:nvPr>
+        </p:nvSpPr>
+        <p:spPr/>
+        <p:txBody>
+          <a:bodyPr/>
+          <a:lstStyle/>
+          <a:p>
+            <a:fld id="{196A61CA-0502-4EE4-9724-96EA822543E5}" type="slidenum">
+              <a:rPr lang="en-US" smtClean="0"/>
+              <a:t>16</a:t>
+            </a:fld>
+            <a:endParaRPr lang="en-US" dirty="0"/>
+          </a:p>
+        </p:txBody>
+      </p:sp>
+    </p:spTree>
+    <p:extLst>
+      <p:ext uri="{BB962C8B-B14F-4D97-AF65-F5344CB8AC3E}">
+        <p14:creationId xmlns:p14="http://schemas.microsoft.com/office/powerpoint/2010/main" val="2979862730"/>
+      </p:ext>
+    </p:extLst>
+  </p:cSld>
+  <p:clrMapOvr>
+    <a:masterClrMapping/>
+  </p:clrMapOvr>
+</p:sld>
+</file>
+
+<file path=ppt/slides/slide17.xml><?xml version="1.0" encoding="utf-8"?>
+<p:sld xmlns:a="http://schemas.openxmlformats.org/drawingml/2006/main" xmlns:r="http://schemas.openxmlformats.org/officeDocument/2006/relationships" xmlns:p="http://schemas.openxmlformats.org/presentationml/2006/main">
+  <p:cSld>
+    <p:spTree>
+      <p:nvGrpSpPr>
+        <p:cNvPr id="1" name=""/>
+        <p:cNvGrpSpPr/>
+        <p:nvPr/>
+      </p:nvGrpSpPr>
+      <p:grpSpPr>
+        <a:xfrm>
+          <a:off x="0" y="0"/>
+          <a:ext cx="0" cy="0"/>
+          <a:chOff x="0" y="0"/>
+          <a:chExt cx="0" cy="0"/>
+        </a:xfrm>
+      </p:grpSpPr>
+      <p:sp>
+        <p:nvSpPr>
+          <p:cNvPr id="2" name="Título 1">
+            <a:extLst>
+              <a:ext uri="{FF2B5EF4-FFF2-40B4-BE49-F238E27FC236}">
+                <a16:creationId xmlns:a16="http://schemas.microsoft.com/office/drawing/2014/main" id="{9002953A-CF1E-12D3-9538-A352230812C1}"/>
+              </a:ext>
+            </a:extLst>
+          </p:cNvPr>
+          <p:cNvSpPr>
+            <a:spLocks noGrp="1"/>
+          </p:cNvSpPr>
+          <p:nvPr>
+            <p:ph type="title"/>
+          </p:nvPr>
+        </p:nvSpPr>
+        <p:spPr/>
+        <p:txBody>
+          <a:bodyPr/>
+          <a:lstStyle/>
+          <a:p>
+            <a:r>
+              <a:rPr lang="pt-BR" dirty="0"/>
+              <a:t>Pesquisa de item</a:t>
+            </a:r>
+          </a:p>
+        </p:txBody>
+      </p:sp>
+      <p:pic>
+        <p:nvPicPr>
+          <p:cNvPr id="8" name="Espaço Reservado para Conteúdo 7">
+            <a:extLst>
+              <a:ext uri="{FF2B5EF4-FFF2-40B4-BE49-F238E27FC236}">
+                <a16:creationId xmlns:a16="http://schemas.microsoft.com/office/drawing/2014/main" id="{A4E6DB18-A7C0-D519-07A9-FAD96994956B}"/>
+              </a:ext>
+            </a:extLst>
+          </p:cNvPr>
+          <p:cNvPicPr>
+            <a:picLocks noGrp="1" noChangeAspect="1"/>
+          </p:cNvPicPr>
+          <p:nvPr>
+            <p:ph idx="1"/>
+          </p:nvPr>
+        </p:nvPicPr>
+        <p:blipFill>
+          <a:blip r:embed="rId2"/>
+          <a:stretch>
+            <a:fillRect/>
+          </a:stretch>
+        </p:blipFill>
+        <p:spPr>
+          <a:xfrm>
+            <a:off x="4421182" y="2286000"/>
+            <a:ext cx="3255973" cy="3810000"/>
+          </a:xfrm>
+        </p:spPr>
+      </p:pic>
+      <p:sp>
+        <p:nvSpPr>
+          <p:cNvPr id="4" name="Espaço Reservado para Data 3">
+            <a:extLst>
+              <a:ext uri="{FF2B5EF4-FFF2-40B4-BE49-F238E27FC236}">
+                <a16:creationId xmlns:a16="http://schemas.microsoft.com/office/drawing/2014/main" id="{A9886DE2-5099-63B3-2CBB-EC479AABE523}"/>
+              </a:ext>
+            </a:extLst>
+          </p:cNvPr>
+          <p:cNvSpPr>
+            <a:spLocks noGrp="1"/>
+          </p:cNvSpPr>
+          <p:nvPr>
+            <p:ph type="dt" sz="half" idx="10"/>
+          </p:nvPr>
+        </p:nvSpPr>
+        <p:spPr/>
+        <p:txBody>
+          <a:bodyPr/>
+          <a:lstStyle/>
+          <a:p>
+            <a:fld id="{E9DB9624-CDA7-419D-A37F-5A2A6C2548D7}" type="datetime1">
+              <a:rPr lang="en-US" smtClean="0"/>
+              <a:t>5/3/2024</a:t>
+            </a:fld>
+            <a:endParaRPr lang="en-US" dirty="0"/>
+          </a:p>
+        </p:txBody>
+      </p:sp>
+      <p:sp>
+        <p:nvSpPr>
+          <p:cNvPr id="5" name="Espaço Reservado para Rodapé 4">
+            <a:extLst>
+              <a:ext uri="{FF2B5EF4-FFF2-40B4-BE49-F238E27FC236}">
+                <a16:creationId xmlns:a16="http://schemas.microsoft.com/office/drawing/2014/main" id="{97414729-4F64-7E10-BD46-8308AB05BB99}"/>
+              </a:ext>
+            </a:extLst>
+          </p:cNvPr>
+          <p:cNvSpPr>
+            <a:spLocks noGrp="1"/>
+          </p:cNvSpPr>
+          <p:nvPr>
+            <p:ph type="ftr" sz="quarter" idx="11"/>
+          </p:nvPr>
+        </p:nvSpPr>
+        <p:spPr/>
+        <p:txBody>
+          <a:bodyPr/>
+          <a:lstStyle/>
+          <a:p>
+            <a:r>
+              <a:rPr lang="en-US"/>
+              <a:t>
+              </a:t>
+            </a:r>
+            <a:endParaRPr lang="en-US" dirty="0"/>
+          </a:p>
+        </p:txBody>
+      </p:sp>
+      <p:sp>
+        <p:nvSpPr>
+          <p:cNvPr id="6" name="Espaço Reservado para Número de Slide 5">
+            <a:extLst>
+              <a:ext uri="{FF2B5EF4-FFF2-40B4-BE49-F238E27FC236}">
+                <a16:creationId xmlns:a16="http://schemas.microsoft.com/office/drawing/2014/main" id="{090CF32D-38DE-2571-CCEE-94502195475D}"/>
+              </a:ext>
+            </a:extLst>
+          </p:cNvPr>
+          <p:cNvSpPr>
+            <a:spLocks noGrp="1"/>
+          </p:cNvSpPr>
+          <p:nvPr>
+            <p:ph type="sldNum" sz="quarter" idx="12"/>
+          </p:nvPr>
+        </p:nvSpPr>
+        <p:spPr/>
+        <p:txBody>
+          <a:bodyPr/>
+          <a:lstStyle/>
+          <a:p>
+            <a:fld id="{196A61CA-0502-4EE4-9724-96EA822543E5}" type="slidenum">
+              <a:rPr lang="en-US" smtClean="0"/>
+              <a:t>17</a:t>
+            </a:fld>
+            <a:endParaRPr lang="en-US" dirty="0"/>
+          </a:p>
+        </p:txBody>
+      </p:sp>
+    </p:spTree>
+    <p:extLst>
+      <p:ext uri="{BB962C8B-B14F-4D97-AF65-F5344CB8AC3E}">
+        <p14:creationId xmlns:p14="http://schemas.microsoft.com/office/powerpoint/2010/main" val="1759787335"/>
+      </p:ext>
+    </p:extLst>
+  </p:cSld>
+  <p:clrMapOvr>
+    <a:masterClrMapping/>
+  </p:clrMapOvr>
+</p:sld>
+</file>
+
+<file path=ppt/slides/slide18.xml><?xml version="1.0" encoding="utf-8"?>
+<p:sld xmlns:a="http://schemas.openxmlformats.org/drawingml/2006/main" xmlns:r="http://schemas.openxmlformats.org/officeDocument/2006/relationships" xmlns:p="http://schemas.openxmlformats.org/presentationml/2006/main">
+  <p:cSld>
+    <p:spTree>
+      <p:nvGrpSpPr>
+        <p:cNvPr id="1" name=""/>
+        <p:cNvGrpSpPr/>
+        <p:nvPr/>
+      </p:nvGrpSpPr>
+      <p:grpSpPr>
+        <a:xfrm>
+          <a:off x="0" y="0"/>
+          <a:ext cx="0" cy="0"/>
+          <a:chOff x="0" y="0"/>
+          <a:chExt cx="0" cy="0"/>
+        </a:xfrm>
+      </p:grpSpPr>
+      <p:sp>
+        <p:nvSpPr>
+          <p:cNvPr id="2" name="Título 1">
+            <a:extLst>
+              <a:ext uri="{FF2B5EF4-FFF2-40B4-BE49-F238E27FC236}">
+                <a16:creationId xmlns:a16="http://schemas.microsoft.com/office/drawing/2014/main" id="{BC8EA241-F782-9CCC-3ABF-DED86FF7F963}"/>
+              </a:ext>
+            </a:extLst>
+          </p:cNvPr>
+          <p:cNvSpPr>
+            <a:spLocks noGrp="1"/>
+          </p:cNvSpPr>
+          <p:nvPr>
+            <p:ph type="title"/>
+          </p:nvPr>
+        </p:nvSpPr>
+        <p:spPr/>
+        <p:txBody>
+          <a:bodyPr/>
+          <a:lstStyle/>
+          <a:p>
+            <a:r>
+              <a:rPr lang="pt-BR" dirty="0"/>
+              <a:t>Resultado da pesquisa</a:t>
+            </a:r>
+          </a:p>
+        </p:txBody>
+      </p:sp>
+      <p:pic>
+        <p:nvPicPr>
+          <p:cNvPr id="10" name="Espaço Reservado para Conteúdo 9">
+            <a:extLst>
+              <a:ext uri="{FF2B5EF4-FFF2-40B4-BE49-F238E27FC236}">
+                <a16:creationId xmlns:a16="http://schemas.microsoft.com/office/drawing/2014/main" id="{C278C488-EC92-2192-89B3-2B6F0FC36B66}"/>
+              </a:ext>
+            </a:extLst>
+          </p:cNvPr>
+          <p:cNvPicPr>
+            <a:picLocks noGrp="1" noChangeAspect="1"/>
+          </p:cNvPicPr>
+          <p:nvPr>
+            <p:ph idx="1"/>
+          </p:nvPr>
+        </p:nvPicPr>
+        <p:blipFill>
+          <a:blip r:embed="rId2"/>
+          <a:stretch>
+            <a:fillRect/>
+          </a:stretch>
+        </p:blipFill>
+        <p:spPr>
+          <a:xfrm>
+            <a:off x="2208844" y="2286000"/>
+            <a:ext cx="7680650" cy="3810000"/>
+          </a:xfrm>
+        </p:spPr>
+      </p:pic>
+      <p:sp>
+        <p:nvSpPr>
+          <p:cNvPr id="4" name="Espaço Reservado para Data 3">
+            <a:extLst>
+              <a:ext uri="{FF2B5EF4-FFF2-40B4-BE49-F238E27FC236}">
+                <a16:creationId xmlns:a16="http://schemas.microsoft.com/office/drawing/2014/main" id="{4043327A-6B06-E0EA-5571-9CFFBACFC8D4}"/>
+              </a:ext>
+            </a:extLst>
+          </p:cNvPr>
+          <p:cNvSpPr>
+            <a:spLocks noGrp="1"/>
+          </p:cNvSpPr>
+          <p:nvPr>
+            <p:ph type="dt" sz="half" idx="10"/>
+          </p:nvPr>
+        </p:nvSpPr>
+        <p:spPr/>
+        <p:txBody>
+          <a:bodyPr/>
+          <a:lstStyle/>
+          <a:p>
+            <a:fld id="{EB1A1CB6-624C-4F07-B4D8-0498C9E07D94}" type="datetime1">
+              <a:rPr lang="en-US" smtClean="0"/>
+              <a:t>5/3/2024</a:t>
+            </a:fld>
+            <a:endParaRPr lang="en-US" dirty="0"/>
+          </a:p>
+        </p:txBody>
+      </p:sp>
+      <p:sp>
+        <p:nvSpPr>
+          <p:cNvPr id="5" name="Espaço Reservado para Rodapé 4">
+            <a:extLst>
+              <a:ext uri="{FF2B5EF4-FFF2-40B4-BE49-F238E27FC236}">
+                <a16:creationId xmlns:a16="http://schemas.microsoft.com/office/drawing/2014/main" id="{6007B9D9-3301-ABF4-A0E2-992F4A89075C}"/>
+              </a:ext>
+            </a:extLst>
+          </p:cNvPr>
+          <p:cNvSpPr>
+            <a:spLocks noGrp="1"/>
+          </p:cNvSpPr>
+          <p:nvPr>
+            <p:ph type="ftr" sz="quarter" idx="11"/>
+          </p:nvPr>
+        </p:nvSpPr>
+        <p:spPr/>
+        <p:txBody>
+          <a:bodyPr/>
+          <a:lstStyle/>
+          <a:p>
+            <a:r>
+              <a:rPr lang="en-US"/>
+              <a:t>
+              </a:t>
+            </a:r>
+            <a:endParaRPr lang="en-US" dirty="0"/>
+          </a:p>
+        </p:txBody>
+      </p:sp>
+      <p:sp>
+        <p:nvSpPr>
+          <p:cNvPr id="6" name="Espaço Reservado para Número de Slide 5">
+            <a:extLst>
+              <a:ext uri="{FF2B5EF4-FFF2-40B4-BE49-F238E27FC236}">
+                <a16:creationId xmlns:a16="http://schemas.microsoft.com/office/drawing/2014/main" id="{A42B9929-F6C3-D681-DA90-271B341F4CC6}"/>
+              </a:ext>
+            </a:extLst>
+          </p:cNvPr>
+          <p:cNvSpPr>
+            <a:spLocks noGrp="1"/>
+          </p:cNvSpPr>
+          <p:nvPr>
+            <p:ph type="sldNum" sz="quarter" idx="12"/>
+          </p:nvPr>
+        </p:nvSpPr>
+        <p:spPr/>
+        <p:txBody>
+          <a:bodyPr/>
+          <a:lstStyle/>
+          <a:p>
+            <a:fld id="{196A61CA-0502-4EE4-9724-96EA822543E5}" type="slidenum">
+              <a:rPr lang="en-US" smtClean="0"/>
+              <a:t>18</a:t>
+            </a:fld>
+            <a:endParaRPr lang="en-US" dirty="0"/>
+          </a:p>
+        </p:txBody>
+      </p:sp>
+    </p:spTree>
+    <p:extLst>
+      <p:ext uri="{BB962C8B-B14F-4D97-AF65-F5344CB8AC3E}">
+        <p14:creationId xmlns:p14="http://schemas.microsoft.com/office/powerpoint/2010/main" val="863279509"/>
+      </p:ext>
+    </p:extLst>
+  </p:cSld>
+  <p:clrMapOvr>
+    <a:masterClrMapping/>
+  </p:clrMapOvr>
+</p:sld>
+</file>
+
+<file path=ppt/slides/slide19.xml><?xml version="1.0" encoding="utf-8"?>
+<p:sld xmlns:a="http://schemas.openxmlformats.org/drawingml/2006/main" xmlns:r="http://schemas.openxmlformats.org/officeDocument/2006/relationships" xmlns:p="http://schemas.openxmlformats.org/presentationml/2006/main">
+  <p:cSld>
+    <p:spTree>
+      <p:nvGrpSpPr>
+        <p:cNvPr id="1" name=""/>
+        <p:cNvGrpSpPr/>
+        <p:nvPr/>
+      </p:nvGrpSpPr>
+      <p:grpSpPr>
+        <a:xfrm>
+          <a:off x="0" y="0"/>
+          <a:ext cx="0" cy="0"/>
+          <a:chOff x="0" y="0"/>
+          <a:chExt cx="0" cy="0"/>
+        </a:xfrm>
+      </p:grpSpPr>
+      <p:sp>
+        <p:nvSpPr>
+          <p:cNvPr id="2" name="Título 1">
+            <a:extLst>
+              <a:ext uri="{FF2B5EF4-FFF2-40B4-BE49-F238E27FC236}">
+                <a16:creationId xmlns:a16="http://schemas.microsoft.com/office/drawing/2014/main" id="{189B26E3-9493-398E-F206-35E99443F1A5}"/>
+              </a:ext>
+            </a:extLst>
+          </p:cNvPr>
+          <p:cNvSpPr>
+            <a:spLocks noGrp="1"/>
+          </p:cNvSpPr>
+          <p:nvPr>
+            <p:ph type="title"/>
+          </p:nvPr>
+        </p:nvSpPr>
+        <p:spPr/>
+        <p:txBody>
+          <a:bodyPr/>
+          <a:lstStyle/>
+          <a:p>
+            <a:r>
+              <a:rPr lang="pt-BR" dirty="0"/>
+              <a:t>Adicionando item na base de conhecimento</a:t>
+            </a:r>
+          </a:p>
+        </p:txBody>
+      </p:sp>
+      <p:sp>
+        <p:nvSpPr>
+          <p:cNvPr id="4" name="Espaço Reservado para Data 3">
+            <a:extLst>
+              <a:ext uri="{FF2B5EF4-FFF2-40B4-BE49-F238E27FC236}">
+                <a16:creationId xmlns:a16="http://schemas.microsoft.com/office/drawing/2014/main" id="{08780DF5-F704-CB98-A00E-A25D2D237EF6}"/>
+              </a:ext>
+            </a:extLst>
+          </p:cNvPr>
+          <p:cNvSpPr>
+            <a:spLocks noGrp="1"/>
+          </p:cNvSpPr>
+          <p:nvPr>
+            <p:ph type="dt" sz="half" idx="10"/>
+          </p:nvPr>
+        </p:nvSpPr>
+        <p:spPr/>
+        <p:txBody>
+          <a:bodyPr/>
+          <a:lstStyle/>
+          <a:p>
+            <a:fld id="{E3FD2D72-FA72-41BD-BE3E-F3400DD7E83A}" type="datetime1">
+              <a:rPr lang="en-US" smtClean="0"/>
+              <a:t>5/3/2024</a:t>
+            </a:fld>
+            <a:endParaRPr lang="en-US" dirty="0"/>
+          </a:p>
+        </p:txBody>
+      </p:sp>
+      <p:sp>
+        <p:nvSpPr>
+          <p:cNvPr id="5" name="Espaço Reservado para Rodapé 4">
+            <a:extLst>
+              <a:ext uri="{FF2B5EF4-FFF2-40B4-BE49-F238E27FC236}">
+                <a16:creationId xmlns:a16="http://schemas.microsoft.com/office/drawing/2014/main" id="{D5C933BE-AE68-8239-55D6-13DE292DF5CA}"/>
+              </a:ext>
+            </a:extLst>
+          </p:cNvPr>
+          <p:cNvSpPr>
+            <a:spLocks noGrp="1"/>
+          </p:cNvSpPr>
+          <p:nvPr>
+            <p:ph type="ftr" sz="quarter" idx="11"/>
+          </p:nvPr>
+        </p:nvSpPr>
+        <p:spPr/>
+        <p:txBody>
+          <a:bodyPr/>
+          <a:lstStyle/>
+          <a:p>
+            <a:r>
+              <a:rPr lang="en-US"/>
+              <a:t>
+              </a:t>
+            </a:r>
+            <a:endParaRPr lang="en-US" dirty="0"/>
+          </a:p>
+        </p:txBody>
+      </p:sp>
+      <p:sp>
+        <p:nvSpPr>
+          <p:cNvPr id="6" name="Espaço Reservado para Número de Slide 5">
+            <a:extLst>
+              <a:ext uri="{FF2B5EF4-FFF2-40B4-BE49-F238E27FC236}">
+                <a16:creationId xmlns:a16="http://schemas.microsoft.com/office/drawing/2014/main" id="{018EE1BA-ED1B-49E3-CBEA-235509DA5B12}"/>
+              </a:ext>
+            </a:extLst>
+          </p:cNvPr>
+          <p:cNvSpPr>
+            <a:spLocks noGrp="1"/>
+          </p:cNvSpPr>
+          <p:nvPr>
+            <p:ph type="sldNum" sz="quarter" idx="12"/>
+          </p:nvPr>
+        </p:nvSpPr>
+        <p:spPr/>
+        <p:txBody>
+          <a:bodyPr/>
+          <a:lstStyle/>
+          <a:p>
+            <a:fld id="{196A61CA-0502-4EE4-9724-96EA822543E5}" type="slidenum">
+              <a:rPr lang="en-US" smtClean="0"/>
+              <a:t>19</a:t>
+            </a:fld>
+            <a:endParaRPr lang="en-US" dirty="0"/>
+          </a:p>
+        </p:txBody>
+      </p:sp>
+      <p:pic>
+        <p:nvPicPr>
+          <p:cNvPr id="12" name="Espaço Reservado para Conteúdo 11">
+            <a:extLst>
+              <a:ext uri="{FF2B5EF4-FFF2-40B4-BE49-F238E27FC236}">
+                <a16:creationId xmlns:a16="http://schemas.microsoft.com/office/drawing/2014/main" id="{AD9E09E8-2D18-2BF5-7E6C-0F0DBB0D2482}"/>
+              </a:ext>
+            </a:extLst>
+          </p:cNvPr>
+          <p:cNvPicPr>
+            <a:picLocks noGrp="1" noChangeAspect="1"/>
+          </p:cNvPicPr>
+          <p:nvPr>
+            <p:ph idx="1"/>
+          </p:nvPr>
+        </p:nvPicPr>
+        <p:blipFill>
+          <a:blip r:embed="rId2"/>
+          <a:stretch>
+            <a:fillRect/>
+          </a:stretch>
+        </p:blipFill>
+        <p:spPr>
+          <a:xfrm>
+            <a:off x="4790820" y="2286000"/>
+            <a:ext cx="2516697" cy="3810000"/>
+          </a:xfrm>
+        </p:spPr>
+      </p:pic>
+    </p:spTree>
+    <p:extLst>
+      <p:ext uri="{BB962C8B-B14F-4D97-AF65-F5344CB8AC3E}">
+        <p14:creationId xmlns:p14="http://schemas.microsoft.com/office/powerpoint/2010/main" val="351507024"/>
       </p:ext>
     </p:extLst>
   </p:cSld>
@@ -5616,7 +9527,12 @@
             <p:ph type="title"/>
           </p:nvPr>
         </p:nvSpPr>
-        <p:spPr/>
+        <p:spPr>
+          <a:xfrm>
+            <a:off x="1429566" y="451679"/>
+            <a:ext cx="9238434" cy="857559"/>
+          </a:xfrm>
+        </p:spPr>
         <p:txBody>
           <a:bodyPr/>
           <a:lstStyle/>
@@ -5646,37 +9562,34 @@
         </p:nvSpPr>
         <p:spPr/>
         <p:txBody>
-          <a:bodyPr/>
-          <a:lstStyle/>
-          <a:p>
-            <a:endParaRPr lang="en-US"/>
-          </a:p>
-        </p:txBody>
-      </p:sp>
-      <p:sp>
-        <p:nvSpPr>
-          <p:cNvPr id="4" name="Date Placeholder 3">
-            <a:extLst>
-              <a:ext uri="{FF2B5EF4-FFF2-40B4-BE49-F238E27FC236}">
-                <a16:creationId xmlns:a16="http://schemas.microsoft.com/office/drawing/2014/main" id="{2C32F960-7A86-0807-9442-76ADDA5215E9}"/>
-              </a:ext>
-            </a:extLst>
-          </p:cNvPr>
-          <p:cNvSpPr>
-            <a:spLocks noGrp="1"/>
-          </p:cNvSpPr>
-          <p:nvPr>
-            <p:ph type="dt" sz="half" idx="10"/>
-          </p:nvPr>
-        </p:nvSpPr>
-        <p:spPr/>
-        <p:txBody>
-          <a:bodyPr/>
-          <a:lstStyle/>
-          <a:p>
-            <a:fld id="{387908F9-605D-43E0-8C6C-4E810914D25A}" type="datetime1">
-              <a:t>5/2/2024</a:t>
-            </a:fld>
+          <a:bodyPr>
+            <a:normAutofit lnSpcReduction="10000"/>
+          </a:bodyPr>
+          <a:lstStyle/>
+          <a:p>
+            <a:r>
+              <a:rPr lang="pt-BR" dirty="0"/>
+              <a:t>A abordagem do raciocínio baseado em casos (RBC) é utilizada para resolver novos problemas adaptando soluções previamente aplicadas em problemas anteriores.</a:t>
+            </a:r>
+          </a:p>
+          <a:p>
+            <a:r>
+              <a:rPr lang="pt-BR" dirty="0"/>
+              <a:t>O método de RBC foi aplicado em previsão de custo de um carro com base nos parâmetros de marca, modelo, tipo de carroceria, cores interna e externa, odômetro, condição e ano, cada um com seus respectivos pesos.</a:t>
+            </a:r>
+            <a:endParaRPr lang="en-US" dirty="0"/>
+          </a:p>
+          <a:p>
+            <a:r>
+              <a:rPr lang="pt-BR" dirty="0"/>
+              <a:t>A base de dados original contém 550.298 itens únicos, que precisam passar por um processo de limpeza. </a:t>
+            </a:r>
+          </a:p>
+          <a:p>
+            <a:r>
+              <a:rPr lang="pt-BR" dirty="0"/>
+              <a:t>Para otimizar a execução do processo, foi selecionado um subconjunto que contêm 10% da base original, para criar uma versão menor e mais eficiente que será utilizada pelo aplicativo.</a:t>
+            </a:r>
             <a:endParaRPr lang="en-US" dirty="0"/>
           </a:p>
         </p:txBody>
@@ -5739,10 +9652,778 @@
           </a:p>
         </p:txBody>
       </p:sp>
+      <p:sp>
+        <p:nvSpPr>
+          <p:cNvPr id="7" name="Espaço Reservado para Data 3">
+            <a:extLst>
+              <a:ext uri="{FF2B5EF4-FFF2-40B4-BE49-F238E27FC236}">
+                <a16:creationId xmlns:a16="http://schemas.microsoft.com/office/drawing/2014/main" id="{F6A9BAF4-9E7F-48EB-53FA-451904A8CE9A}"/>
+              </a:ext>
+            </a:extLst>
+          </p:cNvPr>
+          <p:cNvSpPr>
+            <a:spLocks noGrp="1"/>
+          </p:cNvSpPr>
+          <p:nvPr>
+            <p:ph type="dt" sz="half" idx="10"/>
+          </p:nvPr>
+        </p:nvSpPr>
+        <p:spPr>
+          <a:xfrm rot="5400000">
+            <a:off x="10471087" y="4891318"/>
+            <a:ext cx="2673295" cy="365125"/>
+          </a:xfrm>
+        </p:spPr>
+        <p:txBody>
+          <a:bodyPr/>
+          <a:lstStyle/>
+          <a:p>
+            <a:fld id="{B2814D4F-FBF9-409A-9A8E-436AB60AFD27}" type="datetime1">
+              <a:rPr lang="en-US" smtClean="0"/>
+              <a:t>5/3/2024</a:t>
+            </a:fld>
+            <a:endParaRPr lang="en-US" dirty="0"/>
+          </a:p>
+        </p:txBody>
+      </p:sp>
     </p:spTree>
     <p:extLst>
       <p:ext uri="{BB962C8B-B14F-4D97-AF65-F5344CB8AC3E}">
         <p14:creationId xmlns:p14="http://schemas.microsoft.com/office/powerpoint/2010/main" val="364694269"/>
+      </p:ext>
+    </p:extLst>
+  </p:cSld>
+  <p:clrMapOvr>
+    <a:masterClrMapping/>
+  </p:clrMapOvr>
+</p:sld>
+</file>
+
+<file path=ppt/slides/slide20.xml><?xml version="1.0" encoding="utf-8"?>
+<p:sld xmlns:a="http://schemas.openxmlformats.org/drawingml/2006/main" xmlns:r="http://schemas.openxmlformats.org/officeDocument/2006/relationships" xmlns:p="http://schemas.openxmlformats.org/presentationml/2006/main">
+  <p:cSld>
+    <p:spTree>
+      <p:nvGrpSpPr>
+        <p:cNvPr id="1" name=""/>
+        <p:cNvGrpSpPr/>
+        <p:nvPr/>
+      </p:nvGrpSpPr>
+      <p:grpSpPr>
+        <a:xfrm>
+          <a:off x="0" y="0"/>
+          <a:ext cx="0" cy="0"/>
+          <a:chOff x="0" y="0"/>
+          <a:chExt cx="0" cy="0"/>
+        </a:xfrm>
+      </p:grpSpPr>
+      <p:sp>
+        <p:nvSpPr>
+          <p:cNvPr id="2" name="Título 1">
+            <a:extLst>
+              <a:ext uri="{FF2B5EF4-FFF2-40B4-BE49-F238E27FC236}">
+                <a16:creationId xmlns:a16="http://schemas.microsoft.com/office/drawing/2014/main" id="{673C6EB1-2033-A63D-2E6A-B20740FD8EDF}"/>
+              </a:ext>
+            </a:extLst>
+          </p:cNvPr>
+          <p:cNvSpPr>
+            <a:spLocks noGrp="1"/>
+          </p:cNvSpPr>
+          <p:nvPr>
+            <p:ph type="title"/>
+          </p:nvPr>
+        </p:nvSpPr>
+        <p:spPr/>
+        <p:txBody>
+          <a:bodyPr/>
+          <a:lstStyle/>
+          <a:p>
+            <a:r>
+              <a:rPr lang="pt-BR" dirty="0"/>
+              <a:t>pesquisa do item adicionado</a:t>
+            </a:r>
+          </a:p>
+        </p:txBody>
+      </p:sp>
+      <p:sp>
+        <p:nvSpPr>
+          <p:cNvPr id="4" name="Espaço Reservado para Data 3">
+            <a:extLst>
+              <a:ext uri="{FF2B5EF4-FFF2-40B4-BE49-F238E27FC236}">
+                <a16:creationId xmlns:a16="http://schemas.microsoft.com/office/drawing/2014/main" id="{BC91FC09-BB6B-EDCD-781A-31D8D2C4FA12}"/>
+              </a:ext>
+            </a:extLst>
+          </p:cNvPr>
+          <p:cNvSpPr>
+            <a:spLocks noGrp="1"/>
+          </p:cNvSpPr>
+          <p:nvPr>
+            <p:ph type="dt" sz="half" idx="10"/>
+          </p:nvPr>
+        </p:nvSpPr>
+        <p:spPr/>
+        <p:txBody>
+          <a:bodyPr/>
+          <a:lstStyle/>
+          <a:p>
+            <a:fld id="{77D6D366-CCE5-4F3E-B59A-98830C324B1B}" type="datetime1">
+              <a:rPr lang="en-US" smtClean="0"/>
+              <a:t>5/3/2024</a:t>
+            </a:fld>
+            <a:endParaRPr lang="en-US" dirty="0"/>
+          </a:p>
+        </p:txBody>
+      </p:sp>
+      <p:sp>
+        <p:nvSpPr>
+          <p:cNvPr id="5" name="Espaço Reservado para Rodapé 4">
+            <a:extLst>
+              <a:ext uri="{FF2B5EF4-FFF2-40B4-BE49-F238E27FC236}">
+                <a16:creationId xmlns:a16="http://schemas.microsoft.com/office/drawing/2014/main" id="{11648415-B4C7-92D5-D961-A5C46DC8B952}"/>
+              </a:ext>
+            </a:extLst>
+          </p:cNvPr>
+          <p:cNvSpPr>
+            <a:spLocks noGrp="1"/>
+          </p:cNvSpPr>
+          <p:nvPr>
+            <p:ph type="ftr" sz="quarter" idx="11"/>
+          </p:nvPr>
+        </p:nvSpPr>
+        <p:spPr/>
+        <p:txBody>
+          <a:bodyPr/>
+          <a:lstStyle/>
+          <a:p>
+            <a:r>
+              <a:rPr lang="en-US"/>
+              <a:t>
+              </a:t>
+            </a:r>
+            <a:endParaRPr lang="en-US" dirty="0"/>
+          </a:p>
+        </p:txBody>
+      </p:sp>
+      <p:sp>
+        <p:nvSpPr>
+          <p:cNvPr id="6" name="Espaço Reservado para Número de Slide 5">
+            <a:extLst>
+              <a:ext uri="{FF2B5EF4-FFF2-40B4-BE49-F238E27FC236}">
+                <a16:creationId xmlns:a16="http://schemas.microsoft.com/office/drawing/2014/main" id="{470FAF2C-9201-F382-8D9B-335C19811780}"/>
+              </a:ext>
+            </a:extLst>
+          </p:cNvPr>
+          <p:cNvSpPr>
+            <a:spLocks noGrp="1"/>
+          </p:cNvSpPr>
+          <p:nvPr>
+            <p:ph type="sldNum" sz="quarter" idx="12"/>
+          </p:nvPr>
+        </p:nvSpPr>
+        <p:spPr/>
+        <p:txBody>
+          <a:bodyPr/>
+          <a:lstStyle/>
+          <a:p>
+            <a:fld id="{196A61CA-0502-4EE4-9724-96EA822543E5}" type="slidenum">
+              <a:rPr lang="en-US" smtClean="0"/>
+              <a:t>20</a:t>
+            </a:fld>
+            <a:endParaRPr lang="en-US" dirty="0"/>
+          </a:p>
+        </p:txBody>
+      </p:sp>
+      <p:pic>
+        <p:nvPicPr>
+          <p:cNvPr id="12" name="Espaço Reservado para Conteúdo 11">
+            <a:extLst>
+              <a:ext uri="{FF2B5EF4-FFF2-40B4-BE49-F238E27FC236}">
+                <a16:creationId xmlns:a16="http://schemas.microsoft.com/office/drawing/2014/main" id="{1183C454-F98D-6ACD-A062-E620A65B93E0}"/>
+              </a:ext>
+            </a:extLst>
+          </p:cNvPr>
+          <p:cNvPicPr>
+            <a:picLocks noGrp="1" noChangeAspect="1"/>
+          </p:cNvPicPr>
+          <p:nvPr>
+            <p:ph idx="1"/>
+          </p:nvPr>
+        </p:nvPicPr>
+        <p:blipFill>
+          <a:blip r:embed="rId2"/>
+          <a:stretch>
+            <a:fillRect/>
+          </a:stretch>
+        </p:blipFill>
+        <p:spPr>
+          <a:xfrm>
+            <a:off x="4348519" y="2286000"/>
+            <a:ext cx="3401299" cy="3810000"/>
+          </a:xfrm>
+        </p:spPr>
+      </p:pic>
+    </p:spTree>
+    <p:extLst>
+      <p:ext uri="{BB962C8B-B14F-4D97-AF65-F5344CB8AC3E}">
+        <p14:creationId xmlns:p14="http://schemas.microsoft.com/office/powerpoint/2010/main" val="1339687849"/>
+      </p:ext>
+    </p:extLst>
+  </p:cSld>
+  <p:clrMapOvr>
+    <a:masterClrMapping/>
+  </p:clrMapOvr>
+</p:sld>
+</file>
+
+<file path=ppt/slides/slide21.xml><?xml version="1.0" encoding="utf-8"?>
+<p:sld xmlns:a="http://schemas.openxmlformats.org/drawingml/2006/main" xmlns:r="http://schemas.openxmlformats.org/officeDocument/2006/relationships" xmlns:p="http://schemas.openxmlformats.org/presentationml/2006/main">
+  <p:cSld>
+    <p:spTree>
+      <p:nvGrpSpPr>
+        <p:cNvPr id="1" name=""/>
+        <p:cNvGrpSpPr/>
+        <p:nvPr/>
+      </p:nvGrpSpPr>
+      <p:grpSpPr>
+        <a:xfrm>
+          <a:off x="0" y="0"/>
+          <a:ext cx="0" cy="0"/>
+          <a:chOff x="0" y="0"/>
+          <a:chExt cx="0" cy="0"/>
+        </a:xfrm>
+      </p:grpSpPr>
+      <p:sp>
+        <p:nvSpPr>
+          <p:cNvPr id="2" name="Título 1">
+            <a:extLst>
+              <a:ext uri="{FF2B5EF4-FFF2-40B4-BE49-F238E27FC236}">
+                <a16:creationId xmlns:a16="http://schemas.microsoft.com/office/drawing/2014/main" id="{A039C86A-BBC5-EFB4-672B-25684176E5C8}"/>
+              </a:ext>
+            </a:extLst>
+          </p:cNvPr>
+          <p:cNvSpPr>
+            <a:spLocks noGrp="1"/>
+          </p:cNvSpPr>
+          <p:nvPr>
+            <p:ph type="title"/>
+          </p:nvPr>
+        </p:nvSpPr>
+        <p:spPr/>
+        <p:txBody>
+          <a:bodyPr/>
+          <a:lstStyle/>
+          <a:p>
+            <a:r>
+              <a:rPr lang="pt-BR" dirty="0"/>
+              <a:t>Resultado da pesquisa</a:t>
+            </a:r>
+          </a:p>
+        </p:txBody>
+      </p:sp>
+      <p:pic>
+        <p:nvPicPr>
+          <p:cNvPr id="10" name="Espaço Reservado para Conteúdo 9">
+            <a:extLst>
+              <a:ext uri="{FF2B5EF4-FFF2-40B4-BE49-F238E27FC236}">
+                <a16:creationId xmlns:a16="http://schemas.microsoft.com/office/drawing/2014/main" id="{42A5F0A2-2EE9-ED93-BB29-5D4557CB1583}"/>
+              </a:ext>
+            </a:extLst>
+          </p:cNvPr>
+          <p:cNvPicPr>
+            <a:picLocks noGrp="1" noChangeAspect="1"/>
+          </p:cNvPicPr>
+          <p:nvPr>
+            <p:ph idx="1"/>
+          </p:nvPr>
+        </p:nvPicPr>
+        <p:blipFill>
+          <a:blip r:embed="rId2"/>
+          <a:stretch>
+            <a:fillRect/>
+          </a:stretch>
+        </p:blipFill>
+        <p:spPr>
+          <a:xfrm>
+            <a:off x="2403651" y="2286000"/>
+            <a:ext cx="7291036" cy="3810000"/>
+          </a:xfrm>
+        </p:spPr>
+      </p:pic>
+      <p:sp>
+        <p:nvSpPr>
+          <p:cNvPr id="4" name="Espaço Reservado para Data 3">
+            <a:extLst>
+              <a:ext uri="{FF2B5EF4-FFF2-40B4-BE49-F238E27FC236}">
+                <a16:creationId xmlns:a16="http://schemas.microsoft.com/office/drawing/2014/main" id="{4B951F61-1951-93FF-070C-D2CA1403532E}"/>
+              </a:ext>
+            </a:extLst>
+          </p:cNvPr>
+          <p:cNvSpPr>
+            <a:spLocks noGrp="1"/>
+          </p:cNvSpPr>
+          <p:nvPr>
+            <p:ph type="dt" sz="half" idx="10"/>
+          </p:nvPr>
+        </p:nvSpPr>
+        <p:spPr/>
+        <p:txBody>
+          <a:bodyPr/>
+          <a:lstStyle/>
+          <a:p>
+            <a:fld id="{6D01A19C-1B45-4CDA-A8F6-1EB6F79D8E4A}" type="datetime1">
+              <a:rPr lang="en-US" smtClean="0"/>
+              <a:t>5/3/2024</a:t>
+            </a:fld>
+            <a:endParaRPr lang="en-US" dirty="0"/>
+          </a:p>
+        </p:txBody>
+      </p:sp>
+      <p:sp>
+        <p:nvSpPr>
+          <p:cNvPr id="5" name="Espaço Reservado para Rodapé 4">
+            <a:extLst>
+              <a:ext uri="{FF2B5EF4-FFF2-40B4-BE49-F238E27FC236}">
+                <a16:creationId xmlns:a16="http://schemas.microsoft.com/office/drawing/2014/main" id="{5E429D14-FC16-D462-FCE5-5A96AA6D0E61}"/>
+              </a:ext>
+            </a:extLst>
+          </p:cNvPr>
+          <p:cNvSpPr>
+            <a:spLocks noGrp="1"/>
+          </p:cNvSpPr>
+          <p:nvPr>
+            <p:ph type="ftr" sz="quarter" idx="11"/>
+          </p:nvPr>
+        </p:nvSpPr>
+        <p:spPr/>
+        <p:txBody>
+          <a:bodyPr/>
+          <a:lstStyle/>
+          <a:p>
+            <a:r>
+              <a:rPr lang="en-US"/>
+              <a:t>
+              </a:t>
+            </a:r>
+            <a:endParaRPr lang="en-US" dirty="0"/>
+          </a:p>
+        </p:txBody>
+      </p:sp>
+      <p:sp>
+        <p:nvSpPr>
+          <p:cNvPr id="6" name="Espaço Reservado para Número de Slide 5">
+            <a:extLst>
+              <a:ext uri="{FF2B5EF4-FFF2-40B4-BE49-F238E27FC236}">
+                <a16:creationId xmlns:a16="http://schemas.microsoft.com/office/drawing/2014/main" id="{E0F71D69-CFC0-E0B6-61B7-BF5290193B9B}"/>
+              </a:ext>
+            </a:extLst>
+          </p:cNvPr>
+          <p:cNvSpPr>
+            <a:spLocks noGrp="1"/>
+          </p:cNvSpPr>
+          <p:nvPr>
+            <p:ph type="sldNum" sz="quarter" idx="12"/>
+          </p:nvPr>
+        </p:nvSpPr>
+        <p:spPr/>
+        <p:txBody>
+          <a:bodyPr/>
+          <a:lstStyle/>
+          <a:p>
+            <a:fld id="{196A61CA-0502-4EE4-9724-96EA822543E5}" type="slidenum">
+              <a:rPr lang="en-US" smtClean="0"/>
+              <a:t>21</a:t>
+            </a:fld>
+            <a:endParaRPr lang="en-US" dirty="0"/>
+          </a:p>
+        </p:txBody>
+      </p:sp>
+    </p:spTree>
+    <p:extLst>
+      <p:ext uri="{BB962C8B-B14F-4D97-AF65-F5344CB8AC3E}">
+        <p14:creationId xmlns:p14="http://schemas.microsoft.com/office/powerpoint/2010/main" val="1741882759"/>
+      </p:ext>
+    </p:extLst>
+  </p:cSld>
+  <p:clrMapOvr>
+    <a:masterClrMapping/>
+  </p:clrMapOvr>
+</p:sld>
+</file>
+
+<file path=ppt/slides/slide22.xml><?xml version="1.0" encoding="utf-8"?>
+<p:sld xmlns:a="http://schemas.openxmlformats.org/drawingml/2006/main" xmlns:r="http://schemas.openxmlformats.org/officeDocument/2006/relationships" xmlns:p="http://schemas.openxmlformats.org/presentationml/2006/main">
+  <p:cSld>
+    <p:spTree>
+      <p:nvGrpSpPr>
+        <p:cNvPr id="1" name=""/>
+        <p:cNvGrpSpPr/>
+        <p:nvPr/>
+      </p:nvGrpSpPr>
+      <p:grpSpPr>
+        <a:xfrm>
+          <a:off x="0" y="0"/>
+          <a:ext cx="0" cy="0"/>
+          <a:chOff x="0" y="0"/>
+          <a:chExt cx="0" cy="0"/>
+        </a:xfrm>
+      </p:grpSpPr>
+      <p:sp>
+        <p:nvSpPr>
+          <p:cNvPr id="2" name="Título 1">
+            <a:extLst>
+              <a:ext uri="{FF2B5EF4-FFF2-40B4-BE49-F238E27FC236}">
+                <a16:creationId xmlns:a16="http://schemas.microsoft.com/office/drawing/2014/main" id="{FEA94190-6E03-DDF7-F11C-41C824ED762A}"/>
+              </a:ext>
+            </a:extLst>
+          </p:cNvPr>
+          <p:cNvSpPr>
+            <a:spLocks noGrp="1"/>
+          </p:cNvSpPr>
+          <p:nvPr>
+            <p:ph type="title"/>
+          </p:nvPr>
+        </p:nvSpPr>
+        <p:spPr/>
+        <p:txBody>
+          <a:bodyPr/>
+          <a:lstStyle/>
+          <a:p>
+            <a:r>
+              <a:rPr lang="pt-BR" dirty="0"/>
+              <a:t>Referências bibliográficas</a:t>
+            </a:r>
+          </a:p>
+        </p:txBody>
+      </p:sp>
+      <p:sp>
+        <p:nvSpPr>
+          <p:cNvPr id="3" name="Espaço Reservado para Conteúdo 2">
+            <a:extLst>
+              <a:ext uri="{FF2B5EF4-FFF2-40B4-BE49-F238E27FC236}">
+                <a16:creationId xmlns:a16="http://schemas.microsoft.com/office/drawing/2014/main" id="{2C626CF1-6559-E505-DC05-055A6B7876B7}"/>
+              </a:ext>
+            </a:extLst>
+          </p:cNvPr>
+          <p:cNvSpPr>
+            <a:spLocks noGrp="1"/>
+          </p:cNvSpPr>
+          <p:nvPr>
+            <p:ph idx="1"/>
+          </p:nvPr>
+        </p:nvSpPr>
+        <p:spPr/>
+        <p:txBody>
+          <a:bodyPr/>
+          <a:lstStyle/>
+          <a:p>
+            <a:r>
+              <a:rPr lang="pt-BR" dirty="0"/>
+              <a:t>WIKIPEDIA CONTRIBUTORS. Case-</a:t>
+            </a:r>
+            <a:r>
+              <a:rPr lang="pt-BR" dirty="0" err="1"/>
+              <a:t>based</a:t>
+            </a:r>
+            <a:r>
+              <a:rPr lang="pt-BR" dirty="0"/>
+              <a:t> </a:t>
+            </a:r>
+            <a:r>
+              <a:rPr lang="pt-BR" dirty="0" err="1"/>
+              <a:t>reasoning</a:t>
+            </a:r>
+            <a:r>
+              <a:rPr lang="pt-BR" dirty="0"/>
+              <a:t>. Disponível em: &lt;https://en.wikipedia.org/wiki/Case-</a:t>
+            </a:r>
+            <a:r>
+              <a:rPr lang="pt-BR" dirty="0" err="1"/>
+              <a:t>based_reasoning</a:t>
+            </a:r>
+            <a:r>
+              <a:rPr lang="pt-BR" dirty="0"/>
+              <a:t>&gt;.</a:t>
+            </a:r>
+          </a:p>
+          <a:p>
+            <a:endParaRPr lang="pt-BR" dirty="0"/>
+          </a:p>
+          <a:p>
+            <a:r>
+              <a:rPr lang="pt-BR" dirty="0"/>
+              <a:t>‌Vehicle Sales Data. Disponível em: &lt;https://www.kaggle.com/</a:t>
+            </a:r>
+            <a:r>
+              <a:rPr lang="pt-BR" dirty="0" err="1"/>
+              <a:t>datasets</a:t>
+            </a:r>
+            <a:r>
+              <a:rPr lang="pt-BR" dirty="0"/>
+              <a:t>/</a:t>
+            </a:r>
+            <a:r>
+              <a:rPr lang="pt-BR" dirty="0" err="1"/>
+              <a:t>syedanwarafridi</a:t>
+            </a:r>
+            <a:r>
+              <a:rPr lang="pt-BR" dirty="0"/>
+              <a:t>/</a:t>
+            </a:r>
+            <a:r>
+              <a:rPr lang="pt-BR" dirty="0" err="1"/>
+              <a:t>vehicle</a:t>
+            </a:r>
+            <a:r>
+              <a:rPr lang="pt-BR" dirty="0"/>
+              <a:t>-</a:t>
+            </a:r>
+            <a:r>
+              <a:rPr lang="pt-BR" dirty="0" err="1"/>
+              <a:t>sales</a:t>
+            </a:r>
+            <a:r>
+              <a:rPr lang="pt-BR" dirty="0"/>
+              <a:t>-data&gt;.</a:t>
+            </a:r>
+          </a:p>
+        </p:txBody>
+      </p:sp>
+      <p:sp>
+        <p:nvSpPr>
+          <p:cNvPr id="4" name="Espaço Reservado para Data 3">
+            <a:extLst>
+              <a:ext uri="{FF2B5EF4-FFF2-40B4-BE49-F238E27FC236}">
+                <a16:creationId xmlns:a16="http://schemas.microsoft.com/office/drawing/2014/main" id="{FB0A04BF-AA0A-5A2E-567F-C5D987C200F3}"/>
+              </a:ext>
+            </a:extLst>
+          </p:cNvPr>
+          <p:cNvSpPr>
+            <a:spLocks noGrp="1"/>
+          </p:cNvSpPr>
+          <p:nvPr>
+            <p:ph type="dt" sz="half" idx="10"/>
+          </p:nvPr>
+        </p:nvSpPr>
+        <p:spPr/>
+        <p:txBody>
+          <a:bodyPr/>
+          <a:lstStyle/>
+          <a:p>
+            <a:fld id="{4A91BE61-09D5-44CB-9BBB-317B84473F49}" type="datetime1">
+              <a:rPr lang="en-US" smtClean="0"/>
+              <a:t>5/3/2024</a:t>
+            </a:fld>
+            <a:endParaRPr lang="en-US" dirty="0"/>
+          </a:p>
+        </p:txBody>
+      </p:sp>
+      <p:sp>
+        <p:nvSpPr>
+          <p:cNvPr id="5" name="Espaço Reservado para Rodapé 4">
+            <a:extLst>
+              <a:ext uri="{FF2B5EF4-FFF2-40B4-BE49-F238E27FC236}">
+                <a16:creationId xmlns:a16="http://schemas.microsoft.com/office/drawing/2014/main" id="{C1915F26-ACE7-453F-E20B-7DE44EA48577}"/>
+              </a:ext>
+            </a:extLst>
+          </p:cNvPr>
+          <p:cNvSpPr>
+            <a:spLocks noGrp="1"/>
+          </p:cNvSpPr>
+          <p:nvPr>
+            <p:ph type="ftr" sz="quarter" idx="11"/>
+          </p:nvPr>
+        </p:nvSpPr>
+        <p:spPr/>
+        <p:txBody>
+          <a:bodyPr/>
+          <a:lstStyle/>
+          <a:p>
+            <a:r>
+              <a:rPr lang="en-US"/>
+              <a:t>
+              </a:t>
+            </a:r>
+            <a:endParaRPr lang="en-US" dirty="0"/>
+          </a:p>
+        </p:txBody>
+      </p:sp>
+      <p:sp>
+        <p:nvSpPr>
+          <p:cNvPr id="6" name="Espaço Reservado para Número de Slide 5">
+            <a:extLst>
+              <a:ext uri="{FF2B5EF4-FFF2-40B4-BE49-F238E27FC236}">
+                <a16:creationId xmlns:a16="http://schemas.microsoft.com/office/drawing/2014/main" id="{C2726709-EFC3-5E8A-5CBD-2324A32CC59C}"/>
+              </a:ext>
+            </a:extLst>
+          </p:cNvPr>
+          <p:cNvSpPr>
+            <a:spLocks noGrp="1"/>
+          </p:cNvSpPr>
+          <p:nvPr>
+            <p:ph type="sldNum" sz="quarter" idx="12"/>
+          </p:nvPr>
+        </p:nvSpPr>
+        <p:spPr/>
+        <p:txBody>
+          <a:bodyPr/>
+          <a:lstStyle/>
+          <a:p>
+            <a:fld id="{196A61CA-0502-4EE4-9724-96EA822543E5}" type="slidenum">
+              <a:rPr lang="en-US" smtClean="0"/>
+              <a:t>22</a:t>
+            </a:fld>
+            <a:endParaRPr lang="en-US" dirty="0"/>
+          </a:p>
+        </p:txBody>
+      </p:sp>
+    </p:spTree>
+    <p:extLst>
+      <p:ext uri="{BB962C8B-B14F-4D97-AF65-F5344CB8AC3E}">
+        <p14:creationId xmlns:p14="http://schemas.microsoft.com/office/powerpoint/2010/main" val="3945981002"/>
+      </p:ext>
+    </p:extLst>
+  </p:cSld>
+  <p:clrMapOvr>
+    <a:masterClrMapping/>
+  </p:clrMapOvr>
+</p:sld>
+</file>
+
+<file path=ppt/slides/slide23.xml><?xml version="1.0" encoding="utf-8"?>
+<p:sld xmlns:a="http://schemas.openxmlformats.org/drawingml/2006/main" xmlns:r="http://schemas.openxmlformats.org/officeDocument/2006/relationships" xmlns:p="http://schemas.openxmlformats.org/presentationml/2006/main">
+  <p:cSld>
+    <p:spTree>
+      <p:nvGrpSpPr>
+        <p:cNvPr id="1" name=""/>
+        <p:cNvGrpSpPr/>
+        <p:nvPr/>
+      </p:nvGrpSpPr>
+      <p:grpSpPr>
+        <a:xfrm>
+          <a:off x="0" y="0"/>
+          <a:ext cx="0" cy="0"/>
+          <a:chOff x="0" y="0"/>
+          <a:chExt cx="0" cy="0"/>
+        </a:xfrm>
+      </p:grpSpPr>
+      <p:sp>
+        <p:nvSpPr>
+          <p:cNvPr id="2" name="Title 1">
+            <a:extLst>
+              <a:ext uri="{FF2B5EF4-FFF2-40B4-BE49-F238E27FC236}">
+                <a16:creationId xmlns:a16="http://schemas.microsoft.com/office/drawing/2014/main" id="{FDF2BD14-0B4A-0C93-816D-C03CAF78FBC7}"/>
+              </a:ext>
+            </a:extLst>
+          </p:cNvPr>
+          <p:cNvSpPr>
+            <a:spLocks noGrp="1"/>
+          </p:cNvSpPr>
+          <p:nvPr>
+            <p:ph type="title"/>
+          </p:nvPr>
+        </p:nvSpPr>
+        <p:spPr/>
+        <p:txBody>
+          <a:bodyPr/>
+          <a:lstStyle/>
+          <a:p>
+            <a:r>
+              <a:rPr lang="en-US" dirty="0"/>
+              <a:t>OBRIGADO</a:t>
+            </a:r>
+          </a:p>
+        </p:txBody>
+      </p:sp>
+      <p:sp>
+        <p:nvSpPr>
+          <p:cNvPr id="4" name="Date Placeholder 3">
+            <a:extLst>
+              <a:ext uri="{FF2B5EF4-FFF2-40B4-BE49-F238E27FC236}">
+                <a16:creationId xmlns:a16="http://schemas.microsoft.com/office/drawing/2014/main" id="{34B092BE-6242-5782-01FE-8C66120557EA}"/>
+              </a:ext>
+            </a:extLst>
+          </p:cNvPr>
+          <p:cNvSpPr>
+            <a:spLocks noGrp="1"/>
+          </p:cNvSpPr>
+          <p:nvPr>
+            <p:ph type="dt" sz="half" idx="10"/>
+          </p:nvPr>
+        </p:nvSpPr>
+        <p:spPr/>
+        <p:txBody>
+          <a:bodyPr/>
+          <a:lstStyle/>
+          <a:p>
+            <a:fld id="{6BD6B142-A755-47C1-97A4-9D43DE985D08}" type="datetime1">
+              <a:rPr lang="pt-BR"/>
+              <a:t>03/05/2024</a:t>
+            </a:fld>
+            <a:endParaRPr lang="en-US" dirty="0"/>
+          </a:p>
+        </p:txBody>
+      </p:sp>
+      <p:sp>
+        <p:nvSpPr>
+          <p:cNvPr id="5" name="Footer Placeholder 4">
+            <a:extLst>
+              <a:ext uri="{FF2B5EF4-FFF2-40B4-BE49-F238E27FC236}">
+                <a16:creationId xmlns:a16="http://schemas.microsoft.com/office/drawing/2014/main" id="{E5E09931-7611-9B28-1DDC-C87C6C12C112}"/>
+              </a:ext>
+            </a:extLst>
+          </p:cNvPr>
+          <p:cNvSpPr>
+            <a:spLocks noGrp="1"/>
+          </p:cNvSpPr>
+          <p:nvPr>
+            <p:ph type="ftr" sz="quarter" idx="11"/>
+          </p:nvPr>
+        </p:nvSpPr>
+        <p:spPr/>
+        <p:txBody>
+          <a:bodyPr/>
+          <a:lstStyle/>
+          <a:p>
+            <a:r>
+              <a:rPr lang="en-US" dirty="0"/>
+              <a:t>
+              </a:t>
+            </a:r>
+          </a:p>
+        </p:txBody>
+      </p:sp>
+      <p:sp>
+        <p:nvSpPr>
+          <p:cNvPr id="6" name="Slide Number Placeholder 5">
+            <a:extLst>
+              <a:ext uri="{FF2B5EF4-FFF2-40B4-BE49-F238E27FC236}">
+                <a16:creationId xmlns:a16="http://schemas.microsoft.com/office/drawing/2014/main" id="{619E5A1C-713A-D353-49FE-D0410B3E7672}"/>
+              </a:ext>
+            </a:extLst>
+          </p:cNvPr>
+          <p:cNvSpPr>
+            <a:spLocks noGrp="1"/>
+          </p:cNvSpPr>
+          <p:nvPr>
+            <p:ph type="sldNum" sz="quarter" idx="12"/>
+          </p:nvPr>
+        </p:nvSpPr>
+        <p:spPr/>
+        <p:txBody>
+          <a:bodyPr/>
+          <a:lstStyle/>
+          <a:p>
+            <a:fld id="{196A61CA-0502-4EE4-9724-96EA822543E5}" type="slidenum">
+              <a:rPr lang="en-US" dirty="0"/>
+              <a:t>23</a:t>
+            </a:fld>
+            <a:endParaRPr lang="en-US" dirty="0"/>
+          </a:p>
+        </p:txBody>
+      </p:sp>
+    </p:spTree>
+    <p:extLst>
+      <p:ext uri="{BB962C8B-B14F-4D97-AF65-F5344CB8AC3E}">
+        <p14:creationId xmlns:p14="http://schemas.microsoft.com/office/powerpoint/2010/main" val="3310437117"/>
       </p:ext>
     </p:extLst>
   </p:cSld>
@@ -5771,10 +10452,10 @@
       </p:grpSpPr>
       <p:sp>
         <p:nvSpPr>
-          <p:cNvPr id="2" name="Title 1">
-            <a:extLst>
-              <a:ext uri="{FF2B5EF4-FFF2-40B4-BE49-F238E27FC236}">
-                <a16:creationId xmlns:a16="http://schemas.microsoft.com/office/drawing/2014/main" id="{CB9C7723-C8FC-CFFC-DA32-26E03C9EC013}"/>
+          <p:cNvPr id="2" name="Título 1">
+            <a:extLst>
+              <a:ext uri="{FF2B5EF4-FFF2-40B4-BE49-F238E27FC236}">
+                <a16:creationId xmlns:a16="http://schemas.microsoft.com/office/drawing/2014/main" id="{27A188B1-B171-7664-D9D7-2260B4FDFB23}"/>
               </a:ext>
             </a:extLst>
           </p:cNvPr>
@@ -5785,66 +10466,77 @@
             <p:ph type="title"/>
           </p:nvPr>
         </p:nvSpPr>
+        <p:spPr>
+          <a:xfrm>
+            <a:off x="1429951" y="457742"/>
+            <a:ext cx="9238434" cy="857559"/>
+          </a:xfrm>
+        </p:spPr>
+        <p:txBody>
+          <a:bodyPr/>
+          <a:lstStyle/>
+          <a:p>
+            <a:r>
+              <a:rPr lang="pt-BR" dirty="0"/>
+              <a:t>Agrupando dados em categorias gerais</a:t>
+            </a:r>
+            <a:endParaRPr lang="pt-BR" i="1" dirty="0"/>
+          </a:p>
+        </p:txBody>
+      </p:sp>
+      <p:pic>
+        <p:nvPicPr>
+          <p:cNvPr id="12" name="Espaço Reservado para Conteúdo 11">
+            <a:extLst>
+              <a:ext uri="{FF2B5EF4-FFF2-40B4-BE49-F238E27FC236}">
+                <a16:creationId xmlns:a16="http://schemas.microsoft.com/office/drawing/2014/main" id="{F8B6E090-6C89-3992-B209-27A53F1EDDE9}"/>
+              </a:ext>
+            </a:extLst>
+          </p:cNvPr>
+          <p:cNvPicPr>
+            <a:picLocks noGrp="1" noChangeAspect="1"/>
+          </p:cNvPicPr>
+          <p:nvPr>
+            <p:ph idx="1"/>
+          </p:nvPr>
+        </p:nvPicPr>
+        <p:blipFill>
+          <a:blip r:embed="rId2"/>
+          <a:stretch>
+            <a:fillRect/>
+          </a:stretch>
+        </p:blipFill>
+        <p:spPr>
+          <a:xfrm>
+            <a:off x="2664851" y="1281505"/>
+            <a:ext cx="6862298" cy="5387976"/>
+          </a:xfrm>
+        </p:spPr>
+      </p:pic>
+      <p:sp>
+        <p:nvSpPr>
+          <p:cNvPr id="4" name="Espaço Reservado para Data 3">
+            <a:extLst>
+              <a:ext uri="{FF2B5EF4-FFF2-40B4-BE49-F238E27FC236}">
+                <a16:creationId xmlns:a16="http://schemas.microsoft.com/office/drawing/2014/main" id="{70515E16-1571-E8A1-301F-D151BD58C606}"/>
+              </a:ext>
+            </a:extLst>
+          </p:cNvPr>
+          <p:cNvSpPr>
+            <a:spLocks noGrp="1"/>
+          </p:cNvSpPr>
+          <p:nvPr>
+            <p:ph type="dt" sz="half" idx="10"/>
+          </p:nvPr>
+        </p:nvSpPr>
         <p:spPr/>
         <p:txBody>
           <a:bodyPr/>
           <a:lstStyle/>
           <a:p>
-            <a:r>
-              <a:rPr lang="en-US" dirty="0" err="1"/>
-              <a:t>Funções</a:t>
-            </a:r>
-          </a:p>
-        </p:txBody>
-      </p:sp>
-      <p:sp>
-        <p:nvSpPr>
-          <p:cNvPr id="3" name="Content Placeholder 2">
-            <a:extLst>
-              <a:ext uri="{FF2B5EF4-FFF2-40B4-BE49-F238E27FC236}">
-                <a16:creationId xmlns:a16="http://schemas.microsoft.com/office/drawing/2014/main" id="{B6C10CEA-2962-6671-BE72-AD78A83F609E}"/>
-              </a:ext>
-            </a:extLst>
-          </p:cNvPr>
-          <p:cNvSpPr>
-            <a:spLocks noGrp="1"/>
-          </p:cNvSpPr>
-          <p:nvPr>
-            <p:ph idx="1"/>
-          </p:nvPr>
-        </p:nvSpPr>
-        <p:spPr/>
-        <p:txBody>
-          <a:bodyPr/>
-          <a:lstStyle/>
-          <a:p>
-            <a:endParaRPr lang="en-US"/>
-          </a:p>
-        </p:txBody>
-      </p:sp>
-      <p:sp>
-        <p:nvSpPr>
-          <p:cNvPr id="4" name="Date Placeholder 3">
-            <a:extLst>
-              <a:ext uri="{FF2B5EF4-FFF2-40B4-BE49-F238E27FC236}">
-                <a16:creationId xmlns:a16="http://schemas.microsoft.com/office/drawing/2014/main" id="{01C1C49C-F3CC-5B1F-F015-BFAC571C5252}"/>
-              </a:ext>
-            </a:extLst>
-          </p:cNvPr>
-          <p:cNvSpPr>
-            <a:spLocks noGrp="1"/>
-          </p:cNvSpPr>
-          <p:nvPr>
-            <p:ph type="dt" sz="half" idx="10"/>
-          </p:nvPr>
-        </p:nvSpPr>
-        <p:spPr/>
-        <p:txBody>
-          <a:bodyPr/>
-          <a:lstStyle/>
-          <a:p>
-            <a:fld id="{930E3847-6AED-4B44-925C-856E5B352C91}" type="datetime1">
-              <a:t>5/2/2024</a:t>
+            <a:fld id="{B2814D4F-FBF9-409A-9A8E-436AB60AFD27}" type="datetime1">
+              <a:rPr lang="en-US" smtClean="0"/>
+              <a:t>5/3/2024</a:t>
             </a:fld>
             <a:endParaRPr lang="en-US" dirty="0"/>
           </a:p>
@@ -5852,10 +10544,10 @@
       </p:sp>
       <p:sp>
         <p:nvSpPr>
-          <p:cNvPr id="5" name="Footer Placeholder 4">
-            <a:extLst>
-              <a:ext uri="{FF2B5EF4-FFF2-40B4-BE49-F238E27FC236}">
-                <a16:creationId xmlns:a16="http://schemas.microsoft.com/office/drawing/2014/main" id="{5392C747-8E43-9541-D92B-A1EB204A6625}"/>
+          <p:cNvPr id="5" name="Espaço Reservado para Rodapé 4">
+            <a:extLst>
+              <a:ext uri="{FF2B5EF4-FFF2-40B4-BE49-F238E27FC236}">
+                <a16:creationId xmlns:a16="http://schemas.microsoft.com/office/drawing/2014/main" id="{ACE38543-50CF-D7B9-F234-2F835B897640}"/>
               </a:ext>
             </a:extLst>
           </p:cNvPr>
@@ -5872,19 +10564,20 @@
           <a:lstStyle/>
           <a:p>
             <a:r>
-              <a:rPr lang="en-US" dirty="0"/>
+              <a:rPr lang="en-US"/>
               <a:t>
               </a:t>
             </a:r>
-          </a:p>
-        </p:txBody>
-      </p:sp>
-      <p:sp>
-        <p:nvSpPr>
-          <p:cNvPr id="6" name="Slide Number Placeholder 5">
-            <a:extLst>
-              <a:ext uri="{FF2B5EF4-FFF2-40B4-BE49-F238E27FC236}">
-                <a16:creationId xmlns:a16="http://schemas.microsoft.com/office/drawing/2014/main" id="{5F6EA368-382F-81EC-B794-D143EE783443}"/>
+            <a:endParaRPr lang="en-US" dirty="0"/>
+          </a:p>
+        </p:txBody>
+      </p:sp>
+      <p:sp>
+        <p:nvSpPr>
+          <p:cNvPr id="6" name="Espaço Reservado para Número de Slide 5">
+            <a:extLst>
+              <a:ext uri="{FF2B5EF4-FFF2-40B4-BE49-F238E27FC236}">
+                <a16:creationId xmlns:a16="http://schemas.microsoft.com/office/drawing/2014/main" id="{F7E16252-8C78-E4D5-DD26-93109DDAFF6D}"/>
               </a:ext>
             </a:extLst>
           </p:cNvPr>
@@ -5901,7 +10594,7 @@
           <a:lstStyle/>
           <a:p>
             <a:fld id="{196A61CA-0502-4EE4-9724-96EA822543E5}" type="slidenum">
-              <a:rPr lang="en-US" dirty="0"/>
+              <a:rPr lang="en-US" smtClean="0"/>
               <a:t>3</a:t>
             </a:fld>
             <a:endParaRPr lang="en-US" dirty="0"/>
@@ -5911,7 +10604,7 @@
     </p:spTree>
     <p:extLst>
       <p:ext uri="{BB962C8B-B14F-4D97-AF65-F5344CB8AC3E}">
-        <p14:creationId xmlns:p14="http://schemas.microsoft.com/office/powerpoint/2010/main" val="1425292671"/>
+        <p14:creationId xmlns:p14="http://schemas.microsoft.com/office/powerpoint/2010/main" val="885194651"/>
       </p:ext>
     </p:extLst>
   </p:cSld>
@@ -5940,10 +10633,10 @@
       </p:grpSpPr>
       <p:sp>
         <p:nvSpPr>
-          <p:cNvPr id="2" name="Title 1">
-            <a:extLst>
-              <a:ext uri="{FF2B5EF4-FFF2-40B4-BE49-F238E27FC236}">
-                <a16:creationId xmlns:a16="http://schemas.microsoft.com/office/drawing/2014/main" id="{BE0EE371-4F30-C9B2-3F40-BACA7C6A1F36}"/>
+          <p:cNvPr id="2" name="Título 1">
+            <a:extLst>
+              <a:ext uri="{FF2B5EF4-FFF2-40B4-BE49-F238E27FC236}">
+                <a16:creationId xmlns:a16="http://schemas.microsoft.com/office/drawing/2014/main" id="{E001D746-2C20-B1C4-FFE8-110EB2CAB93F}"/>
               </a:ext>
             </a:extLst>
           </p:cNvPr>
@@ -5954,63 +10647,80 @@
             <p:ph type="title"/>
           </p:nvPr>
         </p:nvSpPr>
+        <p:spPr>
+          <a:xfrm>
+            <a:off x="1429566" y="451679"/>
+            <a:ext cx="9238434" cy="857559"/>
+          </a:xfrm>
+        </p:spPr>
+        <p:txBody>
+          <a:bodyPr/>
+          <a:lstStyle/>
+          <a:p>
+            <a:r>
+              <a:rPr lang="pt-BR" dirty="0"/>
+              <a:t>ORGANIZANDO O </a:t>
+            </a:r>
+            <a:r>
+              <a:rPr lang="pt-BR" i="1" dirty="0"/>
+              <a:t>DATAFRAME</a:t>
+            </a:r>
+          </a:p>
+        </p:txBody>
+      </p:sp>
+      <p:pic>
+        <p:nvPicPr>
+          <p:cNvPr id="8" name="Espaço Reservado para Conteúdo 7">
+            <a:extLst>
+              <a:ext uri="{FF2B5EF4-FFF2-40B4-BE49-F238E27FC236}">
+                <a16:creationId xmlns:a16="http://schemas.microsoft.com/office/drawing/2014/main" id="{66F8DBA7-E4AD-969E-E917-971AAD9F6390}"/>
+              </a:ext>
+            </a:extLst>
+          </p:cNvPr>
+          <p:cNvPicPr>
+            <a:picLocks noGrp="1" noChangeAspect="1"/>
+          </p:cNvPicPr>
+          <p:nvPr>
+            <p:ph idx="1"/>
+          </p:nvPr>
+        </p:nvPicPr>
+        <p:blipFill>
+          <a:blip r:embed="rId2"/>
+          <a:stretch>
+            <a:fillRect/>
+          </a:stretch>
+        </p:blipFill>
+        <p:spPr>
+          <a:xfrm>
+            <a:off x="1427377" y="1791195"/>
+            <a:ext cx="8659714" cy="4304805"/>
+          </a:xfrm>
+        </p:spPr>
+      </p:pic>
+      <p:sp>
+        <p:nvSpPr>
+          <p:cNvPr id="4" name="Espaço Reservado para Data 3">
+            <a:extLst>
+              <a:ext uri="{FF2B5EF4-FFF2-40B4-BE49-F238E27FC236}">
+                <a16:creationId xmlns:a16="http://schemas.microsoft.com/office/drawing/2014/main" id="{3261221F-18F8-F638-146F-8E9BFD9BF55B}"/>
+              </a:ext>
+            </a:extLst>
+          </p:cNvPr>
+          <p:cNvSpPr>
+            <a:spLocks noGrp="1"/>
+          </p:cNvSpPr>
+          <p:nvPr>
+            <p:ph type="dt" sz="half" idx="10"/>
+          </p:nvPr>
+        </p:nvSpPr>
         <p:spPr/>
         <p:txBody>
           <a:bodyPr/>
           <a:lstStyle/>
           <a:p>
-            <a:endParaRPr lang="en-US"/>
-          </a:p>
-        </p:txBody>
-      </p:sp>
-      <p:sp>
-        <p:nvSpPr>
-          <p:cNvPr id="3" name="Content Placeholder 2">
-            <a:extLst>
-              <a:ext uri="{FF2B5EF4-FFF2-40B4-BE49-F238E27FC236}">
-                <a16:creationId xmlns:a16="http://schemas.microsoft.com/office/drawing/2014/main" id="{67FDEB6E-7670-E5AC-4108-FF9255BDBE52}"/>
-              </a:ext>
-            </a:extLst>
-          </p:cNvPr>
-          <p:cNvSpPr>
-            <a:spLocks noGrp="1"/>
-          </p:cNvSpPr>
-          <p:nvPr>
-            <p:ph idx="1"/>
-          </p:nvPr>
-        </p:nvSpPr>
-        <p:spPr/>
-        <p:txBody>
-          <a:bodyPr/>
-          <a:lstStyle/>
-          <a:p>
-            <a:endParaRPr lang="en-US"/>
-          </a:p>
-        </p:txBody>
-      </p:sp>
-      <p:sp>
-        <p:nvSpPr>
-          <p:cNvPr id="4" name="Date Placeholder 3">
-            <a:extLst>
-              <a:ext uri="{FF2B5EF4-FFF2-40B4-BE49-F238E27FC236}">
-                <a16:creationId xmlns:a16="http://schemas.microsoft.com/office/drawing/2014/main" id="{6B1FA4D1-CC12-2602-E694-A38648688791}"/>
-              </a:ext>
-            </a:extLst>
-          </p:cNvPr>
-          <p:cNvSpPr>
-            <a:spLocks noGrp="1"/>
-          </p:cNvSpPr>
-          <p:nvPr>
-            <p:ph type="dt" sz="half" idx="10"/>
-          </p:nvPr>
-        </p:nvSpPr>
-        <p:spPr/>
-        <p:txBody>
-          <a:bodyPr/>
-          <a:lstStyle/>
-          <a:p>
-            <a:fld id="{04AED76A-851C-4668-9EAC-7E1788BCF759}" type="datetime1">
-              <a:t>5/2/2024</a:t>
+            <a:fld id="{6D6FF7A8-992D-4583-A842-08485B4BD9E4}" type="datetime1">
+              <a:rPr lang="en-US" smtClean="0"/>
+              <a:t>5/3/2024</a:t>
             </a:fld>
             <a:endParaRPr lang="en-US" dirty="0"/>
           </a:p>
@@ -6018,10 +10728,10 @@
       </p:sp>
       <p:sp>
         <p:nvSpPr>
-          <p:cNvPr id="5" name="Footer Placeholder 4">
-            <a:extLst>
-              <a:ext uri="{FF2B5EF4-FFF2-40B4-BE49-F238E27FC236}">
-                <a16:creationId xmlns:a16="http://schemas.microsoft.com/office/drawing/2014/main" id="{D4758948-DB84-86F7-CD23-D6C510BFB4B8}"/>
+          <p:cNvPr id="5" name="Espaço Reservado para Rodapé 4">
+            <a:extLst>
+              <a:ext uri="{FF2B5EF4-FFF2-40B4-BE49-F238E27FC236}">
+                <a16:creationId xmlns:a16="http://schemas.microsoft.com/office/drawing/2014/main" id="{E442D685-5E4E-D22F-91B8-8CFB49729315}"/>
               </a:ext>
             </a:extLst>
           </p:cNvPr>
@@ -6038,19 +10748,20 @@
           <a:lstStyle/>
           <a:p>
             <a:r>
-              <a:rPr lang="en-US" dirty="0"/>
+              <a:rPr lang="en-US"/>
               <a:t>
               </a:t>
             </a:r>
-          </a:p>
-        </p:txBody>
-      </p:sp>
-      <p:sp>
-        <p:nvSpPr>
-          <p:cNvPr id="6" name="Slide Number Placeholder 5">
-            <a:extLst>
-              <a:ext uri="{FF2B5EF4-FFF2-40B4-BE49-F238E27FC236}">
-                <a16:creationId xmlns:a16="http://schemas.microsoft.com/office/drawing/2014/main" id="{9DCBBF71-A8C3-36ED-7ED5-7B4E3D448468}"/>
+            <a:endParaRPr lang="en-US" dirty="0"/>
+          </a:p>
+        </p:txBody>
+      </p:sp>
+      <p:sp>
+        <p:nvSpPr>
+          <p:cNvPr id="6" name="Espaço Reservado para Número de Slide 5">
+            <a:extLst>
+              <a:ext uri="{FF2B5EF4-FFF2-40B4-BE49-F238E27FC236}">
+                <a16:creationId xmlns:a16="http://schemas.microsoft.com/office/drawing/2014/main" id="{A127F920-15FE-FEAE-57E7-C04683DAD6CD}"/>
               </a:ext>
             </a:extLst>
           </p:cNvPr>
@@ -6067,7 +10778,7 @@
           <a:lstStyle/>
           <a:p>
             <a:fld id="{196A61CA-0502-4EE4-9724-96EA822543E5}" type="slidenum">
-              <a:rPr lang="en-US" dirty="0"/>
+              <a:rPr lang="en-US" smtClean="0"/>
               <a:t>4</a:t>
             </a:fld>
             <a:endParaRPr lang="en-US" dirty="0"/>
@@ -6077,7 +10788,7 @@
     </p:spTree>
     <p:extLst>
       <p:ext uri="{BB962C8B-B14F-4D97-AF65-F5344CB8AC3E}">
-        <p14:creationId xmlns:p14="http://schemas.microsoft.com/office/powerpoint/2010/main" val="1440530479"/>
+        <p14:creationId xmlns:p14="http://schemas.microsoft.com/office/powerpoint/2010/main" val="1330534521"/>
       </p:ext>
     </p:extLst>
   </p:cSld>
@@ -6106,10 +10817,10 @@
       </p:grpSpPr>
       <p:sp>
         <p:nvSpPr>
-          <p:cNvPr id="2" name="Title 1">
-            <a:extLst>
-              <a:ext uri="{FF2B5EF4-FFF2-40B4-BE49-F238E27FC236}">
-                <a16:creationId xmlns:a16="http://schemas.microsoft.com/office/drawing/2014/main" id="{FDF2BD14-0B4A-0C93-816D-C03CAF78FBC7}"/>
+          <p:cNvPr id="2" name="Título 1">
+            <a:extLst>
+              <a:ext uri="{FF2B5EF4-FFF2-40B4-BE49-F238E27FC236}">
+                <a16:creationId xmlns:a16="http://schemas.microsoft.com/office/drawing/2014/main" id="{DA622996-4A97-8954-5E78-F3C899D89983}"/>
               </a:ext>
             </a:extLst>
           </p:cNvPr>
@@ -6120,41 +10831,84 @@
             <p:ph type="title"/>
           </p:nvPr>
         </p:nvSpPr>
+        <p:spPr>
+          <a:xfrm>
+            <a:off x="1429566" y="451679"/>
+            <a:ext cx="9238434" cy="857559"/>
+          </a:xfrm>
+        </p:spPr>
+        <p:txBody>
+          <a:bodyPr/>
+          <a:lstStyle/>
+          <a:p>
+            <a:r>
+              <a:rPr lang="pt-BR"/>
+              <a:t>LIMPANDO</a:t>
+            </a:r>
+            <a:r>
+              <a:rPr lang="pt-BR" dirty="0"/>
+              <a:t> O </a:t>
+            </a:r>
+            <a:r>
+              <a:rPr lang="pt-BR" i="1" dirty="0"/>
+              <a:t>DATAFRAME</a:t>
+            </a:r>
+          </a:p>
+        </p:txBody>
+      </p:sp>
+      <p:pic>
+        <p:nvPicPr>
+          <p:cNvPr id="8" name="Espaço Reservado para Conteúdo 7">
+            <a:extLst>
+              <a:ext uri="{FF2B5EF4-FFF2-40B4-BE49-F238E27FC236}">
+                <a16:creationId xmlns:a16="http://schemas.microsoft.com/office/drawing/2014/main" id="{0725316A-C41F-CDD5-1D5A-08AA4DD62F32}"/>
+              </a:ext>
+            </a:extLst>
+          </p:cNvPr>
+          <p:cNvPicPr>
+            <a:picLocks noGrp="1" noChangeAspect="1"/>
+          </p:cNvPicPr>
+          <p:nvPr>
+            <p:ph idx="1"/>
+          </p:nvPr>
+        </p:nvPicPr>
+        <p:blipFill>
+          <a:blip r:embed="rId2"/>
+          <a:stretch>
+            <a:fillRect/>
+          </a:stretch>
+        </p:blipFill>
+        <p:spPr>
+          <a:xfrm>
+            <a:off x="2251848" y="1306286"/>
+            <a:ext cx="7693602" cy="4789714"/>
+          </a:xfrm>
+        </p:spPr>
+      </p:pic>
+      <p:sp>
+        <p:nvSpPr>
+          <p:cNvPr id="4" name="Espaço Reservado para Data 3">
+            <a:extLst>
+              <a:ext uri="{FF2B5EF4-FFF2-40B4-BE49-F238E27FC236}">
+                <a16:creationId xmlns:a16="http://schemas.microsoft.com/office/drawing/2014/main" id="{61A04A62-1301-1203-9280-00B25EA93967}"/>
+              </a:ext>
+            </a:extLst>
+          </p:cNvPr>
+          <p:cNvSpPr>
+            <a:spLocks noGrp="1"/>
+          </p:cNvSpPr>
+          <p:nvPr>
+            <p:ph type="dt" sz="half" idx="10"/>
+          </p:nvPr>
+        </p:nvSpPr>
         <p:spPr/>
         <p:txBody>
           <a:bodyPr/>
           <a:lstStyle/>
           <a:p>
-            <a:r>
-              <a:rPr lang="en-US" dirty="0"/>
-              <a:t>OBRIGADO</a:t>
-            </a:r>
-          </a:p>
-        </p:txBody>
-      </p:sp>
-      <p:sp>
-        <p:nvSpPr>
-          <p:cNvPr id="4" name="Date Placeholder 3">
-            <a:extLst>
-              <a:ext uri="{FF2B5EF4-FFF2-40B4-BE49-F238E27FC236}">
-                <a16:creationId xmlns:a16="http://schemas.microsoft.com/office/drawing/2014/main" id="{34B092BE-6242-5782-01FE-8C66120557EA}"/>
-              </a:ext>
-            </a:extLst>
-          </p:cNvPr>
-          <p:cNvSpPr>
-            <a:spLocks noGrp="1"/>
-          </p:cNvSpPr>
-          <p:nvPr>
-            <p:ph type="dt" sz="half" idx="10"/>
-          </p:nvPr>
-        </p:nvSpPr>
-        <p:spPr/>
-        <p:txBody>
-          <a:bodyPr/>
-          <a:lstStyle/>
-          <a:p>
-            <a:fld id="{6BD6B142-A755-47C1-97A4-9D43DE985D08}" type="datetime1">
-              <a:t>5/2/2024</a:t>
+            <a:fld id="{9301F990-9BDE-4F98-B7C5-932B80E0D22B}" type="datetime1">
+              <a:rPr lang="en-US" smtClean="0"/>
+              <a:t>5/3/2024</a:t>
             </a:fld>
             <a:endParaRPr lang="en-US" dirty="0"/>
           </a:p>
@@ -6162,10 +10916,10 @@
       </p:sp>
       <p:sp>
         <p:nvSpPr>
-          <p:cNvPr id="5" name="Footer Placeholder 4">
-            <a:extLst>
-              <a:ext uri="{FF2B5EF4-FFF2-40B4-BE49-F238E27FC236}">
-                <a16:creationId xmlns:a16="http://schemas.microsoft.com/office/drawing/2014/main" id="{E5E09931-7611-9B28-1DDC-C87C6C12C112}"/>
+          <p:cNvPr id="5" name="Espaço Reservado para Rodapé 4">
+            <a:extLst>
+              <a:ext uri="{FF2B5EF4-FFF2-40B4-BE49-F238E27FC236}">
+                <a16:creationId xmlns:a16="http://schemas.microsoft.com/office/drawing/2014/main" id="{FDC50C45-6F08-E108-A2A1-0D016DB32D44}"/>
               </a:ext>
             </a:extLst>
           </p:cNvPr>
@@ -6182,19 +10936,20 @@
           <a:lstStyle/>
           <a:p>
             <a:r>
-              <a:rPr lang="en-US" dirty="0"/>
+              <a:rPr lang="en-US"/>
               <a:t>
               </a:t>
             </a:r>
-          </a:p>
-        </p:txBody>
-      </p:sp>
-      <p:sp>
-        <p:nvSpPr>
-          <p:cNvPr id="6" name="Slide Number Placeholder 5">
-            <a:extLst>
-              <a:ext uri="{FF2B5EF4-FFF2-40B4-BE49-F238E27FC236}">
-                <a16:creationId xmlns:a16="http://schemas.microsoft.com/office/drawing/2014/main" id="{619E5A1C-713A-D353-49FE-D0410B3E7672}"/>
+            <a:endParaRPr lang="en-US" dirty="0"/>
+          </a:p>
+        </p:txBody>
+      </p:sp>
+      <p:sp>
+        <p:nvSpPr>
+          <p:cNvPr id="6" name="Espaço Reservado para Número de Slide 5">
+            <a:extLst>
+              <a:ext uri="{FF2B5EF4-FFF2-40B4-BE49-F238E27FC236}">
+                <a16:creationId xmlns:a16="http://schemas.microsoft.com/office/drawing/2014/main" id="{1450792D-61BE-3EEE-FF2F-7DD970EE433A}"/>
               </a:ext>
             </a:extLst>
           </p:cNvPr>
@@ -6211,7 +10966,7 @@
           <a:lstStyle/>
           <a:p>
             <a:fld id="{196A61CA-0502-4EE4-9724-96EA822543E5}" type="slidenum">
-              <a:rPr lang="en-US" dirty="0"/>
+              <a:rPr lang="en-US" smtClean="0"/>
               <a:t>5</a:t>
             </a:fld>
             <a:endParaRPr lang="en-US" dirty="0"/>
@@ -6221,7 +10976,812 @@
     </p:spTree>
     <p:extLst>
       <p:ext uri="{BB962C8B-B14F-4D97-AF65-F5344CB8AC3E}">
-        <p14:creationId xmlns:p14="http://schemas.microsoft.com/office/powerpoint/2010/main" val="3310437117"/>
+        <p14:creationId xmlns:p14="http://schemas.microsoft.com/office/powerpoint/2010/main" val="604030950"/>
+      </p:ext>
+    </p:extLst>
+  </p:cSld>
+  <p:clrMapOvr>
+    <a:masterClrMapping/>
+  </p:clrMapOvr>
+</p:sld>
+</file>
+
+<file path=ppt/slides/slide6.xml><?xml version="1.0" encoding="utf-8"?>
+<p:sld xmlns:a="http://schemas.openxmlformats.org/drawingml/2006/main" xmlns:r="http://schemas.openxmlformats.org/officeDocument/2006/relationships" xmlns:p="http://schemas.openxmlformats.org/presentationml/2006/main">
+  <p:cSld>
+    <p:spTree>
+      <p:nvGrpSpPr>
+        <p:cNvPr id="1" name=""/>
+        <p:cNvGrpSpPr/>
+        <p:nvPr/>
+      </p:nvGrpSpPr>
+      <p:grpSpPr>
+        <a:xfrm>
+          <a:off x="0" y="0"/>
+          <a:ext cx="0" cy="0"/>
+          <a:chOff x="0" y="0"/>
+          <a:chExt cx="0" cy="0"/>
+        </a:xfrm>
+      </p:grpSpPr>
+      <p:pic>
+        <p:nvPicPr>
+          <p:cNvPr id="30" name="Espaço Reservado para Conteúdo 29">
+            <a:extLst>
+              <a:ext uri="{FF2B5EF4-FFF2-40B4-BE49-F238E27FC236}">
+                <a16:creationId xmlns:a16="http://schemas.microsoft.com/office/drawing/2014/main" id="{603D627C-45E6-B5A9-F84D-42A1BE0A5923}"/>
+              </a:ext>
+            </a:extLst>
+          </p:cNvPr>
+          <p:cNvPicPr>
+            <a:picLocks noGrp="1" noChangeAspect="1"/>
+          </p:cNvPicPr>
+          <p:nvPr>
+            <p:ph idx="1"/>
+          </p:nvPr>
+        </p:nvPicPr>
+        <p:blipFill>
+          <a:blip r:embed="rId2"/>
+          <a:stretch>
+            <a:fillRect/>
+          </a:stretch>
+        </p:blipFill>
+        <p:spPr>
+          <a:xfrm>
+            <a:off x="3120962" y="1098468"/>
+            <a:ext cx="5945475" cy="5116284"/>
+          </a:xfrm>
+        </p:spPr>
+      </p:pic>
+      <p:sp>
+        <p:nvSpPr>
+          <p:cNvPr id="2" name="Título 1">
+            <a:extLst>
+              <a:ext uri="{FF2B5EF4-FFF2-40B4-BE49-F238E27FC236}">
+                <a16:creationId xmlns:a16="http://schemas.microsoft.com/office/drawing/2014/main" id="{79F37653-EAAE-A54E-A3E5-135DA0350CE6}"/>
+              </a:ext>
+            </a:extLst>
+          </p:cNvPr>
+          <p:cNvSpPr>
+            <a:spLocks noGrp="1"/>
+          </p:cNvSpPr>
+          <p:nvPr>
+            <p:ph type="title"/>
+          </p:nvPr>
+        </p:nvSpPr>
+        <p:spPr>
+          <a:xfrm>
+            <a:off x="1429566" y="451679"/>
+            <a:ext cx="9238434" cy="857559"/>
+          </a:xfrm>
+        </p:spPr>
+        <p:txBody>
+          <a:bodyPr/>
+          <a:lstStyle/>
+          <a:p>
+            <a:r>
+              <a:rPr lang="pt-BR" dirty="0"/>
+              <a:t>Similaridade de cores - tabela</a:t>
+            </a:r>
+          </a:p>
+        </p:txBody>
+      </p:sp>
+      <p:sp>
+        <p:nvSpPr>
+          <p:cNvPr id="4" name="Espaço Reservado para Data 3">
+            <a:extLst>
+              <a:ext uri="{FF2B5EF4-FFF2-40B4-BE49-F238E27FC236}">
+                <a16:creationId xmlns:a16="http://schemas.microsoft.com/office/drawing/2014/main" id="{26330028-79CA-42BA-6809-985EE8B6B148}"/>
+              </a:ext>
+            </a:extLst>
+          </p:cNvPr>
+          <p:cNvSpPr>
+            <a:spLocks noGrp="1"/>
+          </p:cNvSpPr>
+          <p:nvPr>
+            <p:ph type="dt" sz="half" idx="10"/>
+          </p:nvPr>
+        </p:nvSpPr>
+        <p:spPr/>
+        <p:txBody>
+          <a:bodyPr/>
+          <a:lstStyle/>
+          <a:p>
+            <a:fld id="{49244328-A8B6-4EBD-902C-8062A52F00F0}" type="datetime1">
+              <a:rPr lang="en-US" smtClean="0"/>
+              <a:t>5/3/2024</a:t>
+            </a:fld>
+            <a:endParaRPr lang="en-US"/>
+          </a:p>
+        </p:txBody>
+      </p:sp>
+      <p:sp>
+        <p:nvSpPr>
+          <p:cNvPr id="5" name="Espaço Reservado para Rodapé 4">
+            <a:extLst>
+              <a:ext uri="{FF2B5EF4-FFF2-40B4-BE49-F238E27FC236}">
+                <a16:creationId xmlns:a16="http://schemas.microsoft.com/office/drawing/2014/main" id="{97097EC0-3AB1-BB0C-89FF-A07D6C651F2F}"/>
+              </a:ext>
+            </a:extLst>
+          </p:cNvPr>
+          <p:cNvSpPr>
+            <a:spLocks noGrp="1"/>
+          </p:cNvSpPr>
+          <p:nvPr>
+            <p:ph type="ftr" sz="quarter" idx="11"/>
+          </p:nvPr>
+        </p:nvSpPr>
+        <p:spPr/>
+        <p:txBody>
+          <a:bodyPr/>
+          <a:lstStyle/>
+          <a:p>
+            <a:r>
+              <a:rPr lang="en-US"/>
+              <a:t>
+              </a:t>
+            </a:r>
+          </a:p>
+        </p:txBody>
+      </p:sp>
+      <p:sp>
+        <p:nvSpPr>
+          <p:cNvPr id="6" name="Espaço Reservado para Número de Slide 5">
+            <a:extLst>
+              <a:ext uri="{FF2B5EF4-FFF2-40B4-BE49-F238E27FC236}">
+                <a16:creationId xmlns:a16="http://schemas.microsoft.com/office/drawing/2014/main" id="{FA58ECAD-6D1E-9EFC-C99B-4874F8B609C6}"/>
+              </a:ext>
+            </a:extLst>
+          </p:cNvPr>
+          <p:cNvSpPr>
+            <a:spLocks noGrp="1"/>
+          </p:cNvSpPr>
+          <p:nvPr>
+            <p:ph type="sldNum" sz="quarter" idx="12"/>
+          </p:nvPr>
+        </p:nvSpPr>
+        <p:spPr/>
+        <p:txBody>
+          <a:bodyPr/>
+          <a:lstStyle/>
+          <a:p>
+            <a:fld id="{196A61CA-0502-4EE4-9724-96EA822543E5}" type="slidenum">
+              <a:rPr lang="en-US" smtClean="0"/>
+              <a:t>6</a:t>
+            </a:fld>
+            <a:endParaRPr lang="en-US"/>
+          </a:p>
+        </p:txBody>
+      </p:sp>
+    </p:spTree>
+    <p:extLst>
+      <p:ext uri="{BB962C8B-B14F-4D97-AF65-F5344CB8AC3E}">
+        <p14:creationId xmlns:p14="http://schemas.microsoft.com/office/powerpoint/2010/main" val="2132417489"/>
+      </p:ext>
+    </p:extLst>
+  </p:cSld>
+  <p:clrMapOvr>
+    <a:masterClrMapping/>
+  </p:clrMapOvr>
+</p:sld>
+</file>
+
+<file path=ppt/slides/slide7.xml><?xml version="1.0" encoding="utf-8"?>
+<p:sld xmlns:a="http://schemas.openxmlformats.org/drawingml/2006/main" xmlns:r="http://schemas.openxmlformats.org/officeDocument/2006/relationships" xmlns:p="http://schemas.openxmlformats.org/presentationml/2006/main">
+  <p:cSld>
+    <p:spTree>
+      <p:nvGrpSpPr>
+        <p:cNvPr id="1" name=""/>
+        <p:cNvGrpSpPr/>
+        <p:nvPr/>
+      </p:nvGrpSpPr>
+      <p:grpSpPr>
+        <a:xfrm>
+          <a:off x="0" y="0"/>
+          <a:ext cx="0" cy="0"/>
+          <a:chOff x="0" y="0"/>
+          <a:chExt cx="0" cy="0"/>
+        </a:xfrm>
+      </p:grpSpPr>
+      <p:pic>
+        <p:nvPicPr>
+          <p:cNvPr id="22" name="Espaço Reservado para Conteúdo 21">
+            <a:extLst>
+              <a:ext uri="{FF2B5EF4-FFF2-40B4-BE49-F238E27FC236}">
+                <a16:creationId xmlns:a16="http://schemas.microsoft.com/office/drawing/2014/main" id="{15E43B50-DEC0-EAAA-16D0-A624320BBD63}"/>
+              </a:ext>
+            </a:extLst>
+          </p:cNvPr>
+          <p:cNvPicPr>
+            <a:picLocks noGrp="1" noChangeAspect="1"/>
+          </p:cNvPicPr>
+          <p:nvPr>
+            <p:ph idx="1"/>
+          </p:nvPr>
+        </p:nvPicPr>
+        <p:blipFill>
+          <a:blip r:embed="rId2"/>
+          <a:stretch>
+            <a:fillRect/>
+          </a:stretch>
+        </p:blipFill>
+        <p:spPr>
+          <a:xfrm>
+            <a:off x="2755437" y="1048987"/>
+            <a:ext cx="6587463" cy="5047012"/>
+          </a:xfrm>
+        </p:spPr>
+      </p:pic>
+      <p:sp>
+        <p:nvSpPr>
+          <p:cNvPr id="2" name="Título 1">
+            <a:extLst>
+              <a:ext uri="{FF2B5EF4-FFF2-40B4-BE49-F238E27FC236}">
+                <a16:creationId xmlns:a16="http://schemas.microsoft.com/office/drawing/2014/main" id="{AC3CB1F7-2558-AFD0-4387-FCECD94BBB4E}"/>
+              </a:ext>
+            </a:extLst>
+          </p:cNvPr>
+          <p:cNvSpPr>
+            <a:spLocks noGrp="1"/>
+          </p:cNvSpPr>
+          <p:nvPr>
+            <p:ph type="title"/>
+          </p:nvPr>
+        </p:nvSpPr>
+        <p:spPr>
+          <a:xfrm>
+            <a:off x="1429566" y="451679"/>
+            <a:ext cx="9238434" cy="857559"/>
+          </a:xfrm>
+        </p:spPr>
+        <p:txBody>
+          <a:bodyPr/>
+          <a:lstStyle/>
+          <a:p>
+            <a:r>
+              <a:rPr lang="pt-BR" dirty="0"/>
+              <a:t>Similaridade de cores - tabela</a:t>
+            </a:r>
+          </a:p>
+        </p:txBody>
+      </p:sp>
+      <p:sp>
+        <p:nvSpPr>
+          <p:cNvPr id="4" name="Espaço Reservado para Data 3">
+            <a:extLst>
+              <a:ext uri="{FF2B5EF4-FFF2-40B4-BE49-F238E27FC236}">
+                <a16:creationId xmlns:a16="http://schemas.microsoft.com/office/drawing/2014/main" id="{C49FA73B-3ED1-3314-2797-1DFED2E98BE5}"/>
+              </a:ext>
+            </a:extLst>
+          </p:cNvPr>
+          <p:cNvSpPr>
+            <a:spLocks noGrp="1"/>
+          </p:cNvSpPr>
+          <p:nvPr>
+            <p:ph type="dt" sz="half" idx="10"/>
+          </p:nvPr>
+        </p:nvSpPr>
+        <p:spPr/>
+        <p:txBody>
+          <a:bodyPr/>
+          <a:lstStyle/>
+          <a:p>
+            <a:fld id="{92CDA9E8-E79E-493F-9B90-053350B4AD0D}" type="datetime1">
+              <a:rPr lang="en-US" smtClean="0"/>
+              <a:t>5/3/2024</a:t>
+            </a:fld>
+            <a:endParaRPr lang="en-US" dirty="0"/>
+          </a:p>
+        </p:txBody>
+      </p:sp>
+      <p:sp>
+        <p:nvSpPr>
+          <p:cNvPr id="5" name="Espaço Reservado para Rodapé 4">
+            <a:extLst>
+              <a:ext uri="{FF2B5EF4-FFF2-40B4-BE49-F238E27FC236}">
+                <a16:creationId xmlns:a16="http://schemas.microsoft.com/office/drawing/2014/main" id="{4E749850-3BC7-0540-EFE4-407A349067F8}"/>
+              </a:ext>
+            </a:extLst>
+          </p:cNvPr>
+          <p:cNvSpPr>
+            <a:spLocks noGrp="1"/>
+          </p:cNvSpPr>
+          <p:nvPr>
+            <p:ph type="ftr" sz="quarter" idx="11"/>
+          </p:nvPr>
+        </p:nvSpPr>
+        <p:spPr/>
+        <p:txBody>
+          <a:bodyPr/>
+          <a:lstStyle/>
+          <a:p>
+            <a:r>
+              <a:rPr lang="en-US"/>
+              <a:t>
+              </a:t>
+            </a:r>
+            <a:endParaRPr lang="en-US" dirty="0"/>
+          </a:p>
+        </p:txBody>
+      </p:sp>
+      <p:sp>
+        <p:nvSpPr>
+          <p:cNvPr id="6" name="Espaço Reservado para Número de Slide 5">
+            <a:extLst>
+              <a:ext uri="{FF2B5EF4-FFF2-40B4-BE49-F238E27FC236}">
+                <a16:creationId xmlns:a16="http://schemas.microsoft.com/office/drawing/2014/main" id="{9C6EF2A7-7129-E667-0484-D70918009BC5}"/>
+              </a:ext>
+            </a:extLst>
+          </p:cNvPr>
+          <p:cNvSpPr>
+            <a:spLocks noGrp="1"/>
+          </p:cNvSpPr>
+          <p:nvPr>
+            <p:ph type="sldNum" sz="quarter" idx="12"/>
+          </p:nvPr>
+        </p:nvSpPr>
+        <p:spPr/>
+        <p:txBody>
+          <a:bodyPr/>
+          <a:lstStyle/>
+          <a:p>
+            <a:fld id="{196A61CA-0502-4EE4-9724-96EA822543E5}" type="slidenum">
+              <a:rPr lang="en-US" smtClean="0"/>
+              <a:t>7</a:t>
+            </a:fld>
+            <a:endParaRPr lang="en-US" dirty="0"/>
+          </a:p>
+        </p:txBody>
+      </p:sp>
+    </p:spTree>
+    <p:extLst>
+      <p:ext uri="{BB962C8B-B14F-4D97-AF65-F5344CB8AC3E}">
+        <p14:creationId xmlns:p14="http://schemas.microsoft.com/office/powerpoint/2010/main" val="1676391631"/>
+      </p:ext>
+    </p:extLst>
+  </p:cSld>
+  <p:clrMapOvr>
+    <a:masterClrMapping/>
+  </p:clrMapOvr>
+</p:sld>
+</file>
+
+<file path=ppt/slides/slide8.xml><?xml version="1.0" encoding="utf-8"?>
+<p:sld xmlns:a="http://schemas.openxmlformats.org/drawingml/2006/main" xmlns:r="http://schemas.openxmlformats.org/officeDocument/2006/relationships" xmlns:p="http://schemas.openxmlformats.org/presentationml/2006/main">
+  <p:cSld>
+    <p:spTree>
+      <p:nvGrpSpPr>
+        <p:cNvPr id="1" name=""/>
+        <p:cNvGrpSpPr/>
+        <p:nvPr/>
+      </p:nvGrpSpPr>
+      <p:grpSpPr>
+        <a:xfrm>
+          <a:off x="0" y="0"/>
+          <a:ext cx="0" cy="0"/>
+          <a:chOff x="0" y="0"/>
+          <a:chExt cx="0" cy="0"/>
+        </a:xfrm>
+      </p:grpSpPr>
+      <p:sp>
+        <p:nvSpPr>
+          <p:cNvPr id="2" name="Título 1">
+            <a:extLst>
+              <a:ext uri="{FF2B5EF4-FFF2-40B4-BE49-F238E27FC236}">
+                <a16:creationId xmlns:a16="http://schemas.microsoft.com/office/drawing/2014/main" id="{DE3C80CB-E975-07B2-F0EE-5C0BD8EBD092}"/>
+              </a:ext>
+            </a:extLst>
+          </p:cNvPr>
+          <p:cNvSpPr>
+            <a:spLocks noGrp="1"/>
+          </p:cNvSpPr>
+          <p:nvPr>
+            <p:ph type="title"/>
+          </p:nvPr>
+        </p:nvSpPr>
+        <p:spPr>
+          <a:xfrm>
+            <a:off x="1429566" y="451679"/>
+            <a:ext cx="9238434" cy="857559"/>
+          </a:xfrm>
+        </p:spPr>
+        <p:txBody>
+          <a:bodyPr/>
+          <a:lstStyle/>
+          <a:p>
+            <a:r>
+              <a:rPr lang="pt-BR" dirty="0"/>
+              <a:t>Similaridade de cores</a:t>
+            </a:r>
+          </a:p>
+        </p:txBody>
+      </p:sp>
+      <p:pic>
+        <p:nvPicPr>
+          <p:cNvPr id="10" name="Espaço Reservado para Conteúdo 9">
+            <a:extLst>
+              <a:ext uri="{FF2B5EF4-FFF2-40B4-BE49-F238E27FC236}">
+                <a16:creationId xmlns:a16="http://schemas.microsoft.com/office/drawing/2014/main" id="{8A3F6DA3-3913-BB95-070E-B20915E32EFD}"/>
+              </a:ext>
+            </a:extLst>
+          </p:cNvPr>
+          <p:cNvPicPr>
+            <a:picLocks noGrp="1" noChangeAspect="1"/>
+          </p:cNvPicPr>
+          <p:nvPr>
+            <p:ph idx="1"/>
+          </p:nvPr>
+        </p:nvPicPr>
+        <p:blipFill>
+          <a:blip r:embed="rId2"/>
+          <a:stretch>
+            <a:fillRect/>
+          </a:stretch>
+        </p:blipFill>
+        <p:spPr>
+          <a:xfrm>
+            <a:off x="1430338" y="2154677"/>
+            <a:ext cx="9237662" cy="2845529"/>
+          </a:xfrm>
+        </p:spPr>
+      </p:pic>
+      <p:sp>
+        <p:nvSpPr>
+          <p:cNvPr id="4" name="Espaço Reservado para Data 3">
+            <a:extLst>
+              <a:ext uri="{FF2B5EF4-FFF2-40B4-BE49-F238E27FC236}">
+                <a16:creationId xmlns:a16="http://schemas.microsoft.com/office/drawing/2014/main" id="{A979AC61-6276-9B80-A821-834799E24420}"/>
+              </a:ext>
+            </a:extLst>
+          </p:cNvPr>
+          <p:cNvSpPr>
+            <a:spLocks noGrp="1"/>
+          </p:cNvSpPr>
+          <p:nvPr>
+            <p:ph type="dt" sz="half" idx="10"/>
+          </p:nvPr>
+        </p:nvSpPr>
+        <p:spPr/>
+        <p:txBody>
+          <a:bodyPr/>
+          <a:lstStyle/>
+          <a:p>
+            <a:fld id="{BE1351C6-D6B8-4953-8E30-43CEF3C60C97}" type="datetime1">
+              <a:rPr lang="en-US" smtClean="0"/>
+              <a:t>5/3/2024</a:t>
+            </a:fld>
+            <a:endParaRPr lang="en-US" dirty="0"/>
+          </a:p>
+        </p:txBody>
+      </p:sp>
+      <p:sp>
+        <p:nvSpPr>
+          <p:cNvPr id="5" name="Espaço Reservado para Rodapé 4">
+            <a:extLst>
+              <a:ext uri="{FF2B5EF4-FFF2-40B4-BE49-F238E27FC236}">
+                <a16:creationId xmlns:a16="http://schemas.microsoft.com/office/drawing/2014/main" id="{3A307B39-7824-8816-256C-D323FCE3130B}"/>
+              </a:ext>
+            </a:extLst>
+          </p:cNvPr>
+          <p:cNvSpPr>
+            <a:spLocks noGrp="1"/>
+          </p:cNvSpPr>
+          <p:nvPr>
+            <p:ph type="ftr" sz="quarter" idx="11"/>
+          </p:nvPr>
+        </p:nvSpPr>
+        <p:spPr/>
+        <p:txBody>
+          <a:bodyPr/>
+          <a:lstStyle/>
+          <a:p>
+            <a:r>
+              <a:rPr lang="en-US"/>
+              <a:t>
+              </a:t>
+            </a:r>
+            <a:endParaRPr lang="en-US" dirty="0"/>
+          </a:p>
+        </p:txBody>
+      </p:sp>
+      <p:sp>
+        <p:nvSpPr>
+          <p:cNvPr id="6" name="Espaço Reservado para Número de Slide 5">
+            <a:extLst>
+              <a:ext uri="{FF2B5EF4-FFF2-40B4-BE49-F238E27FC236}">
+                <a16:creationId xmlns:a16="http://schemas.microsoft.com/office/drawing/2014/main" id="{9D4F923D-12D6-61A6-0825-F9FBD88082E8}"/>
+              </a:ext>
+            </a:extLst>
+          </p:cNvPr>
+          <p:cNvSpPr>
+            <a:spLocks noGrp="1"/>
+          </p:cNvSpPr>
+          <p:nvPr>
+            <p:ph type="sldNum" sz="quarter" idx="12"/>
+          </p:nvPr>
+        </p:nvSpPr>
+        <p:spPr/>
+        <p:txBody>
+          <a:bodyPr/>
+          <a:lstStyle/>
+          <a:p>
+            <a:fld id="{196A61CA-0502-4EE4-9724-96EA822543E5}" type="slidenum">
+              <a:rPr lang="en-US" smtClean="0"/>
+              <a:t>8</a:t>
+            </a:fld>
+            <a:endParaRPr lang="en-US" dirty="0"/>
+          </a:p>
+        </p:txBody>
+      </p:sp>
+      <p:sp>
+        <p:nvSpPr>
+          <p:cNvPr id="3" name="TextBox 2">
+            <a:extLst>
+              <a:ext uri="{FF2B5EF4-FFF2-40B4-BE49-F238E27FC236}">
+                <a16:creationId xmlns:a16="http://schemas.microsoft.com/office/drawing/2014/main" id="{B6FEE07F-1E5B-23B5-1F3D-C829A1AAFF36}"/>
+              </a:ext>
+            </a:extLst>
+          </p:cNvPr>
+          <p:cNvSpPr txBox="1"/>
+          <p:nvPr/>
+        </p:nvSpPr>
+        <p:spPr>
+          <a:xfrm>
+            <a:off x="1429566" y="1791195"/>
+            <a:ext cx="9238434" cy="369332"/>
+          </a:xfrm>
+          <a:prstGeom prst="rect">
+            <a:avLst/>
+          </a:prstGeom>
+          <a:noFill/>
+        </p:spPr>
+        <p:txBody>
+          <a:bodyPr rot="0" spcFirstLastPara="0" vertOverflow="overflow" horzOverflow="overflow" vert="horz" wrap="square" lIns="91440" tIns="45720" rIns="91440" bIns="45720" numCol="1" spcCol="0" rtlCol="0" fromWordArt="0" anchor="t" anchorCtr="0" forceAA="0" compatLnSpc="1">
+            <a:prstTxWarp prst="textNoShape">
+              <a:avLst/>
+            </a:prstTxWarp>
+            <a:spAutoFit/>
+          </a:bodyPr>
+          <a:lstStyle/>
+          <a:p>
+            <a:r>
+              <a:rPr lang="en-GB" dirty="0"/>
+              <a:t>A </a:t>
+            </a:r>
+            <a:r>
+              <a:rPr lang="en-GB" dirty="0" err="1"/>
+              <a:t>similaridade</a:t>
+            </a:r>
+            <a:r>
+              <a:rPr lang="en-GB" dirty="0"/>
+              <a:t> de cores é </a:t>
+            </a:r>
+            <a:r>
+              <a:rPr lang="en-GB" dirty="0" err="1"/>
+              <a:t>definida</a:t>
+            </a:r>
+            <a:r>
+              <a:rPr lang="en-GB" dirty="0"/>
+              <a:t> pela </a:t>
+            </a:r>
+            <a:r>
+              <a:rPr lang="en-GB" dirty="0" err="1"/>
+              <a:t>sua</a:t>
+            </a:r>
+            <a:r>
+              <a:rPr lang="en-GB" dirty="0"/>
+              <a:t> </a:t>
+            </a:r>
+            <a:r>
+              <a:rPr lang="en-GB" dirty="0" err="1"/>
+              <a:t>distância</a:t>
+            </a:r>
+            <a:r>
+              <a:rPr lang="en-GB" dirty="0"/>
+              <a:t> </a:t>
+            </a:r>
+            <a:r>
+              <a:rPr lang="en-GB" dirty="0" err="1"/>
+              <a:t>euclidiana</a:t>
+            </a:r>
+            <a:r>
+              <a:rPr lang="en-GB" dirty="0"/>
+              <a:t> no </a:t>
+            </a:r>
+            <a:r>
+              <a:rPr lang="en-GB" dirty="0" err="1"/>
+              <a:t>espaço</a:t>
+            </a:r>
+            <a:r>
+              <a:rPr lang="en-GB" dirty="0"/>
+              <a:t> RGB.</a:t>
+            </a:r>
+          </a:p>
+        </p:txBody>
+      </p:sp>
+    </p:spTree>
+    <p:extLst>
+      <p:ext uri="{BB962C8B-B14F-4D97-AF65-F5344CB8AC3E}">
+        <p14:creationId xmlns:p14="http://schemas.microsoft.com/office/powerpoint/2010/main" val="3167140835"/>
+      </p:ext>
+    </p:extLst>
+  </p:cSld>
+  <p:clrMapOvr>
+    <a:masterClrMapping/>
+  </p:clrMapOvr>
+</p:sld>
+</file>
+
+<file path=ppt/slides/slide9.xml><?xml version="1.0" encoding="utf-8"?>
+<p:sld xmlns:a="http://schemas.openxmlformats.org/drawingml/2006/main" xmlns:r="http://schemas.openxmlformats.org/officeDocument/2006/relationships" xmlns:p="http://schemas.openxmlformats.org/presentationml/2006/main">
+  <p:cSld>
+    <p:spTree>
+      <p:nvGrpSpPr>
+        <p:cNvPr id="1" name=""/>
+        <p:cNvGrpSpPr/>
+        <p:nvPr/>
+      </p:nvGrpSpPr>
+      <p:grpSpPr>
+        <a:xfrm>
+          <a:off x="0" y="0"/>
+          <a:ext cx="0" cy="0"/>
+          <a:chOff x="0" y="0"/>
+          <a:chExt cx="0" cy="0"/>
+        </a:xfrm>
+      </p:grpSpPr>
+      <p:sp>
+        <p:nvSpPr>
+          <p:cNvPr id="2" name="Título 1">
+            <a:extLst>
+              <a:ext uri="{FF2B5EF4-FFF2-40B4-BE49-F238E27FC236}">
+                <a16:creationId xmlns:a16="http://schemas.microsoft.com/office/drawing/2014/main" id="{DBCB45B1-CCDB-636E-C1E1-00F9EC6C3153}"/>
+              </a:ext>
+            </a:extLst>
+          </p:cNvPr>
+          <p:cNvSpPr>
+            <a:spLocks noGrp="1"/>
+          </p:cNvSpPr>
+          <p:nvPr>
+            <p:ph type="title"/>
+          </p:nvPr>
+        </p:nvSpPr>
+        <p:spPr>
+          <a:xfrm>
+            <a:off x="1429566" y="451679"/>
+            <a:ext cx="9238434" cy="857559"/>
+          </a:xfrm>
+        </p:spPr>
+        <p:txBody>
+          <a:bodyPr/>
+          <a:lstStyle/>
+          <a:p>
+            <a:r>
+              <a:rPr lang="pt-BR" dirty="0"/>
+              <a:t>Similaridade de corpos - tabela</a:t>
+            </a:r>
+          </a:p>
+        </p:txBody>
+      </p:sp>
+      <p:pic>
+        <p:nvPicPr>
+          <p:cNvPr id="8" name="Espaço Reservado para Conteúdo 7">
+            <a:extLst>
+              <a:ext uri="{FF2B5EF4-FFF2-40B4-BE49-F238E27FC236}">
+                <a16:creationId xmlns:a16="http://schemas.microsoft.com/office/drawing/2014/main" id="{E48423E3-976B-467F-2E30-6A1746DD5917}"/>
+              </a:ext>
+            </a:extLst>
+          </p:cNvPr>
+          <p:cNvPicPr>
+            <a:picLocks noGrp="1" noChangeAspect="1"/>
+          </p:cNvPicPr>
+          <p:nvPr>
+            <p:ph idx="1"/>
+          </p:nvPr>
+        </p:nvPicPr>
+        <p:blipFill>
+          <a:blip r:embed="rId2"/>
+          <a:stretch>
+            <a:fillRect/>
+          </a:stretch>
+        </p:blipFill>
+        <p:spPr>
+          <a:xfrm>
+            <a:off x="658442" y="1610404"/>
+            <a:ext cx="10791350" cy="3221553"/>
+          </a:xfrm>
+        </p:spPr>
+      </p:pic>
+      <p:sp>
+        <p:nvSpPr>
+          <p:cNvPr id="4" name="Espaço Reservado para Data 3">
+            <a:extLst>
+              <a:ext uri="{FF2B5EF4-FFF2-40B4-BE49-F238E27FC236}">
+                <a16:creationId xmlns:a16="http://schemas.microsoft.com/office/drawing/2014/main" id="{416E5080-9E62-27C7-4E69-5F88761ED333}"/>
+              </a:ext>
+            </a:extLst>
+          </p:cNvPr>
+          <p:cNvSpPr>
+            <a:spLocks noGrp="1"/>
+          </p:cNvSpPr>
+          <p:nvPr>
+            <p:ph type="dt" sz="half" idx="10"/>
+          </p:nvPr>
+        </p:nvSpPr>
+        <p:spPr/>
+        <p:txBody>
+          <a:bodyPr/>
+          <a:lstStyle/>
+          <a:p>
+            <a:fld id="{2D77966D-B3D0-476D-A05D-910784904FD2}" type="datetime1">
+              <a:rPr lang="en-US" smtClean="0"/>
+              <a:t>5/3/2024</a:t>
+            </a:fld>
+            <a:endParaRPr lang="en-US" dirty="0"/>
+          </a:p>
+        </p:txBody>
+      </p:sp>
+      <p:sp>
+        <p:nvSpPr>
+          <p:cNvPr id="5" name="Espaço Reservado para Rodapé 4">
+            <a:extLst>
+              <a:ext uri="{FF2B5EF4-FFF2-40B4-BE49-F238E27FC236}">
+                <a16:creationId xmlns:a16="http://schemas.microsoft.com/office/drawing/2014/main" id="{FBAF729F-F5BB-8F49-A6B2-8DB428E0A9CC}"/>
+              </a:ext>
+            </a:extLst>
+          </p:cNvPr>
+          <p:cNvSpPr>
+            <a:spLocks noGrp="1"/>
+          </p:cNvSpPr>
+          <p:nvPr>
+            <p:ph type="ftr" sz="quarter" idx="11"/>
+          </p:nvPr>
+        </p:nvSpPr>
+        <p:spPr/>
+        <p:txBody>
+          <a:bodyPr/>
+          <a:lstStyle/>
+          <a:p>
+            <a:r>
+              <a:rPr lang="en-US"/>
+              <a:t>
+              </a:t>
+            </a:r>
+            <a:endParaRPr lang="en-US" dirty="0"/>
+          </a:p>
+        </p:txBody>
+      </p:sp>
+      <p:sp>
+        <p:nvSpPr>
+          <p:cNvPr id="6" name="Espaço Reservado para Número de Slide 5">
+            <a:extLst>
+              <a:ext uri="{FF2B5EF4-FFF2-40B4-BE49-F238E27FC236}">
+                <a16:creationId xmlns:a16="http://schemas.microsoft.com/office/drawing/2014/main" id="{FD83643B-7D69-F3C8-BE30-4FA017FF08B8}"/>
+              </a:ext>
+            </a:extLst>
+          </p:cNvPr>
+          <p:cNvSpPr>
+            <a:spLocks noGrp="1"/>
+          </p:cNvSpPr>
+          <p:nvPr>
+            <p:ph type="sldNum" sz="quarter" idx="12"/>
+          </p:nvPr>
+        </p:nvSpPr>
+        <p:spPr/>
+        <p:txBody>
+          <a:bodyPr/>
+          <a:lstStyle/>
+          <a:p>
+            <a:fld id="{196A61CA-0502-4EE4-9724-96EA822543E5}" type="slidenum">
+              <a:rPr lang="en-US" smtClean="0"/>
+              <a:t>9</a:t>
+            </a:fld>
+            <a:endParaRPr lang="en-US" dirty="0"/>
+          </a:p>
+        </p:txBody>
+      </p:sp>
+    </p:spTree>
+    <p:extLst>
+      <p:ext uri="{BB962C8B-B14F-4D97-AF65-F5344CB8AC3E}">
+        <p14:creationId xmlns:p14="http://schemas.microsoft.com/office/powerpoint/2010/main" val="803844127"/>
       </p:ext>
     </p:extLst>
   </p:cSld>
